--- a/slides/Numbers.pptx
+++ b/slides/Numbers.pptx
@@ -301,7 +301,7 @@
           <a:p>
             <a:fld id="{2D552689-2DA0-479A-A453-A3812B106BF5}" type="datetimeFigureOut">
               <a:rPr lang="en-US" smtClean="0"/>
-              <a:t>4/7/2023</a:t>
+              <a:t>4/11/2023</a:t>
             </a:fld>
             <a:endParaRPr lang="en-US"/>
           </a:p>
@@ -529,7 +529,7 @@
           <a:p>
             <a:fld id="{2D552689-2DA0-479A-A453-A3812B106BF5}" type="datetimeFigureOut">
               <a:rPr lang="en-US" smtClean="0"/>
-              <a:t>4/7/2023</a:t>
+              <a:t>4/11/2023</a:t>
             </a:fld>
             <a:endParaRPr lang="en-US"/>
           </a:p>
@@ -709,7 +709,7 @@
           <a:p>
             <a:fld id="{2D552689-2DA0-479A-A453-A3812B106BF5}" type="datetimeFigureOut">
               <a:rPr lang="en-US" smtClean="0"/>
-              <a:t>4/7/2023</a:t>
+              <a:t>4/11/2023</a:t>
             </a:fld>
             <a:endParaRPr lang="en-US"/>
           </a:p>
@@ -879,7 +879,7 @@
           <a:p>
             <a:fld id="{2D552689-2DA0-479A-A453-A3812B106BF5}" type="datetimeFigureOut">
               <a:rPr lang="en-US" smtClean="0"/>
-              <a:t>4/7/2023</a:t>
+              <a:t>4/11/2023</a:t>
             </a:fld>
             <a:endParaRPr lang="en-US"/>
           </a:p>
@@ -1133,7 +1133,7 @@
           <a:p>
             <a:fld id="{2D552689-2DA0-479A-A453-A3812B106BF5}" type="datetimeFigureOut">
               <a:rPr lang="en-US" smtClean="0"/>
-              <a:t>4/7/2023</a:t>
+              <a:t>4/11/2023</a:t>
             </a:fld>
             <a:endParaRPr lang="en-US"/>
           </a:p>
@@ -1459,7 +1459,7 @@
           <a:p>
             <a:fld id="{2D552689-2DA0-479A-A453-A3812B106BF5}" type="datetimeFigureOut">
               <a:rPr lang="en-US" smtClean="0"/>
-              <a:t>4/7/2023</a:t>
+              <a:t>4/11/2023</a:t>
             </a:fld>
             <a:endParaRPr lang="en-US"/>
           </a:p>
@@ -1910,7 +1910,7 @@
           <a:p>
             <a:fld id="{2D552689-2DA0-479A-A453-A3812B106BF5}" type="datetimeFigureOut">
               <a:rPr lang="en-US" smtClean="0"/>
-              <a:t>4/7/2023</a:t>
+              <a:t>4/11/2023</a:t>
             </a:fld>
             <a:endParaRPr lang="en-US"/>
           </a:p>
@@ -2028,7 +2028,7 @@
           <a:p>
             <a:fld id="{2D552689-2DA0-479A-A453-A3812B106BF5}" type="datetimeFigureOut">
               <a:rPr lang="en-US" smtClean="0"/>
-              <a:t>4/7/2023</a:t>
+              <a:t>4/11/2023</a:t>
             </a:fld>
             <a:endParaRPr lang="en-US"/>
           </a:p>
@@ -2123,7 +2123,7 @@
           <a:p>
             <a:fld id="{2D552689-2DA0-479A-A453-A3812B106BF5}" type="datetimeFigureOut">
               <a:rPr lang="en-US" smtClean="0"/>
-              <a:t>4/7/2023</a:t>
+              <a:t>4/11/2023</a:t>
             </a:fld>
             <a:endParaRPr lang="en-US"/>
           </a:p>
@@ -2410,7 +2410,7 @@
           <a:p>
             <a:fld id="{2D552689-2DA0-479A-A453-A3812B106BF5}" type="datetimeFigureOut">
               <a:rPr lang="en-US" smtClean="0"/>
-              <a:t>4/7/2023</a:t>
+              <a:t>4/11/2023</a:t>
             </a:fld>
             <a:endParaRPr lang="en-US"/>
           </a:p>
@@ -2732,7 +2732,7 @@
           <a:p>
             <a:fld id="{2D552689-2DA0-479A-A453-A3812B106BF5}" type="datetimeFigureOut">
               <a:rPr lang="en-US" smtClean="0"/>
-              <a:t>4/7/2023</a:t>
+              <a:t>4/11/2023</a:t>
             </a:fld>
             <a:endParaRPr lang="en-US"/>
           </a:p>
@@ -2986,7 +2986,7 @@
           <a:p>
             <a:fld id="{2D552689-2DA0-479A-A453-A3812B106BF5}" type="datetimeFigureOut">
               <a:rPr lang="en-US" smtClean="0"/>
-              <a:t>4/7/2023</a:t>
+              <a:t>4/11/2023</a:t>
             </a:fld>
             <a:endParaRPr lang="en-US"/>
           </a:p>

--- a/slides/Numbers.pptx
+++ b/slides/Numbers.pptx
@@ -2,7 +2,7 @@
 <file path=ppt/presentation.xml><?xml version="1.0" encoding="utf-8"?>
 <p:presentation xmlns:a="http://schemas.openxmlformats.org/drawingml/2006/main" xmlns:r="http://schemas.openxmlformats.org/officeDocument/2006/relationships" xmlns:p="http://schemas.openxmlformats.org/presentationml/2006/main" saveSubsetFonts="1">
   <p:sldMasterIdLst>
-    <p:sldMasterId id="2147483660" r:id="rId1"/>
+    <p:sldMasterId id="2147483672" r:id="rId1"/>
   </p:sldMasterIdLst>
   <p:sldIdLst>
     <p:sldId id="256" r:id="rId2"/>
@@ -11,22 +11,27 @@
     <p:sldId id="259" r:id="rId5"/>
     <p:sldId id="260" r:id="rId6"/>
     <p:sldId id="261" r:id="rId7"/>
-    <p:sldId id="262" r:id="rId8"/>
-    <p:sldId id="263" r:id="rId9"/>
-    <p:sldId id="264" r:id="rId10"/>
-    <p:sldId id="265" r:id="rId11"/>
-    <p:sldId id="266" r:id="rId12"/>
-    <p:sldId id="267" r:id="rId13"/>
-    <p:sldId id="268" r:id="rId14"/>
-    <p:sldId id="269" r:id="rId15"/>
-    <p:sldId id="270" r:id="rId16"/>
-    <p:sldId id="271" r:id="rId17"/>
-    <p:sldId id="272" r:id="rId18"/>
-    <p:sldId id="273" r:id="rId19"/>
-    <p:sldId id="274" r:id="rId20"/>
-    <p:sldId id="275" r:id="rId21"/>
-    <p:sldId id="276" r:id="rId22"/>
-    <p:sldId id="277" r:id="rId23"/>
+    <p:sldId id="278" r:id="rId8"/>
+    <p:sldId id="279" r:id="rId9"/>
+    <p:sldId id="280" r:id="rId10"/>
+    <p:sldId id="262" r:id="rId11"/>
+    <p:sldId id="263" r:id="rId12"/>
+    <p:sldId id="264" r:id="rId13"/>
+    <p:sldId id="281" r:id="rId14"/>
+    <p:sldId id="265" r:id="rId15"/>
+    <p:sldId id="282" r:id="rId16"/>
+    <p:sldId id="266" r:id="rId17"/>
+    <p:sldId id="267" r:id="rId18"/>
+    <p:sldId id="268" r:id="rId19"/>
+    <p:sldId id="269" r:id="rId20"/>
+    <p:sldId id="270" r:id="rId21"/>
+    <p:sldId id="271" r:id="rId22"/>
+    <p:sldId id="272" r:id="rId23"/>
+    <p:sldId id="273" r:id="rId24"/>
+    <p:sldId id="274" r:id="rId25"/>
+    <p:sldId id="275" r:id="rId26"/>
+    <p:sldId id="276" r:id="rId27"/>
+    <p:sldId id="277" r:id="rId28"/>
   </p:sldIdLst>
   <p:sldSz cx="12192000" cy="6858000"/>
   <p:notesSz cx="6858000" cy="9144000"/>
@@ -34,7 +39,7 @@
     <a:defPPr>
       <a:defRPr lang="en-US"/>
     </a:defPPr>
-    <a:lvl1pPr marL="0" algn="l" defTabSz="457200" rtl="0" eaLnBrk="1" latinLnBrk="0" hangingPunct="1">
+    <a:lvl1pPr marL="0" algn="l" defTabSz="914400" rtl="0" eaLnBrk="1" latinLnBrk="0" hangingPunct="1">
       <a:defRPr sz="1800" kern="1200">
         <a:solidFill>
           <a:schemeClr val="tx1"/>
@@ -44,7 +49,7 @@
         <a:cs typeface="+mn-cs"/>
       </a:defRPr>
     </a:lvl1pPr>
-    <a:lvl2pPr marL="457200" algn="l" defTabSz="457200" rtl="0" eaLnBrk="1" latinLnBrk="0" hangingPunct="1">
+    <a:lvl2pPr marL="457200" algn="l" defTabSz="914400" rtl="0" eaLnBrk="1" latinLnBrk="0" hangingPunct="1">
       <a:defRPr sz="1800" kern="1200">
         <a:solidFill>
           <a:schemeClr val="tx1"/>
@@ -54,7 +59,7 @@
         <a:cs typeface="+mn-cs"/>
       </a:defRPr>
     </a:lvl2pPr>
-    <a:lvl3pPr marL="914400" algn="l" defTabSz="457200" rtl="0" eaLnBrk="1" latinLnBrk="0" hangingPunct="1">
+    <a:lvl3pPr marL="914400" algn="l" defTabSz="914400" rtl="0" eaLnBrk="1" latinLnBrk="0" hangingPunct="1">
       <a:defRPr sz="1800" kern="1200">
         <a:solidFill>
           <a:schemeClr val="tx1"/>
@@ -64,7 +69,7 @@
         <a:cs typeface="+mn-cs"/>
       </a:defRPr>
     </a:lvl3pPr>
-    <a:lvl4pPr marL="1371600" algn="l" defTabSz="457200" rtl="0" eaLnBrk="1" latinLnBrk="0" hangingPunct="1">
+    <a:lvl4pPr marL="1371600" algn="l" defTabSz="914400" rtl="0" eaLnBrk="1" latinLnBrk="0" hangingPunct="1">
       <a:defRPr sz="1800" kern="1200">
         <a:solidFill>
           <a:schemeClr val="tx1"/>
@@ -74,7 +79,7 @@
         <a:cs typeface="+mn-cs"/>
       </a:defRPr>
     </a:lvl4pPr>
-    <a:lvl5pPr marL="1828800" algn="l" defTabSz="457200" rtl="0" eaLnBrk="1" latinLnBrk="0" hangingPunct="1">
+    <a:lvl5pPr marL="1828800" algn="l" defTabSz="914400" rtl="0" eaLnBrk="1" latinLnBrk="0" hangingPunct="1">
       <a:defRPr sz="1800" kern="1200">
         <a:solidFill>
           <a:schemeClr val="tx1"/>
@@ -84,7 +89,7 @@
         <a:cs typeface="+mn-cs"/>
       </a:defRPr>
     </a:lvl5pPr>
-    <a:lvl6pPr marL="2286000" algn="l" defTabSz="457200" rtl="0" eaLnBrk="1" latinLnBrk="0" hangingPunct="1">
+    <a:lvl6pPr marL="2286000" algn="l" defTabSz="914400" rtl="0" eaLnBrk="1" latinLnBrk="0" hangingPunct="1">
       <a:defRPr sz="1800" kern="1200">
         <a:solidFill>
           <a:schemeClr val="tx1"/>
@@ -94,7 +99,7 @@
         <a:cs typeface="+mn-cs"/>
       </a:defRPr>
     </a:lvl6pPr>
-    <a:lvl7pPr marL="2743200" algn="l" defTabSz="457200" rtl="0" eaLnBrk="1" latinLnBrk="0" hangingPunct="1">
+    <a:lvl7pPr marL="2743200" algn="l" defTabSz="914400" rtl="0" eaLnBrk="1" latinLnBrk="0" hangingPunct="1">
       <a:defRPr sz="1800" kern="1200">
         <a:solidFill>
           <a:schemeClr val="tx1"/>
@@ -104,7 +109,7 @@
         <a:cs typeface="+mn-cs"/>
       </a:defRPr>
     </a:lvl7pPr>
-    <a:lvl8pPr marL="3200400" algn="l" defTabSz="457200" rtl="0" eaLnBrk="1" latinLnBrk="0" hangingPunct="1">
+    <a:lvl8pPr marL="3200400" algn="l" defTabSz="914400" rtl="0" eaLnBrk="1" latinLnBrk="0" hangingPunct="1">
       <a:defRPr sz="1800" kern="1200">
         <a:solidFill>
           <a:schemeClr val="tx1"/>
@@ -114,7 +119,7 @@
         <a:cs typeface="+mn-cs"/>
       </a:defRPr>
     </a:lvl8pPr>
-    <a:lvl9pPr marL="3657600" algn="l" defTabSz="457200" rtl="0" eaLnBrk="1" latinLnBrk="0" hangingPunct="1">
+    <a:lvl9pPr marL="3657600" algn="l" defTabSz="914400" rtl="0" eaLnBrk="1" latinLnBrk="0" hangingPunct="1">
       <a:defRPr sz="1800" kern="1200">
         <a:solidFill>
           <a:schemeClr val="tx1"/>
@@ -134,18 +139,8 @@
 </file>
 
 <file path=ppt/slideLayouts/slideLayout1.xml><?xml version="1.0" encoding="utf-8"?>
-<p:sldLayout xmlns:a="http://schemas.openxmlformats.org/drawingml/2006/main" xmlns:r="http://schemas.openxmlformats.org/officeDocument/2006/relationships" xmlns:p="http://schemas.openxmlformats.org/presentationml/2006/main" showMasterSp="0" type="title" preserve="1">
+<p:sldLayout xmlns:a="http://schemas.openxmlformats.org/drawingml/2006/main" xmlns:r="http://schemas.openxmlformats.org/officeDocument/2006/relationships" xmlns:p="http://schemas.openxmlformats.org/presentationml/2006/main" type="title" preserve="1">
   <p:cSld name="Title Slide">
-    <p:bg>
-      <p:bgPr>
-        <a:solidFill>
-          <a:schemeClr val="bg2">
-            <a:lumMod val="75000"/>
-          </a:schemeClr>
-        </a:solidFill>
-        <a:effectLst/>
-      </p:bgPr>
-    </p:bg>
     <p:spTree>
       <p:nvGrpSpPr>
         <p:cNvPr id="1" name=""/>
@@ -162,7 +157,13 @@
       </p:grpSpPr>
       <p:sp>
         <p:nvSpPr>
-          <p:cNvPr id="2" name="Title 1"/>
+          <p:cNvPr id="2" name="Title 1">
+            <a:extLst>
+              <a:ext uri="{FF2B5EF4-FFF2-40B4-BE49-F238E27FC236}">
+                <a16:creationId xmlns:a16="http://schemas.microsoft.com/office/drawing/2014/main" id="{E7254199-4572-5100-080F-51E1C718D4D2}"/>
+              </a:ext>
+            </a:extLst>
+          </p:cNvPr>
           <p:cNvSpPr>
             <a:spLocks noGrp="1"/>
           </p:cNvSpPr>
@@ -172,24 +173,15 @@
         </p:nvSpPr>
         <p:spPr>
           <a:xfrm>
-            <a:off x="1261872" y="758952"/>
-            <a:ext cx="9418320" cy="4041648"/>
+            <a:off x="1524000" y="1122363"/>
+            <a:ext cx="9144000" cy="2387600"/>
           </a:xfrm>
         </p:spPr>
         <p:txBody>
-          <a:bodyPr anchor="b">
-            <a:normAutofit/>
-          </a:bodyPr>
+          <a:bodyPr anchor="b"/>
           <a:lstStyle>
-            <a:lvl1pPr algn="l">
-              <a:lnSpc>
-                <a:spcPct val="85000"/>
-              </a:lnSpc>
-              <a:defRPr sz="7200" baseline="0">
-                <a:solidFill>
-                  <a:schemeClr val="tx1"/>
-                </a:solidFill>
-              </a:defRPr>
+            <a:lvl1pPr algn="ctr">
+              <a:defRPr sz="6000"/>
             </a:lvl1pPr>
           </a:lstStyle>
           <a:p>
@@ -197,13 +189,18 @@
               <a:rPr lang="en-US"/>
               <a:t>Click to edit Master title style</a:t>
             </a:r>
-            <a:endParaRPr lang="en-US" dirty="0"/>
-          </a:p>
-        </p:txBody>
-      </p:sp>
-      <p:sp>
-        <p:nvSpPr>
-          <p:cNvPr id="3" name="Subtitle 2"/>
+          </a:p>
+        </p:txBody>
+      </p:sp>
+      <p:sp>
+        <p:nvSpPr>
+          <p:cNvPr id="3" name="Subtitle 2">
+            <a:extLst>
+              <a:ext uri="{FF2B5EF4-FFF2-40B4-BE49-F238E27FC236}">
+                <a16:creationId xmlns:a16="http://schemas.microsoft.com/office/drawing/2014/main" id="{457F60AC-97CF-996B-B4A3-A4D4750B044B}"/>
+              </a:ext>
+            </a:extLst>
+          </p:cNvPr>
           <p:cNvSpPr>
             <a:spLocks noGrp="1"/>
           </p:cNvSpPr>
@@ -213,56 +210,48 @@
         </p:nvSpPr>
         <p:spPr>
           <a:xfrm>
-            <a:off x="1261872" y="4800600"/>
-            <a:ext cx="9418320" cy="1691640"/>
+            <a:off x="1524000" y="3602038"/>
+            <a:ext cx="9144000" cy="1655762"/>
           </a:xfrm>
         </p:spPr>
         <p:txBody>
-          <a:bodyPr>
-            <a:normAutofit/>
-          </a:bodyPr>
+          <a:bodyPr/>
           <a:lstStyle>
-            <a:lvl1pPr marL="0" indent="0" algn="l">
+            <a:lvl1pPr marL="0" indent="0" algn="ctr">
               <a:buNone/>
-              <a:defRPr sz="2200" baseline="0">
-                <a:solidFill>
-                  <a:schemeClr val="tx1">
-                    <a:lumMod val="75000"/>
-                  </a:schemeClr>
-                </a:solidFill>
-              </a:defRPr>
+              <a:defRPr sz="2400"/>
             </a:lvl1pPr>
             <a:lvl2pPr marL="457200" indent="0" algn="ctr">
               <a:buNone/>
-              <a:defRPr sz="2200"/>
+              <a:defRPr sz="2000"/>
             </a:lvl2pPr>
             <a:lvl3pPr marL="914400" indent="0" algn="ctr">
               <a:buNone/>
-              <a:defRPr sz="2200"/>
+              <a:defRPr sz="1800"/>
             </a:lvl3pPr>
             <a:lvl4pPr marL="1371600" indent="0" algn="ctr">
               <a:buNone/>
-              <a:defRPr sz="2000"/>
+              <a:defRPr sz="1600"/>
             </a:lvl4pPr>
             <a:lvl5pPr marL="1828800" indent="0" algn="ctr">
               <a:buNone/>
-              <a:defRPr sz="2000"/>
+              <a:defRPr sz="1600"/>
             </a:lvl5pPr>
             <a:lvl6pPr marL="2286000" indent="0" algn="ctr">
               <a:buNone/>
-              <a:defRPr sz="2000"/>
+              <a:defRPr sz="1600"/>
             </a:lvl6pPr>
             <a:lvl7pPr marL="2743200" indent="0" algn="ctr">
               <a:buNone/>
-              <a:defRPr sz="2000"/>
+              <a:defRPr sz="1600"/>
             </a:lvl7pPr>
             <a:lvl8pPr marL="3200400" indent="0" algn="ctr">
               <a:buNone/>
-              <a:defRPr sz="2000"/>
+              <a:defRPr sz="1600"/>
             </a:lvl8pPr>
             <a:lvl9pPr marL="3657600" indent="0" algn="ctr">
               <a:buNone/>
-              <a:defRPr sz="2000"/>
+              <a:defRPr sz="1600"/>
             </a:lvl9pPr>
           </a:lstStyle>
           <a:p>
@@ -270,13 +259,18 @@
               <a:rPr lang="en-US"/>
               <a:t>Click to edit Master subtitle style</a:t>
             </a:r>
-            <a:endParaRPr lang="en-US" dirty="0"/>
-          </a:p>
-        </p:txBody>
-      </p:sp>
-      <p:sp>
-        <p:nvSpPr>
-          <p:cNvPr id="4" name="Date Placeholder 3"/>
+          </a:p>
+        </p:txBody>
+      </p:sp>
+      <p:sp>
+        <p:nvSpPr>
+          <p:cNvPr id="4" name="Date Placeholder 3">
+            <a:extLst>
+              <a:ext uri="{FF2B5EF4-FFF2-40B4-BE49-F238E27FC236}">
+                <a16:creationId xmlns:a16="http://schemas.microsoft.com/office/drawing/2014/main" id="{3D6DC2D7-2D20-8FAD-7F4A-D8043EE64986}"/>
+              </a:ext>
+            </a:extLst>
+          </p:cNvPr>
           <p:cNvSpPr>
             <a:spLocks noGrp="1"/>
           </p:cNvSpPr>
@@ -287,21 +281,11 @@
         <p:spPr/>
         <p:txBody>
           <a:bodyPr/>
-          <a:lstStyle>
-            <a:lvl1pPr>
-              <a:defRPr>
-                <a:solidFill>
-                  <a:schemeClr val="tx1">
-                    <a:lumMod val="50000"/>
-                  </a:schemeClr>
-                </a:solidFill>
-              </a:defRPr>
-            </a:lvl1pPr>
-          </a:lstStyle>
+          <a:lstStyle/>
           <a:p>
             <a:fld id="{2D552689-2DA0-479A-A453-A3812B106BF5}" type="datetimeFigureOut">
               <a:rPr lang="en-US" smtClean="0"/>
-              <a:t>4/11/2023</a:t>
+              <a:t>8/9/2023</a:t>
             </a:fld>
             <a:endParaRPr lang="en-US"/>
           </a:p>
@@ -309,7 +293,13 @@
       </p:sp>
       <p:sp>
         <p:nvSpPr>
-          <p:cNvPr id="5" name="Footer Placeholder 4"/>
+          <p:cNvPr id="5" name="Footer Placeholder 4">
+            <a:extLst>
+              <a:ext uri="{FF2B5EF4-FFF2-40B4-BE49-F238E27FC236}">
+                <a16:creationId xmlns:a16="http://schemas.microsoft.com/office/drawing/2014/main" id="{602DA979-477D-52FA-7E8C-634522824BB8}"/>
+              </a:ext>
+            </a:extLst>
+          </p:cNvPr>
           <p:cNvSpPr>
             <a:spLocks noGrp="1"/>
           </p:cNvSpPr>
@@ -320,17 +310,7 @@
         <p:spPr/>
         <p:txBody>
           <a:bodyPr/>
-          <a:lstStyle>
-            <a:lvl1pPr>
-              <a:defRPr>
-                <a:solidFill>
-                  <a:schemeClr val="tx1">
-                    <a:lumMod val="65000"/>
-                  </a:schemeClr>
-                </a:solidFill>
-              </a:defRPr>
-            </a:lvl1pPr>
-          </a:lstStyle>
+          <a:lstStyle/>
           <a:p>
             <a:endParaRPr lang="en-US"/>
           </a:p>
@@ -338,7 +318,13 @@
       </p:sp>
       <p:sp>
         <p:nvSpPr>
-          <p:cNvPr id="6" name="Slide Number Placeholder 5"/>
+          <p:cNvPr id="6" name="Slide Number Placeholder 5">
+            <a:extLst>
+              <a:ext uri="{FF2B5EF4-FFF2-40B4-BE49-F238E27FC236}">
+                <a16:creationId xmlns:a16="http://schemas.microsoft.com/office/drawing/2014/main" id="{454652B2-AE4B-1EAF-9763-E7DFABF1DA62}"/>
+              </a:ext>
+            </a:extLst>
+          </p:cNvPr>
           <p:cNvSpPr>
             <a:spLocks noGrp="1"/>
           </p:cNvSpPr>
@@ -349,17 +335,7 @@
         <p:spPr/>
         <p:txBody>
           <a:bodyPr/>
-          <a:lstStyle>
-            <a:lvl1pPr>
-              <a:defRPr>
-                <a:solidFill>
-                  <a:schemeClr val="tx1">
-                    <a:lumMod val="65000"/>
-                  </a:schemeClr>
-                </a:solidFill>
-              </a:defRPr>
-            </a:lvl1pPr>
-          </a:lstStyle>
+          <a:lstStyle/>
           <a:p>
             <a:fld id="{CC78B42A-C2B5-470E-AA8F-AEB7D87E6EF9}" type="slidenum">
               <a:rPr lang="en-US" smtClean="0"/>
@@ -369,53 +345,15 @@
           </a:p>
         </p:txBody>
       </p:sp>
-      <p:sp>
-        <p:nvSpPr>
-          <p:cNvPr id="7" name="Rectangle 6"/>
-          <p:cNvSpPr/>
-          <p:nvPr/>
-        </p:nvSpPr>
-        <p:spPr>
-          <a:xfrm>
-            <a:off x="0" y="0"/>
-            <a:ext cx="457200" cy="6858000"/>
-          </a:xfrm>
-          <a:prstGeom prst="rect">
-            <a:avLst/>
-          </a:prstGeom>
-          <a:solidFill>
-            <a:schemeClr val="accent1"/>
-          </a:solidFill>
-          <a:ln>
-            <a:noFill/>
-          </a:ln>
-        </p:spPr>
-        <p:style>
-          <a:lnRef idx="2">
-            <a:schemeClr val="accent1">
-              <a:shade val="50000"/>
-            </a:schemeClr>
-          </a:lnRef>
-          <a:fillRef idx="1">
-            <a:schemeClr val="accent1"/>
-          </a:fillRef>
-          <a:effectRef idx="0">
-            <a:schemeClr val="accent1"/>
-          </a:effectRef>
-          <a:fontRef idx="minor">
-            <a:schemeClr val="lt1"/>
-          </a:fontRef>
-        </p:style>
-      </p:sp>
     </p:spTree>
     <p:extLst>
       <p:ext uri="{BB962C8B-B14F-4D97-AF65-F5344CB8AC3E}">
-        <p14:creationId xmlns:p14="http://schemas.microsoft.com/office/powerpoint/2010/main" val="1651558607"/>
+        <p14:creationId xmlns:p14="http://schemas.microsoft.com/office/powerpoint/2010/main" val="1195063664"/>
       </p:ext>
     </p:extLst>
   </p:cSld>
   <p:clrMapOvr>
-    <a:overrideClrMapping bg1="dk1" tx1="lt1" bg2="dk2" tx2="lt2" accent1="accent1" accent2="accent2" accent3="accent3" accent4="accent4" accent5="accent5" accent6="accent6" hlink="hlink" folHlink="folHlink"/>
+    <a:masterClrMapping/>
   </p:clrMapOvr>
 </p:sldLayout>
 </file>
@@ -439,7 +377,13 @@
       </p:grpSpPr>
       <p:sp>
         <p:nvSpPr>
-          <p:cNvPr id="2" name="Title 1"/>
+          <p:cNvPr id="2" name="Title 1">
+            <a:extLst>
+              <a:ext uri="{FF2B5EF4-FFF2-40B4-BE49-F238E27FC236}">
+                <a16:creationId xmlns:a16="http://schemas.microsoft.com/office/drawing/2014/main" id="{80F771E1-5D6B-87A6-57BE-E428821D4F93}"/>
+              </a:ext>
+            </a:extLst>
+          </p:cNvPr>
           <p:cNvSpPr>
             <a:spLocks noGrp="1"/>
           </p:cNvSpPr>
@@ -456,13 +400,18 @@
               <a:rPr lang="en-US"/>
               <a:t>Click to edit Master title style</a:t>
             </a:r>
-            <a:endParaRPr lang="en-US" dirty="0"/>
-          </a:p>
-        </p:txBody>
-      </p:sp>
-      <p:sp>
-        <p:nvSpPr>
-          <p:cNvPr id="3" name="Vertical Text Placeholder 2"/>
+          </a:p>
+        </p:txBody>
+      </p:sp>
+      <p:sp>
+        <p:nvSpPr>
+          <p:cNvPr id="3" name="Vertical Text Placeholder 2">
+            <a:extLst>
+              <a:ext uri="{FF2B5EF4-FFF2-40B4-BE49-F238E27FC236}">
+                <a16:creationId xmlns:a16="http://schemas.microsoft.com/office/drawing/2014/main" id="{F7E1EE82-DB2B-6B28-CECA-EB5D9A713F8A}"/>
+              </a:ext>
+            </a:extLst>
+          </p:cNvPr>
           <p:cNvSpPr>
             <a:spLocks noGrp="1"/>
           </p:cNvSpPr>
@@ -508,13 +457,18 @@
               <a:rPr lang="en-US"/>
               <a:t>Fifth level</a:t>
             </a:r>
-            <a:endParaRPr lang="en-US" dirty="0"/>
-          </a:p>
-        </p:txBody>
-      </p:sp>
-      <p:sp>
-        <p:nvSpPr>
-          <p:cNvPr id="4" name="Date Placeholder 3"/>
+          </a:p>
+        </p:txBody>
+      </p:sp>
+      <p:sp>
+        <p:nvSpPr>
+          <p:cNvPr id="4" name="Date Placeholder 3">
+            <a:extLst>
+              <a:ext uri="{FF2B5EF4-FFF2-40B4-BE49-F238E27FC236}">
+                <a16:creationId xmlns:a16="http://schemas.microsoft.com/office/drawing/2014/main" id="{C815CFCA-82D6-246F-EAF4-2A29C0A758EB}"/>
+              </a:ext>
+            </a:extLst>
+          </p:cNvPr>
           <p:cNvSpPr>
             <a:spLocks noGrp="1"/>
           </p:cNvSpPr>
@@ -529,7 +483,7 @@
           <a:p>
             <a:fld id="{2D552689-2DA0-479A-A453-A3812B106BF5}" type="datetimeFigureOut">
               <a:rPr lang="en-US" smtClean="0"/>
-              <a:t>4/11/2023</a:t>
+              <a:t>8/9/2023</a:t>
             </a:fld>
             <a:endParaRPr lang="en-US"/>
           </a:p>
@@ -537,7 +491,13 @@
       </p:sp>
       <p:sp>
         <p:nvSpPr>
-          <p:cNvPr id="5" name="Footer Placeholder 4"/>
+          <p:cNvPr id="5" name="Footer Placeholder 4">
+            <a:extLst>
+              <a:ext uri="{FF2B5EF4-FFF2-40B4-BE49-F238E27FC236}">
+                <a16:creationId xmlns:a16="http://schemas.microsoft.com/office/drawing/2014/main" id="{DBFEB85D-267F-12E8-8F31-25DB12E21FD7}"/>
+              </a:ext>
+            </a:extLst>
+          </p:cNvPr>
           <p:cNvSpPr>
             <a:spLocks noGrp="1"/>
           </p:cNvSpPr>
@@ -556,7 +516,13 @@
       </p:sp>
       <p:sp>
         <p:nvSpPr>
-          <p:cNvPr id="6" name="Slide Number Placeholder 5"/>
+          <p:cNvPr id="6" name="Slide Number Placeholder 5">
+            <a:extLst>
+              <a:ext uri="{FF2B5EF4-FFF2-40B4-BE49-F238E27FC236}">
+                <a16:creationId xmlns:a16="http://schemas.microsoft.com/office/drawing/2014/main" id="{06572B33-361A-F590-095F-2F1A2331879E}"/>
+              </a:ext>
+            </a:extLst>
+          </p:cNvPr>
           <p:cNvSpPr>
             <a:spLocks noGrp="1"/>
           </p:cNvSpPr>
@@ -580,7 +546,7 @@
     </p:spTree>
     <p:extLst>
       <p:ext uri="{BB962C8B-B14F-4D97-AF65-F5344CB8AC3E}">
-        <p14:creationId xmlns:p14="http://schemas.microsoft.com/office/powerpoint/2010/main" val="1160890777"/>
+        <p14:creationId xmlns:p14="http://schemas.microsoft.com/office/powerpoint/2010/main" val="1861649916"/>
       </p:ext>
     </p:extLst>
   </p:cSld>
@@ -609,7 +575,13 @@
       </p:grpSpPr>
       <p:sp>
         <p:nvSpPr>
-          <p:cNvPr id="2" name="Vertical Title 1"/>
+          <p:cNvPr id="2" name="Vertical Title 1">
+            <a:extLst>
+              <a:ext uri="{FF2B5EF4-FFF2-40B4-BE49-F238E27FC236}">
+                <a16:creationId xmlns:a16="http://schemas.microsoft.com/office/drawing/2014/main" id="{0A87F3BD-04A9-7027-BBCD-2B898CD714BB}"/>
+              </a:ext>
+            </a:extLst>
+          </p:cNvPr>
           <p:cNvSpPr>
             <a:spLocks noGrp="1"/>
           </p:cNvSpPr>
@@ -619,8 +591,8 @@
         </p:nvSpPr>
         <p:spPr>
           <a:xfrm>
-            <a:off x="8648700" y="381000"/>
-            <a:ext cx="2476500" cy="5897562"/>
+            <a:off x="8724900" y="365125"/>
+            <a:ext cx="2628900" cy="5811838"/>
           </a:xfrm>
         </p:spPr>
         <p:txBody>
@@ -631,13 +603,18 @@
               <a:rPr lang="en-US"/>
               <a:t>Click to edit Master title style</a:t>
             </a:r>
-            <a:endParaRPr lang="en-US" dirty="0"/>
-          </a:p>
-        </p:txBody>
-      </p:sp>
-      <p:sp>
-        <p:nvSpPr>
-          <p:cNvPr id="3" name="Vertical Text Placeholder 2"/>
+          </a:p>
+        </p:txBody>
+      </p:sp>
+      <p:sp>
+        <p:nvSpPr>
+          <p:cNvPr id="3" name="Vertical Text Placeholder 2">
+            <a:extLst>
+              <a:ext uri="{FF2B5EF4-FFF2-40B4-BE49-F238E27FC236}">
+                <a16:creationId xmlns:a16="http://schemas.microsoft.com/office/drawing/2014/main" id="{AB020B4B-FAD6-9FC3-A9A3-956438C1607C}"/>
+              </a:ext>
+            </a:extLst>
+          </p:cNvPr>
           <p:cNvSpPr>
             <a:spLocks noGrp="1"/>
           </p:cNvSpPr>
@@ -647,8 +624,8 @@
         </p:nvSpPr>
         <p:spPr>
           <a:xfrm>
-            <a:off x="762000" y="381000"/>
-            <a:ext cx="7734300" cy="5897562"/>
+            <a:off x="838200" y="365125"/>
+            <a:ext cx="7734300" cy="5811838"/>
           </a:xfrm>
         </p:spPr>
         <p:txBody>
@@ -688,13 +665,18 @@
               <a:rPr lang="en-US"/>
               <a:t>Fifth level</a:t>
             </a:r>
-            <a:endParaRPr lang="en-US" dirty="0"/>
-          </a:p>
-        </p:txBody>
-      </p:sp>
-      <p:sp>
-        <p:nvSpPr>
-          <p:cNvPr id="4" name="Date Placeholder 3"/>
+          </a:p>
+        </p:txBody>
+      </p:sp>
+      <p:sp>
+        <p:nvSpPr>
+          <p:cNvPr id="4" name="Date Placeholder 3">
+            <a:extLst>
+              <a:ext uri="{FF2B5EF4-FFF2-40B4-BE49-F238E27FC236}">
+                <a16:creationId xmlns:a16="http://schemas.microsoft.com/office/drawing/2014/main" id="{807B56AA-2A0E-6E5F-B00F-623DE3CC4428}"/>
+              </a:ext>
+            </a:extLst>
+          </p:cNvPr>
           <p:cNvSpPr>
             <a:spLocks noGrp="1"/>
           </p:cNvSpPr>
@@ -709,7 +691,7 @@
           <a:p>
             <a:fld id="{2D552689-2DA0-479A-A453-A3812B106BF5}" type="datetimeFigureOut">
               <a:rPr lang="en-US" smtClean="0"/>
-              <a:t>4/11/2023</a:t>
+              <a:t>8/9/2023</a:t>
             </a:fld>
             <a:endParaRPr lang="en-US"/>
           </a:p>
@@ -717,7 +699,13 @@
       </p:sp>
       <p:sp>
         <p:nvSpPr>
-          <p:cNvPr id="5" name="Footer Placeholder 4"/>
+          <p:cNvPr id="5" name="Footer Placeholder 4">
+            <a:extLst>
+              <a:ext uri="{FF2B5EF4-FFF2-40B4-BE49-F238E27FC236}">
+                <a16:creationId xmlns:a16="http://schemas.microsoft.com/office/drawing/2014/main" id="{F36A2A43-9163-5827-900F-0920299D66CB}"/>
+              </a:ext>
+            </a:extLst>
+          </p:cNvPr>
           <p:cNvSpPr>
             <a:spLocks noGrp="1"/>
           </p:cNvSpPr>
@@ -736,7 +724,13 @@
       </p:sp>
       <p:sp>
         <p:nvSpPr>
-          <p:cNvPr id="6" name="Slide Number Placeholder 5"/>
+          <p:cNvPr id="6" name="Slide Number Placeholder 5">
+            <a:extLst>
+              <a:ext uri="{FF2B5EF4-FFF2-40B4-BE49-F238E27FC236}">
+                <a16:creationId xmlns:a16="http://schemas.microsoft.com/office/drawing/2014/main" id="{49BC1479-D477-6F62-3D80-1231A313B2C2}"/>
+              </a:ext>
+            </a:extLst>
+          </p:cNvPr>
           <p:cNvSpPr>
             <a:spLocks noGrp="1"/>
           </p:cNvSpPr>
@@ -760,7 +754,7 @@
     </p:spTree>
     <p:extLst>
       <p:ext uri="{BB962C8B-B14F-4D97-AF65-F5344CB8AC3E}">
-        <p14:creationId xmlns:p14="http://schemas.microsoft.com/office/powerpoint/2010/main" val="3128429345"/>
+        <p14:creationId xmlns:p14="http://schemas.microsoft.com/office/powerpoint/2010/main" val="1825132623"/>
       </p:ext>
     </p:extLst>
   </p:cSld>
@@ -789,7 +783,13 @@
       </p:grpSpPr>
       <p:sp>
         <p:nvSpPr>
-          <p:cNvPr id="2" name="Title 1"/>
+          <p:cNvPr id="2" name="Title 1">
+            <a:extLst>
+              <a:ext uri="{FF2B5EF4-FFF2-40B4-BE49-F238E27FC236}">
+                <a16:creationId xmlns:a16="http://schemas.microsoft.com/office/drawing/2014/main" id="{C38F0A5E-04E7-557E-E9DC-89AD76D101B0}"/>
+              </a:ext>
+            </a:extLst>
+          </p:cNvPr>
           <p:cNvSpPr>
             <a:spLocks noGrp="1"/>
           </p:cNvSpPr>
@@ -806,13 +806,18 @@
               <a:rPr lang="en-US"/>
               <a:t>Click to edit Master title style</a:t>
             </a:r>
-            <a:endParaRPr lang="en-US" dirty="0"/>
-          </a:p>
-        </p:txBody>
-      </p:sp>
-      <p:sp>
-        <p:nvSpPr>
-          <p:cNvPr id="3" name="Content Placeholder 2"/>
+          </a:p>
+        </p:txBody>
+      </p:sp>
+      <p:sp>
+        <p:nvSpPr>
+          <p:cNvPr id="3" name="Content Placeholder 2">
+            <a:extLst>
+              <a:ext uri="{FF2B5EF4-FFF2-40B4-BE49-F238E27FC236}">
+                <a16:creationId xmlns:a16="http://schemas.microsoft.com/office/drawing/2014/main" id="{C151D673-4ED8-556B-581B-9183B51DD3C9}"/>
+              </a:ext>
+            </a:extLst>
+          </p:cNvPr>
           <p:cNvSpPr>
             <a:spLocks noGrp="1"/>
           </p:cNvSpPr>
@@ -858,13 +863,18 @@
               <a:rPr lang="en-US"/>
               <a:t>Fifth level</a:t>
             </a:r>
-            <a:endParaRPr lang="en-US" dirty="0"/>
-          </a:p>
-        </p:txBody>
-      </p:sp>
-      <p:sp>
-        <p:nvSpPr>
-          <p:cNvPr id="4" name="Date Placeholder 3"/>
+          </a:p>
+        </p:txBody>
+      </p:sp>
+      <p:sp>
+        <p:nvSpPr>
+          <p:cNvPr id="4" name="Date Placeholder 3">
+            <a:extLst>
+              <a:ext uri="{FF2B5EF4-FFF2-40B4-BE49-F238E27FC236}">
+                <a16:creationId xmlns:a16="http://schemas.microsoft.com/office/drawing/2014/main" id="{6FBF2AE5-C856-E2B5-9998-EA58F7875D1A}"/>
+              </a:ext>
+            </a:extLst>
+          </p:cNvPr>
           <p:cNvSpPr>
             <a:spLocks noGrp="1"/>
           </p:cNvSpPr>
@@ -879,7 +889,7 @@
           <a:p>
             <a:fld id="{2D552689-2DA0-479A-A453-A3812B106BF5}" type="datetimeFigureOut">
               <a:rPr lang="en-US" smtClean="0"/>
-              <a:t>4/11/2023</a:t>
+              <a:t>8/9/2023</a:t>
             </a:fld>
             <a:endParaRPr lang="en-US"/>
           </a:p>
@@ -887,7 +897,13 @@
       </p:sp>
       <p:sp>
         <p:nvSpPr>
-          <p:cNvPr id="5" name="Footer Placeholder 4"/>
+          <p:cNvPr id="5" name="Footer Placeholder 4">
+            <a:extLst>
+              <a:ext uri="{FF2B5EF4-FFF2-40B4-BE49-F238E27FC236}">
+                <a16:creationId xmlns:a16="http://schemas.microsoft.com/office/drawing/2014/main" id="{BA0BB84C-FFCE-ECAA-0204-EA2CC454256A}"/>
+              </a:ext>
+            </a:extLst>
+          </p:cNvPr>
           <p:cNvSpPr>
             <a:spLocks noGrp="1"/>
           </p:cNvSpPr>
@@ -906,7 +922,13 @@
       </p:sp>
       <p:sp>
         <p:nvSpPr>
-          <p:cNvPr id="6" name="Slide Number Placeholder 5"/>
+          <p:cNvPr id="6" name="Slide Number Placeholder 5">
+            <a:extLst>
+              <a:ext uri="{FF2B5EF4-FFF2-40B4-BE49-F238E27FC236}">
+                <a16:creationId xmlns:a16="http://schemas.microsoft.com/office/drawing/2014/main" id="{2D11D851-E38E-B059-8F7A-098864F279D4}"/>
+              </a:ext>
+            </a:extLst>
+          </p:cNvPr>
           <p:cNvSpPr>
             <a:spLocks noGrp="1"/>
           </p:cNvSpPr>
@@ -930,7 +952,7 @@
     </p:spTree>
     <p:extLst>
       <p:ext uri="{BB962C8B-B14F-4D97-AF65-F5344CB8AC3E}">
-        <p14:creationId xmlns:p14="http://schemas.microsoft.com/office/powerpoint/2010/main" val="2895788634"/>
+        <p14:creationId xmlns:p14="http://schemas.microsoft.com/office/powerpoint/2010/main" val="2115042639"/>
       </p:ext>
     </p:extLst>
   </p:cSld>
@@ -959,7 +981,13 @@
       </p:grpSpPr>
       <p:sp>
         <p:nvSpPr>
-          <p:cNvPr id="2" name="Title 1"/>
+          <p:cNvPr id="2" name="Title 1">
+            <a:extLst>
+              <a:ext uri="{FF2B5EF4-FFF2-40B4-BE49-F238E27FC236}">
+                <a16:creationId xmlns:a16="http://schemas.microsoft.com/office/drawing/2014/main" id="{2328339E-B91E-C55B-4C06-904832A04121}"/>
+              </a:ext>
+            </a:extLst>
+          </p:cNvPr>
           <p:cNvSpPr>
             <a:spLocks noGrp="1"/>
           </p:cNvSpPr>
@@ -969,20 +997,15 @@
         </p:nvSpPr>
         <p:spPr>
           <a:xfrm>
-            <a:off x="1261872" y="758952"/>
-            <a:ext cx="9418320" cy="4041648"/>
+            <a:off x="831850" y="1709738"/>
+            <a:ext cx="10515600" cy="2852737"/>
           </a:xfrm>
         </p:spPr>
         <p:txBody>
-          <a:bodyPr anchor="b">
-            <a:normAutofit/>
-          </a:bodyPr>
+          <a:bodyPr anchor="b"/>
           <a:lstStyle>
             <a:lvl1pPr>
-              <a:lnSpc>
-                <a:spcPct val="85000"/>
-              </a:lnSpc>
-              <a:defRPr sz="7200" b="0"/>
+              <a:defRPr sz="6000"/>
             </a:lvl1pPr>
           </a:lstStyle>
           <a:p>
@@ -990,13 +1013,18 @@
               <a:rPr lang="en-US"/>
               <a:t>Click to edit Master title style</a:t>
             </a:r>
-            <a:endParaRPr lang="en-US" dirty="0"/>
-          </a:p>
-        </p:txBody>
-      </p:sp>
-      <p:sp>
-        <p:nvSpPr>
-          <p:cNvPr id="3" name="Text Placeholder 2"/>
+          </a:p>
+        </p:txBody>
+      </p:sp>
+      <p:sp>
+        <p:nvSpPr>
+          <p:cNvPr id="3" name="Text Placeholder 2">
+            <a:extLst>
+              <a:ext uri="{FF2B5EF4-FFF2-40B4-BE49-F238E27FC236}">
+                <a16:creationId xmlns:a16="http://schemas.microsoft.com/office/drawing/2014/main" id="{315AD60E-8854-9293-4CE2-02D99FBAE6F2}"/>
+              </a:ext>
+            </a:extLst>
+          </p:cNvPr>
           <p:cNvSpPr>
             <a:spLocks noGrp="1"/>
           </p:cNvSpPr>
@@ -1006,29 +1034,26 @@
         </p:nvSpPr>
         <p:spPr>
           <a:xfrm>
-            <a:off x="1261872" y="4800600"/>
-            <a:ext cx="9418320" cy="1691640"/>
+            <a:off x="831850" y="4589463"/>
+            <a:ext cx="10515600" cy="1500187"/>
           </a:xfrm>
         </p:spPr>
         <p:txBody>
-          <a:bodyPr anchor="t">
-            <a:normAutofit/>
-          </a:bodyPr>
+          <a:bodyPr/>
           <a:lstStyle>
             <a:lvl1pPr marL="0" indent="0">
               <a:buNone/>
-              <a:defRPr sz="2200">
+              <a:defRPr sz="2400">
                 <a:solidFill>
                   <a:schemeClr val="tx1">
-                    <a:lumMod val="65000"/>
-                    <a:lumOff val="35000"/>
+                    <a:tint val="75000"/>
                   </a:schemeClr>
                 </a:solidFill>
               </a:defRPr>
             </a:lvl1pPr>
             <a:lvl2pPr marL="457200" indent="0">
               <a:buNone/>
-              <a:defRPr sz="1800">
+              <a:defRPr sz="2000">
                 <a:solidFill>
                   <a:schemeClr val="tx1">
                     <a:tint val="75000"/>
@@ -1038,7 +1063,7 @@
             </a:lvl2pPr>
             <a:lvl3pPr marL="914400" indent="0">
               <a:buNone/>
-              <a:defRPr sz="1600">
+              <a:defRPr sz="1800">
                 <a:solidFill>
                   <a:schemeClr val="tx1">
                     <a:tint val="75000"/>
@@ -1048,7 +1073,7 @@
             </a:lvl3pPr>
             <a:lvl4pPr marL="1371600" indent="0">
               <a:buNone/>
-              <a:defRPr sz="1400">
+              <a:defRPr sz="1600">
                 <a:solidFill>
                   <a:schemeClr val="tx1">
                     <a:tint val="75000"/>
@@ -1058,7 +1083,7 @@
             </a:lvl4pPr>
             <a:lvl5pPr marL="1828800" indent="0">
               <a:buNone/>
-              <a:defRPr sz="1400">
+              <a:defRPr sz="1600">
                 <a:solidFill>
                   <a:schemeClr val="tx1">
                     <a:tint val="75000"/>
@@ -1068,7 +1093,7 @@
             </a:lvl5pPr>
             <a:lvl6pPr marL="2286000" indent="0">
               <a:buNone/>
-              <a:defRPr sz="1400">
+              <a:defRPr sz="1600">
                 <a:solidFill>
                   <a:schemeClr val="tx1">
                     <a:tint val="75000"/>
@@ -1078,7 +1103,7 @@
             </a:lvl6pPr>
             <a:lvl7pPr marL="2743200" indent="0">
               <a:buNone/>
-              <a:defRPr sz="1400">
+              <a:defRPr sz="1600">
                 <a:solidFill>
                   <a:schemeClr val="tx1">
                     <a:tint val="75000"/>
@@ -1088,7 +1113,7 @@
             </a:lvl7pPr>
             <a:lvl8pPr marL="3200400" indent="0">
               <a:buNone/>
-              <a:defRPr sz="1400">
+              <a:defRPr sz="1600">
                 <a:solidFill>
                   <a:schemeClr val="tx1">
                     <a:tint val="75000"/>
@@ -1098,7 +1123,7 @@
             </a:lvl8pPr>
             <a:lvl9pPr marL="3657600" indent="0">
               <a:buNone/>
-              <a:defRPr sz="1400">
+              <a:defRPr sz="1600">
                 <a:solidFill>
                   <a:schemeClr val="tx1">
                     <a:tint val="75000"/>
@@ -1118,7 +1143,13 @@
       </p:sp>
       <p:sp>
         <p:nvSpPr>
-          <p:cNvPr id="4" name="Date Placeholder 3"/>
+          <p:cNvPr id="4" name="Date Placeholder 3">
+            <a:extLst>
+              <a:ext uri="{FF2B5EF4-FFF2-40B4-BE49-F238E27FC236}">
+                <a16:creationId xmlns:a16="http://schemas.microsoft.com/office/drawing/2014/main" id="{8D6BE36D-29FF-DD38-05FC-4EFF89635CCE}"/>
+              </a:ext>
+            </a:extLst>
+          </p:cNvPr>
           <p:cNvSpPr>
             <a:spLocks noGrp="1"/>
           </p:cNvSpPr>
@@ -1133,7 +1164,7 @@
           <a:p>
             <a:fld id="{2D552689-2DA0-479A-A453-A3812B106BF5}" type="datetimeFigureOut">
               <a:rPr lang="en-US" smtClean="0"/>
-              <a:t>4/11/2023</a:t>
+              <a:t>8/9/2023</a:t>
             </a:fld>
             <a:endParaRPr lang="en-US"/>
           </a:p>
@@ -1141,7 +1172,13 @@
       </p:sp>
       <p:sp>
         <p:nvSpPr>
-          <p:cNvPr id="5" name="Footer Placeholder 4"/>
+          <p:cNvPr id="5" name="Footer Placeholder 4">
+            <a:extLst>
+              <a:ext uri="{FF2B5EF4-FFF2-40B4-BE49-F238E27FC236}">
+                <a16:creationId xmlns:a16="http://schemas.microsoft.com/office/drawing/2014/main" id="{698465FA-322A-A125-4BD7-8E173D50C6EA}"/>
+              </a:ext>
+            </a:extLst>
+          </p:cNvPr>
           <p:cNvSpPr>
             <a:spLocks noGrp="1"/>
           </p:cNvSpPr>
@@ -1160,7 +1197,13 @@
       </p:sp>
       <p:sp>
         <p:nvSpPr>
-          <p:cNvPr id="6" name="Slide Number Placeholder 5"/>
+          <p:cNvPr id="6" name="Slide Number Placeholder 5">
+            <a:extLst>
+              <a:ext uri="{FF2B5EF4-FFF2-40B4-BE49-F238E27FC236}">
+                <a16:creationId xmlns:a16="http://schemas.microsoft.com/office/drawing/2014/main" id="{8623CAE3-6E9D-47B1-A49C-8B2E056E3BFA}"/>
+              </a:ext>
+            </a:extLst>
+          </p:cNvPr>
           <p:cNvSpPr>
             <a:spLocks noGrp="1"/>
           </p:cNvSpPr>
@@ -1181,48 +1224,10 @@
           </a:p>
         </p:txBody>
       </p:sp>
-      <p:sp>
-        <p:nvSpPr>
-          <p:cNvPr id="7" name="Rectangle 6"/>
-          <p:cNvSpPr/>
-          <p:nvPr/>
-        </p:nvSpPr>
-        <p:spPr>
-          <a:xfrm>
-            <a:off x="0" y="0"/>
-            <a:ext cx="457200" cy="6858000"/>
-          </a:xfrm>
-          <a:prstGeom prst="rect">
-            <a:avLst/>
-          </a:prstGeom>
-          <a:solidFill>
-            <a:schemeClr val="accent1"/>
-          </a:solidFill>
-          <a:ln>
-            <a:noFill/>
-          </a:ln>
-        </p:spPr>
-        <p:style>
-          <a:lnRef idx="2">
-            <a:schemeClr val="accent1">
-              <a:shade val="50000"/>
-            </a:schemeClr>
-          </a:lnRef>
-          <a:fillRef idx="1">
-            <a:schemeClr val="accent1"/>
-          </a:fillRef>
-          <a:effectRef idx="0">
-            <a:schemeClr val="accent1"/>
-          </a:effectRef>
-          <a:fontRef idx="minor">
-            <a:schemeClr val="lt1"/>
-          </a:fontRef>
-        </p:style>
-      </p:sp>
     </p:spTree>
     <p:extLst>
       <p:ext uri="{BB962C8B-B14F-4D97-AF65-F5344CB8AC3E}">
-        <p14:creationId xmlns:p14="http://schemas.microsoft.com/office/powerpoint/2010/main" val="792184842"/>
+        <p14:creationId xmlns:p14="http://schemas.microsoft.com/office/powerpoint/2010/main" val="3483741090"/>
       </p:ext>
     </p:extLst>
   </p:cSld>
@@ -1251,7 +1256,13 @@
       </p:grpSpPr>
       <p:sp>
         <p:nvSpPr>
-          <p:cNvPr id="2" name="Title 1"/>
+          <p:cNvPr id="2" name="Title 1">
+            <a:extLst>
+              <a:ext uri="{FF2B5EF4-FFF2-40B4-BE49-F238E27FC236}">
+                <a16:creationId xmlns:a16="http://schemas.microsoft.com/office/drawing/2014/main" id="{146F2323-70B3-29ED-FB3B-8F1B7307BFEB}"/>
+              </a:ext>
+            </a:extLst>
+          </p:cNvPr>
           <p:cNvSpPr>
             <a:spLocks noGrp="1"/>
           </p:cNvSpPr>
@@ -1268,13 +1279,18 @@
               <a:rPr lang="en-US"/>
               <a:t>Click to edit Master title style</a:t>
             </a:r>
-            <a:endParaRPr lang="en-US" dirty="0"/>
-          </a:p>
-        </p:txBody>
-      </p:sp>
-      <p:sp>
-        <p:nvSpPr>
-          <p:cNvPr id="3" name="Content Placeholder 2"/>
+          </a:p>
+        </p:txBody>
+      </p:sp>
+      <p:sp>
+        <p:nvSpPr>
+          <p:cNvPr id="3" name="Content Placeholder 2">
+            <a:extLst>
+              <a:ext uri="{FF2B5EF4-FFF2-40B4-BE49-F238E27FC236}">
+                <a16:creationId xmlns:a16="http://schemas.microsoft.com/office/drawing/2014/main" id="{DD848AFD-E20B-50A6-FD0F-6A6B170970FA}"/>
+              </a:ext>
+            </a:extLst>
+          </p:cNvPr>
           <p:cNvSpPr>
             <a:spLocks noGrp="1"/>
           </p:cNvSpPr>
@@ -1284,41 +1300,13 @@
         </p:nvSpPr>
         <p:spPr>
           <a:xfrm>
-            <a:off x="1261872" y="1828800"/>
-            <a:ext cx="4480560" cy="4351337"/>
+            <a:off x="838200" y="1825625"/>
+            <a:ext cx="5181600" cy="4351338"/>
           </a:xfrm>
         </p:spPr>
         <p:txBody>
           <a:bodyPr/>
-          <a:lstStyle>
-            <a:lvl1pPr>
-              <a:defRPr sz="1800"/>
-            </a:lvl1pPr>
-            <a:lvl2pPr>
-              <a:defRPr sz="1600"/>
-            </a:lvl2pPr>
-            <a:lvl3pPr>
-              <a:defRPr sz="1400"/>
-            </a:lvl3pPr>
-            <a:lvl4pPr>
-              <a:defRPr sz="1400"/>
-            </a:lvl4pPr>
-            <a:lvl5pPr>
-              <a:defRPr sz="1400"/>
-            </a:lvl5pPr>
-            <a:lvl6pPr>
-              <a:defRPr sz="1400"/>
-            </a:lvl6pPr>
-            <a:lvl7pPr>
-              <a:defRPr sz="1400"/>
-            </a:lvl7pPr>
-            <a:lvl8pPr>
-              <a:defRPr sz="1400"/>
-            </a:lvl8pPr>
-            <a:lvl9pPr>
-              <a:defRPr sz="1400"/>
-            </a:lvl9pPr>
-          </a:lstStyle>
+          <a:lstStyle/>
           <a:p>
             <a:pPr lvl="0"/>
             <a:r>
@@ -1353,13 +1341,18 @@
               <a:rPr lang="en-US"/>
               <a:t>Fifth level</a:t>
             </a:r>
-            <a:endParaRPr lang="en-US" dirty="0"/>
-          </a:p>
-        </p:txBody>
-      </p:sp>
-      <p:sp>
-        <p:nvSpPr>
-          <p:cNvPr id="4" name="Content Placeholder 3"/>
+          </a:p>
+        </p:txBody>
+      </p:sp>
+      <p:sp>
+        <p:nvSpPr>
+          <p:cNvPr id="4" name="Content Placeholder 3">
+            <a:extLst>
+              <a:ext uri="{FF2B5EF4-FFF2-40B4-BE49-F238E27FC236}">
+                <a16:creationId xmlns:a16="http://schemas.microsoft.com/office/drawing/2014/main" id="{FA03A753-B2AB-60C2-80FE-77364EE1E4BB}"/>
+              </a:ext>
+            </a:extLst>
+          </p:cNvPr>
           <p:cNvSpPr>
             <a:spLocks noGrp="1"/>
           </p:cNvSpPr>
@@ -1369,41 +1362,13 @@
         </p:nvSpPr>
         <p:spPr>
           <a:xfrm>
-            <a:off x="6126480" y="1828800"/>
-            <a:ext cx="4480560" cy="4351337"/>
+            <a:off x="6172200" y="1825625"/>
+            <a:ext cx="5181600" cy="4351338"/>
           </a:xfrm>
         </p:spPr>
         <p:txBody>
           <a:bodyPr/>
-          <a:lstStyle>
-            <a:lvl1pPr>
-              <a:defRPr sz="1800"/>
-            </a:lvl1pPr>
-            <a:lvl2pPr>
-              <a:defRPr sz="1600"/>
-            </a:lvl2pPr>
-            <a:lvl3pPr>
-              <a:defRPr sz="1400"/>
-            </a:lvl3pPr>
-            <a:lvl4pPr>
-              <a:defRPr sz="1400"/>
-            </a:lvl4pPr>
-            <a:lvl5pPr>
-              <a:defRPr sz="1400"/>
-            </a:lvl5pPr>
-            <a:lvl6pPr>
-              <a:defRPr sz="1400"/>
-            </a:lvl6pPr>
-            <a:lvl7pPr>
-              <a:defRPr sz="1400"/>
-            </a:lvl7pPr>
-            <a:lvl8pPr>
-              <a:defRPr sz="1400"/>
-            </a:lvl8pPr>
-            <a:lvl9pPr>
-              <a:defRPr sz="1400"/>
-            </a:lvl9pPr>
-          </a:lstStyle>
+          <a:lstStyle/>
           <a:p>
             <a:pPr lvl="0"/>
             <a:r>
@@ -1438,13 +1403,18 @@
               <a:rPr lang="en-US"/>
               <a:t>Fifth level</a:t>
             </a:r>
-            <a:endParaRPr lang="en-US" dirty="0"/>
-          </a:p>
-        </p:txBody>
-      </p:sp>
-      <p:sp>
-        <p:nvSpPr>
-          <p:cNvPr id="5" name="Date Placeholder 4"/>
+          </a:p>
+        </p:txBody>
+      </p:sp>
+      <p:sp>
+        <p:nvSpPr>
+          <p:cNvPr id="5" name="Date Placeholder 4">
+            <a:extLst>
+              <a:ext uri="{FF2B5EF4-FFF2-40B4-BE49-F238E27FC236}">
+                <a16:creationId xmlns:a16="http://schemas.microsoft.com/office/drawing/2014/main" id="{63EF83F7-AA11-EE1E-603A-DD64A491BD04}"/>
+              </a:ext>
+            </a:extLst>
+          </p:cNvPr>
           <p:cNvSpPr>
             <a:spLocks noGrp="1"/>
           </p:cNvSpPr>
@@ -1459,7 +1429,7 @@
           <a:p>
             <a:fld id="{2D552689-2DA0-479A-A453-A3812B106BF5}" type="datetimeFigureOut">
               <a:rPr lang="en-US" smtClean="0"/>
-              <a:t>4/11/2023</a:t>
+              <a:t>8/9/2023</a:t>
             </a:fld>
             <a:endParaRPr lang="en-US"/>
           </a:p>
@@ -1467,7 +1437,13 @@
       </p:sp>
       <p:sp>
         <p:nvSpPr>
-          <p:cNvPr id="6" name="Footer Placeholder 5"/>
+          <p:cNvPr id="6" name="Footer Placeholder 5">
+            <a:extLst>
+              <a:ext uri="{FF2B5EF4-FFF2-40B4-BE49-F238E27FC236}">
+                <a16:creationId xmlns:a16="http://schemas.microsoft.com/office/drawing/2014/main" id="{7ED869F4-11C7-C4D4-9599-40049749AB7C}"/>
+              </a:ext>
+            </a:extLst>
+          </p:cNvPr>
           <p:cNvSpPr>
             <a:spLocks noGrp="1"/>
           </p:cNvSpPr>
@@ -1486,7 +1462,13 @@
       </p:sp>
       <p:sp>
         <p:nvSpPr>
-          <p:cNvPr id="7" name="Slide Number Placeholder 6"/>
+          <p:cNvPr id="7" name="Slide Number Placeholder 6">
+            <a:extLst>
+              <a:ext uri="{FF2B5EF4-FFF2-40B4-BE49-F238E27FC236}">
+                <a16:creationId xmlns:a16="http://schemas.microsoft.com/office/drawing/2014/main" id="{1133C81A-653D-4808-24BC-CDB616C8B5B8}"/>
+              </a:ext>
+            </a:extLst>
+          </p:cNvPr>
           <p:cNvSpPr>
             <a:spLocks noGrp="1"/>
           </p:cNvSpPr>
@@ -1510,7 +1492,7 @@
     </p:spTree>
     <p:extLst>
       <p:ext uri="{BB962C8B-B14F-4D97-AF65-F5344CB8AC3E}">
-        <p14:creationId xmlns:p14="http://schemas.microsoft.com/office/powerpoint/2010/main" val="2006508859"/>
+        <p14:creationId xmlns:p14="http://schemas.microsoft.com/office/powerpoint/2010/main" val="1018479451"/>
       </p:ext>
     </p:extLst>
   </p:cSld>
@@ -1539,7 +1521,13 @@
       </p:grpSpPr>
       <p:sp>
         <p:nvSpPr>
-          <p:cNvPr id="10" name="Title 9"/>
+          <p:cNvPr id="2" name="Title 1">
+            <a:extLst>
+              <a:ext uri="{FF2B5EF4-FFF2-40B4-BE49-F238E27FC236}">
+                <a16:creationId xmlns:a16="http://schemas.microsoft.com/office/drawing/2014/main" id="{219300CD-D469-A029-F5F2-5D25352B8F8E}"/>
+              </a:ext>
+            </a:extLst>
+          </p:cNvPr>
           <p:cNvSpPr>
             <a:spLocks noGrp="1"/>
           </p:cNvSpPr>
@@ -1547,7 +1535,12 @@
             <p:ph type="title"/>
           </p:nvPr>
         </p:nvSpPr>
-        <p:spPr/>
+        <p:spPr>
+          <a:xfrm>
+            <a:off x="839788" y="365125"/>
+            <a:ext cx="10515600" cy="1325563"/>
+          </a:xfrm>
+        </p:spPr>
         <p:txBody>
           <a:bodyPr/>
           <a:lstStyle/>
@@ -1556,13 +1549,18 @@
               <a:rPr lang="en-US"/>
               <a:t>Click to edit Master title style</a:t>
             </a:r>
-            <a:endParaRPr lang="en-US" dirty="0"/>
-          </a:p>
-        </p:txBody>
-      </p:sp>
-      <p:sp>
-        <p:nvSpPr>
-          <p:cNvPr id="3" name="Text Placeholder 2"/>
+          </a:p>
+        </p:txBody>
+      </p:sp>
+      <p:sp>
+        <p:nvSpPr>
+          <p:cNvPr id="3" name="Text Placeholder 2">
+            <a:extLst>
+              <a:ext uri="{FF2B5EF4-FFF2-40B4-BE49-F238E27FC236}">
+                <a16:creationId xmlns:a16="http://schemas.microsoft.com/office/drawing/2014/main" id="{23C26AD2-8A26-35F6-AFD9-38BCEC8A455F}"/>
+              </a:ext>
+            </a:extLst>
+          </p:cNvPr>
           <p:cNvSpPr>
             <a:spLocks noGrp="1"/>
           </p:cNvSpPr>
@@ -1572,25 +1570,16 @@
         </p:nvSpPr>
         <p:spPr>
           <a:xfrm>
-            <a:off x="1261872" y="1713655"/>
-            <a:ext cx="4480560" cy="731520"/>
+            <a:off x="839788" y="1681163"/>
+            <a:ext cx="5157787" cy="823912"/>
           </a:xfrm>
         </p:spPr>
         <p:txBody>
-          <a:bodyPr anchor="b">
-            <a:normAutofit/>
-          </a:bodyPr>
+          <a:bodyPr anchor="b"/>
           <a:lstStyle>
             <a:lvl1pPr marL="0" indent="0">
-              <a:spcBef>
-                <a:spcPts val="0"/>
-              </a:spcBef>
               <a:buNone/>
-              <a:defRPr sz="2000" b="0">
-                <a:solidFill>
-                  <a:schemeClr val="tx2"/>
-                </a:solidFill>
-              </a:defRPr>
+              <a:defRPr sz="2400" b="1"/>
             </a:lvl1pPr>
             <a:lvl2pPr marL="457200" indent="0">
               <a:buNone/>
@@ -1636,7 +1625,13 @@
       </p:sp>
       <p:sp>
         <p:nvSpPr>
-          <p:cNvPr id="4" name="Content Placeholder 3"/>
+          <p:cNvPr id="4" name="Content Placeholder 3">
+            <a:extLst>
+              <a:ext uri="{FF2B5EF4-FFF2-40B4-BE49-F238E27FC236}">
+                <a16:creationId xmlns:a16="http://schemas.microsoft.com/office/drawing/2014/main" id="{991C9A4E-C441-D0F7-717B-C4DD0629E39A}"/>
+              </a:ext>
+            </a:extLst>
+          </p:cNvPr>
           <p:cNvSpPr>
             <a:spLocks noGrp="1"/>
           </p:cNvSpPr>
@@ -1646,41 +1641,13 @@
         </p:nvSpPr>
         <p:spPr>
           <a:xfrm>
-            <a:off x="1261872" y="2507550"/>
-            <a:ext cx="4480560" cy="3664650"/>
+            <a:off x="839788" y="2505075"/>
+            <a:ext cx="5157787" cy="3684588"/>
           </a:xfrm>
         </p:spPr>
         <p:txBody>
           <a:bodyPr/>
-          <a:lstStyle>
-            <a:lvl1pPr>
-              <a:defRPr sz="1800"/>
-            </a:lvl1pPr>
-            <a:lvl2pPr>
-              <a:defRPr sz="1600"/>
-            </a:lvl2pPr>
-            <a:lvl3pPr>
-              <a:defRPr sz="1400"/>
-            </a:lvl3pPr>
-            <a:lvl4pPr>
-              <a:defRPr sz="1400"/>
-            </a:lvl4pPr>
-            <a:lvl5pPr>
-              <a:defRPr sz="1400"/>
-            </a:lvl5pPr>
-            <a:lvl6pPr>
-              <a:defRPr sz="1400"/>
-            </a:lvl6pPr>
-            <a:lvl7pPr>
-              <a:defRPr sz="1400"/>
-            </a:lvl7pPr>
-            <a:lvl8pPr>
-              <a:defRPr sz="1400"/>
-            </a:lvl8pPr>
-            <a:lvl9pPr>
-              <a:defRPr sz="1400"/>
-            </a:lvl9pPr>
-          </a:lstStyle>
+          <a:lstStyle/>
           <a:p>
             <a:pPr lvl="0"/>
             <a:r>
@@ -1715,13 +1682,18 @@
               <a:rPr lang="en-US"/>
               <a:t>Fifth level</a:t>
             </a:r>
-            <a:endParaRPr lang="en-US" dirty="0"/>
-          </a:p>
-        </p:txBody>
-      </p:sp>
-      <p:sp>
-        <p:nvSpPr>
-          <p:cNvPr id="5" name="Text Placeholder 4"/>
+          </a:p>
+        </p:txBody>
+      </p:sp>
+      <p:sp>
+        <p:nvSpPr>
+          <p:cNvPr id="5" name="Text Placeholder 4">
+            <a:extLst>
+              <a:ext uri="{FF2B5EF4-FFF2-40B4-BE49-F238E27FC236}">
+                <a16:creationId xmlns:a16="http://schemas.microsoft.com/office/drawing/2014/main" id="{67BDF3AC-7754-6373-BFFC-5E5E5B54003E}"/>
+              </a:ext>
+            </a:extLst>
+          </p:cNvPr>
           <p:cNvSpPr>
             <a:spLocks noGrp="1"/>
           </p:cNvSpPr>
@@ -1731,31 +1703,16 @@
         </p:nvSpPr>
         <p:spPr>
           <a:xfrm>
-            <a:off x="6126480" y="1713655"/>
-            <a:ext cx="4480560" cy="731520"/>
+            <a:off x="6172200" y="1681163"/>
+            <a:ext cx="5183188" cy="823912"/>
           </a:xfrm>
         </p:spPr>
         <p:txBody>
-          <a:bodyPr anchor="b">
-            <a:normAutofit/>
-          </a:bodyPr>
+          <a:bodyPr anchor="b"/>
           <a:lstStyle>
             <a:lvl1pPr marL="0" indent="0">
-              <a:lnSpc>
-                <a:spcPct val="95000"/>
-              </a:lnSpc>
-              <a:spcBef>
-                <a:spcPts val="0"/>
-              </a:spcBef>
               <a:buNone/>
-              <a:defRPr lang="en-US" sz="2000" b="0" kern="1200" dirty="0">
-                <a:solidFill>
-                  <a:schemeClr val="tx2"/>
-                </a:solidFill>
-                <a:latin typeface="+mn-lt"/>
-                <a:ea typeface="+mn-ea"/>
-                <a:cs typeface="+mn-cs"/>
-              </a:defRPr>
+              <a:defRPr sz="2400" b="1"/>
             </a:lvl1pPr>
             <a:lvl2pPr marL="457200" indent="0">
               <a:buNone/>
@@ -1791,16 +1748,7 @@
             </a:lvl9pPr>
           </a:lstStyle>
           <a:p>
-            <a:pPr marL="0" lvl="0" indent="0" algn="l" defTabSz="914400" rtl="0" eaLnBrk="1" latinLnBrk="0" hangingPunct="1">
-              <a:lnSpc>
-                <a:spcPct val="90000"/>
-              </a:lnSpc>
-              <a:spcBef>
-                <a:spcPts val="2000"/>
-              </a:spcBef>
-              <a:buFontTx/>
-              <a:buNone/>
-            </a:pPr>
+            <a:pPr lvl="0"/>
             <a:r>
               <a:rPr lang="en-US"/>
               <a:t>Click to edit Master text styles</a:t>
@@ -1810,7 +1758,13 @@
       </p:sp>
       <p:sp>
         <p:nvSpPr>
-          <p:cNvPr id="6" name="Content Placeholder 5"/>
+          <p:cNvPr id="6" name="Content Placeholder 5">
+            <a:extLst>
+              <a:ext uri="{FF2B5EF4-FFF2-40B4-BE49-F238E27FC236}">
+                <a16:creationId xmlns:a16="http://schemas.microsoft.com/office/drawing/2014/main" id="{4FA7FAA2-575A-6B32-4910-DC1BC7237F98}"/>
+              </a:ext>
+            </a:extLst>
+          </p:cNvPr>
           <p:cNvSpPr>
             <a:spLocks noGrp="1"/>
           </p:cNvSpPr>
@@ -1820,41 +1774,13 @@
         </p:nvSpPr>
         <p:spPr>
           <a:xfrm>
-            <a:off x="6126480" y="2507550"/>
-            <a:ext cx="4480560" cy="3664650"/>
+            <a:off x="6172200" y="2505075"/>
+            <a:ext cx="5183188" cy="3684588"/>
           </a:xfrm>
         </p:spPr>
         <p:txBody>
           <a:bodyPr/>
-          <a:lstStyle>
-            <a:lvl1pPr>
-              <a:defRPr sz="1800"/>
-            </a:lvl1pPr>
-            <a:lvl2pPr>
-              <a:defRPr sz="1600"/>
-            </a:lvl2pPr>
-            <a:lvl3pPr>
-              <a:defRPr sz="1400"/>
-            </a:lvl3pPr>
-            <a:lvl4pPr>
-              <a:defRPr sz="1400"/>
-            </a:lvl4pPr>
-            <a:lvl5pPr>
-              <a:defRPr sz="1400"/>
-            </a:lvl5pPr>
-            <a:lvl6pPr>
-              <a:defRPr sz="1400"/>
-            </a:lvl6pPr>
-            <a:lvl7pPr>
-              <a:defRPr sz="1400"/>
-            </a:lvl7pPr>
-            <a:lvl8pPr>
-              <a:defRPr sz="1400"/>
-            </a:lvl8pPr>
-            <a:lvl9pPr>
-              <a:defRPr sz="1400"/>
-            </a:lvl9pPr>
-          </a:lstStyle>
+          <a:lstStyle/>
           <a:p>
             <a:pPr lvl="0"/>
             <a:r>
@@ -1889,13 +1815,18 @@
               <a:rPr lang="en-US"/>
               <a:t>Fifth level</a:t>
             </a:r>
-            <a:endParaRPr lang="en-US" dirty="0"/>
-          </a:p>
-        </p:txBody>
-      </p:sp>
-      <p:sp>
-        <p:nvSpPr>
-          <p:cNvPr id="7" name="Date Placeholder 6"/>
+          </a:p>
+        </p:txBody>
+      </p:sp>
+      <p:sp>
+        <p:nvSpPr>
+          <p:cNvPr id="7" name="Date Placeholder 6">
+            <a:extLst>
+              <a:ext uri="{FF2B5EF4-FFF2-40B4-BE49-F238E27FC236}">
+                <a16:creationId xmlns:a16="http://schemas.microsoft.com/office/drawing/2014/main" id="{10970DFC-6C11-2C11-C7C8-15F5E8AE021A}"/>
+              </a:ext>
+            </a:extLst>
+          </p:cNvPr>
           <p:cNvSpPr>
             <a:spLocks noGrp="1"/>
           </p:cNvSpPr>
@@ -1910,7 +1841,7 @@
           <a:p>
             <a:fld id="{2D552689-2DA0-479A-A453-A3812B106BF5}" type="datetimeFigureOut">
               <a:rPr lang="en-US" smtClean="0"/>
-              <a:t>4/11/2023</a:t>
+              <a:t>8/9/2023</a:t>
             </a:fld>
             <a:endParaRPr lang="en-US"/>
           </a:p>
@@ -1918,7 +1849,13 @@
       </p:sp>
       <p:sp>
         <p:nvSpPr>
-          <p:cNvPr id="8" name="Footer Placeholder 7"/>
+          <p:cNvPr id="8" name="Footer Placeholder 7">
+            <a:extLst>
+              <a:ext uri="{FF2B5EF4-FFF2-40B4-BE49-F238E27FC236}">
+                <a16:creationId xmlns:a16="http://schemas.microsoft.com/office/drawing/2014/main" id="{6B68B8C7-E1DF-19D7-2571-1784921D6AAC}"/>
+              </a:ext>
+            </a:extLst>
+          </p:cNvPr>
           <p:cNvSpPr>
             <a:spLocks noGrp="1"/>
           </p:cNvSpPr>
@@ -1937,7 +1874,13 @@
       </p:sp>
       <p:sp>
         <p:nvSpPr>
-          <p:cNvPr id="9" name="Slide Number Placeholder 8"/>
+          <p:cNvPr id="9" name="Slide Number Placeholder 8">
+            <a:extLst>
+              <a:ext uri="{FF2B5EF4-FFF2-40B4-BE49-F238E27FC236}">
+                <a16:creationId xmlns:a16="http://schemas.microsoft.com/office/drawing/2014/main" id="{A4035C5B-D9C2-95C8-001F-92C6A1C7F84A}"/>
+              </a:ext>
+            </a:extLst>
+          </p:cNvPr>
           <p:cNvSpPr>
             <a:spLocks noGrp="1"/>
           </p:cNvSpPr>
@@ -1961,7 +1904,7 @@
     </p:spTree>
     <p:extLst>
       <p:ext uri="{BB962C8B-B14F-4D97-AF65-F5344CB8AC3E}">
-        <p14:creationId xmlns:p14="http://schemas.microsoft.com/office/powerpoint/2010/main" val="1671172340"/>
+        <p14:creationId xmlns:p14="http://schemas.microsoft.com/office/powerpoint/2010/main" val="2098809078"/>
       </p:ext>
     </p:extLst>
   </p:cSld>
@@ -1990,7 +1933,13 @@
       </p:grpSpPr>
       <p:sp>
         <p:nvSpPr>
-          <p:cNvPr id="6" name="Title 5"/>
+          <p:cNvPr id="2" name="Title 1">
+            <a:extLst>
+              <a:ext uri="{FF2B5EF4-FFF2-40B4-BE49-F238E27FC236}">
+                <a16:creationId xmlns:a16="http://schemas.microsoft.com/office/drawing/2014/main" id="{1E1ED256-E487-5F76-E7D5-85BCDBE0E616}"/>
+              </a:ext>
+            </a:extLst>
+          </p:cNvPr>
           <p:cNvSpPr>
             <a:spLocks noGrp="1"/>
           </p:cNvSpPr>
@@ -2007,13 +1956,18 @@
               <a:rPr lang="en-US"/>
               <a:t>Click to edit Master title style</a:t>
             </a:r>
-            <a:endParaRPr lang="en-US" dirty="0"/>
-          </a:p>
-        </p:txBody>
-      </p:sp>
-      <p:sp>
-        <p:nvSpPr>
-          <p:cNvPr id="3" name="Date Placeholder 2"/>
+          </a:p>
+        </p:txBody>
+      </p:sp>
+      <p:sp>
+        <p:nvSpPr>
+          <p:cNvPr id="3" name="Date Placeholder 2">
+            <a:extLst>
+              <a:ext uri="{FF2B5EF4-FFF2-40B4-BE49-F238E27FC236}">
+                <a16:creationId xmlns:a16="http://schemas.microsoft.com/office/drawing/2014/main" id="{1A942084-B7B0-9D76-B57B-6350B56475E5}"/>
+              </a:ext>
+            </a:extLst>
+          </p:cNvPr>
           <p:cNvSpPr>
             <a:spLocks noGrp="1"/>
           </p:cNvSpPr>
@@ -2028,7 +1982,7 @@
           <a:p>
             <a:fld id="{2D552689-2DA0-479A-A453-A3812B106BF5}" type="datetimeFigureOut">
               <a:rPr lang="en-US" smtClean="0"/>
-              <a:t>4/11/2023</a:t>
+              <a:t>8/9/2023</a:t>
             </a:fld>
             <a:endParaRPr lang="en-US"/>
           </a:p>
@@ -2036,7 +1990,13 @@
       </p:sp>
       <p:sp>
         <p:nvSpPr>
-          <p:cNvPr id="4" name="Footer Placeholder 3"/>
+          <p:cNvPr id="4" name="Footer Placeholder 3">
+            <a:extLst>
+              <a:ext uri="{FF2B5EF4-FFF2-40B4-BE49-F238E27FC236}">
+                <a16:creationId xmlns:a16="http://schemas.microsoft.com/office/drawing/2014/main" id="{99147191-2257-DFE5-2570-6AF43D7BE1C5}"/>
+              </a:ext>
+            </a:extLst>
+          </p:cNvPr>
           <p:cNvSpPr>
             <a:spLocks noGrp="1"/>
           </p:cNvSpPr>
@@ -2055,7 +2015,13 @@
       </p:sp>
       <p:sp>
         <p:nvSpPr>
-          <p:cNvPr id="5" name="Slide Number Placeholder 4"/>
+          <p:cNvPr id="5" name="Slide Number Placeholder 4">
+            <a:extLst>
+              <a:ext uri="{FF2B5EF4-FFF2-40B4-BE49-F238E27FC236}">
+                <a16:creationId xmlns:a16="http://schemas.microsoft.com/office/drawing/2014/main" id="{3B1126F1-34C5-1F2A-398F-0E907F77F8CF}"/>
+              </a:ext>
+            </a:extLst>
+          </p:cNvPr>
           <p:cNvSpPr>
             <a:spLocks noGrp="1"/>
           </p:cNvSpPr>
@@ -2079,7 +2045,7 @@
     </p:spTree>
     <p:extLst>
       <p:ext uri="{BB962C8B-B14F-4D97-AF65-F5344CB8AC3E}">
-        <p14:creationId xmlns:p14="http://schemas.microsoft.com/office/powerpoint/2010/main" val="3291461018"/>
+        <p14:creationId xmlns:p14="http://schemas.microsoft.com/office/powerpoint/2010/main" val="27925577"/>
       </p:ext>
     </p:extLst>
   </p:cSld>
@@ -2108,7 +2074,13 @@
       </p:grpSpPr>
       <p:sp>
         <p:nvSpPr>
-          <p:cNvPr id="2" name="Date Placeholder 1"/>
+          <p:cNvPr id="2" name="Date Placeholder 1">
+            <a:extLst>
+              <a:ext uri="{FF2B5EF4-FFF2-40B4-BE49-F238E27FC236}">
+                <a16:creationId xmlns:a16="http://schemas.microsoft.com/office/drawing/2014/main" id="{AA1842D8-1E9A-2BF8-3528-9C2A06C8AA49}"/>
+              </a:ext>
+            </a:extLst>
+          </p:cNvPr>
           <p:cNvSpPr>
             <a:spLocks noGrp="1"/>
           </p:cNvSpPr>
@@ -2123,7 +2095,7 @@
           <a:p>
             <a:fld id="{2D552689-2DA0-479A-A453-A3812B106BF5}" type="datetimeFigureOut">
               <a:rPr lang="en-US" smtClean="0"/>
-              <a:t>4/11/2023</a:t>
+              <a:t>8/9/2023</a:t>
             </a:fld>
             <a:endParaRPr lang="en-US"/>
           </a:p>
@@ -2131,7 +2103,13 @@
       </p:sp>
       <p:sp>
         <p:nvSpPr>
-          <p:cNvPr id="3" name="Footer Placeholder 2"/>
+          <p:cNvPr id="3" name="Footer Placeholder 2">
+            <a:extLst>
+              <a:ext uri="{FF2B5EF4-FFF2-40B4-BE49-F238E27FC236}">
+                <a16:creationId xmlns:a16="http://schemas.microsoft.com/office/drawing/2014/main" id="{70EB471C-34B2-064C-12AB-6F17C37F888D}"/>
+              </a:ext>
+            </a:extLst>
+          </p:cNvPr>
           <p:cNvSpPr>
             <a:spLocks noGrp="1"/>
           </p:cNvSpPr>
@@ -2150,7 +2128,13 @@
       </p:sp>
       <p:sp>
         <p:nvSpPr>
-          <p:cNvPr id="4" name="Slide Number Placeholder 3"/>
+          <p:cNvPr id="4" name="Slide Number Placeholder 3">
+            <a:extLst>
+              <a:ext uri="{FF2B5EF4-FFF2-40B4-BE49-F238E27FC236}">
+                <a16:creationId xmlns:a16="http://schemas.microsoft.com/office/drawing/2014/main" id="{E93C412D-6979-47F0-23FC-66CB71259E20}"/>
+              </a:ext>
+            </a:extLst>
+          </p:cNvPr>
           <p:cNvSpPr>
             <a:spLocks noGrp="1"/>
           </p:cNvSpPr>
@@ -2174,7 +2158,7 @@
     </p:spTree>
     <p:extLst>
       <p:ext uri="{BB962C8B-B14F-4D97-AF65-F5344CB8AC3E}">
-        <p14:creationId xmlns:p14="http://schemas.microsoft.com/office/powerpoint/2010/main" val="4153565319"/>
+        <p14:creationId xmlns:p14="http://schemas.microsoft.com/office/powerpoint/2010/main" val="3701042151"/>
       </p:ext>
     </p:extLst>
   </p:cSld>
@@ -2203,7 +2187,13 @@
       </p:grpSpPr>
       <p:sp>
         <p:nvSpPr>
-          <p:cNvPr id="2" name="Title 1"/>
+          <p:cNvPr id="2" name="Title 1">
+            <a:extLst>
+              <a:ext uri="{FF2B5EF4-FFF2-40B4-BE49-F238E27FC236}">
+                <a16:creationId xmlns:a16="http://schemas.microsoft.com/office/drawing/2014/main" id="{215442F3-4684-C079-12F9-51C88D267F1E}"/>
+              </a:ext>
+            </a:extLst>
+          </p:cNvPr>
           <p:cNvSpPr>
             <a:spLocks noGrp="1"/>
           </p:cNvSpPr>
@@ -2213,17 +2203,15 @@
         </p:nvSpPr>
         <p:spPr>
           <a:xfrm>
-            <a:off x="841248" y="457200"/>
-            <a:ext cx="3200400" cy="1600197"/>
+            <a:off x="839788" y="457200"/>
+            <a:ext cx="3932237" cy="1600200"/>
           </a:xfrm>
         </p:spPr>
         <p:txBody>
-          <a:bodyPr anchor="b">
-            <a:normAutofit/>
-          </a:bodyPr>
+          <a:bodyPr anchor="b"/>
           <a:lstStyle>
             <a:lvl1pPr>
-              <a:defRPr sz="3200" b="0" baseline="0"/>
+              <a:defRPr sz="3200"/>
             </a:lvl1pPr>
           </a:lstStyle>
           <a:p>
@@ -2231,13 +2219,18 @@
               <a:rPr lang="en-US"/>
               <a:t>Click to edit Master title style</a:t>
             </a:r>
-            <a:endParaRPr lang="en-US" dirty="0"/>
-          </a:p>
-        </p:txBody>
-      </p:sp>
-      <p:sp>
-        <p:nvSpPr>
-          <p:cNvPr id="3" name="Content Placeholder 2"/>
+          </a:p>
+        </p:txBody>
+      </p:sp>
+      <p:sp>
+        <p:nvSpPr>
+          <p:cNvPr id="3" name="Content Placeholder 2">
+            <a:extLst>
+              <a:ext uri="{FF2B5EF4-FFF2-40B4-BE49-F238E27FC236}">
+                <a16:creationId xmlns:a16="http://schemas.microsoft.com/office/drawing/2014/main" id="{33F61568-9055-2144-15A6-8C056CFF5E61}"/>
+              </a:ext>
+            </a:extLst>
+          </p:cNvPr>
           <p:cNvSpPr>
             <a:spLocks noGrp="1"/>
           </p:cNvSpPr>
@@ -2247,39 +2240,39 @@
         </p:nvSpPr>
         <p:spPr>
           <a:xfrm>
-            <a:off x="4504267" y="685800"/>
-            <a:ext cx="6079066" cy="5486400"/>
+            <a:off x="5183188" y="987425"/>
+            <a:ext cx="6172200" cy="4873625"/>
           </a:xfrm>
         </p:spPr>
         <p:txBody>
           <a:bodyPr/>
           <a:lstStyle>
             <a:lvl1pPr>
-              <a:defRPr sz="2000"/>
+              <a:defRPr sz="3200"/>
             </a:lvl1pPr>
             <a:lvl2pPr>
-              <a:defRPr sz="1800"/>
+              <a:defRPr sz="2800"/>
             </a:lvl2pPr>
             <a:lvl3pPr>
-              <a:defRPr sz="1600"/>
+              <a:defRPr sz="2400"/>
             </a:lvl3pPr>
             <a:lvl4pPr>
-              <a:defRPr sz="1400"/>
+              <a:defRPr sz="2000"/>
             </a:lvl4pPr>
             <a:lvl5pPr>
-              <a:defRPr sz="1400"/>
+              <a:defRPr sz="2000"/>
             </a:lvl5pPr>
             <a:lvl6pPr>
-              <a:defRPr sz="1400"/>
+              <a:defRPr sz="2000"/>
             </a:lvl6pPr>
             <a:lvl7pPr>
-              <a:defRPr sz="1400"/>
+              <a:defRPr sz="2000"/>
             </a:lvl7pPr>
             <a:lvl8pPr>
-              <a:defRPr sz="1400"/>
+              <a:defRPr sz="2000"/>
             </a:lvl8pPr>
             <a:lvl9pPr>
-              <a:defRPr sz="1400"/>
+              <a:defRPr sz="2000"/>
             </a:lvl9pPr>
           </a:lstStyle>
           <a:p>
@@ -2316,13 +2309,18 @@
               <a:rPr lang="en-US"/>
               <a:t>Fifth level</a:t>
             </a:r>
-            <a:endParaRPr lang="en-US" dirty="0"/>
-          </a:p>
-        </p:txBody>
-      </p:sp>
-      <p:sp>
-        <p:nvSpPr>
-          <p:cNvPr id="4" name="Text Placeholder 3"/>
+          </a:p>
+        </p:txBody>
+      </p:sp>
+      <p:sp>
+        <p:nvSpPr>
+          <p:cNvPr id="4" name="Text Placeholder 3">
+            <a:extLst>
+              <a:ext uri="{FF2B5EF4-FFF2-40B4-BE49-F238E27FC236}">
+                <a16:creationId xmlns:a16="http://schemas.microsoft.com/office/drawing/2014/main" id="{E1EA50A9-D0D4-D9FC-923C-C07C699B7767}"/>
+              </a:ext>
+            </a:extLst>
+          </p:cNvPr>
           <p:cNvSpPr>
             <a:spLocks noGrp="1"/>
           </p:cNvSpPr>
@@ -2332,56 +2330,48 @@
         </p:nvSpPr>
         <p:spPr>
           <a:xfrm>
-            <a:off x="841248" y="2099734"/>
-            <a:ext cx="3200400" cy="3810001"/>
+            <a:off x="839788" y="2057400"/>
+            <a:ext cx="3932237" cy="3811588"/>
           </a:xfrm>
         </p:spPr>
         <p:txBody>
-          <a:bodyPr>
-            <a:normAutofit/>
-          </a:bodyPr>
+          <a:bodyPr/>
           <a:lstStyle>
             <a:lvl1pPr marL="0" indent="0">
-              <a:lnSpc>
-                <a:spcPct val="114000"/>
-              </a:lnSpc>
-              <a:spcBef>
-                <a:spcPts val="800"/>
-              </a:spcBef>
               <a:buNone/>
-              <a:defRPr sz="1300"/>
+              <a:defRPr sz="1600"/>
             </a:lvl1pPr>
             <a:lvl2pPr marL="457200" indent="0">
               <a:buNone/>
-              <a:defRPr sz="1200"/>
+              <a:defRPr sz="1400"/>
             </a:lvl2pPr>
             <a:lvl3pPr marL="914400" indent="0">
               <a:buNone/>
-              <a:defRPr sz="1000"/>
+              <a:defRPr sz="1200"/>
             </a:lvl3pPr>
             <a:lvl4pPr marL="1371600" indent="0">
               <a:buNone/>
-              <a:defRPr sz="900"/>
+              <a:defRPr sz="1000"/>
             </a:lvl4pPr>
             <a:lvl5pPr marL="1828800" indent="0">
               <a:buNone/>
-              <a:defRPr sz="900"/>
+              <a:defRPr sz="1000"/>
             </a:lvl5pPr>
             <a:lvl6pPr marL="2286000" indent="0">
               <a:buNone/>
-              <a:defRPr sz="900"/>
+              <a:defRPr sz="1000"/>
             </a:lvl6pPr>
             <a:lvl7pPr marL="2743200" indent="0">
               <a:buNone/>
-              <a:defRPr sz="900"/>
+              <a:defRPr sz="1000"/>
             </a:lvl7pPr>
             <a:lvl8pPr marL="3200400" indent="0">
               <a:buNone/>
-              <a:defRPr sz="900"/>
+              <a:defRPr sz="1000"/>
             </a:lvl8pPr>
             <a:lvl9pPr marL="3657600" indent="0">
               <a:buNone/>
-              <a:defRPr sz="900"/>
+              <a:defRPr sz="1000"/>
             </a:lvl9pPr>
           </a:lstStyle>
           <a:p>
@@ -2395,7 +2385,13 @@
       </p:sp>
       <p:sp>
         <p:nvSpPr>
-          <p:cNvPr id="5" name="Date Placeholder 4"/>
+          <p:cNvPr id="5" name="Date Placeholder 4">
+            <a:extLst>
+              <a:ext uri="{FF2B5EF4-FFF2-40B4-BE49-F238E27FC236}">
+                <a16:creationId xmlns:a16="http://schemas.microsoft.com/office/drawing/2014/main" id="{39AB6BFF-29BA-12C3-CB92-862821C53B0D}"/>
+              </a:ext>
+            </a:extLst>
+          </p:cNvPr>
           <p:cNvSpPr>
             <a:spLocks noGrp="1"/>
           </p:cNvSpPr>
@@ -2410,7 +2406,7 @@
           <a:p>
             <a:fld id="{2D552689-2DA0-479A-A453-A3812B106BF5}" type="datetimeFigureOut">
               <a:rPr lang="en-US" smtClean="0"/>
-              <a:t>4/11/2023</a:t>
+              <a:t>8/9/2023</a:t>
             </a:fld>
             <a:endParaRPr lang="en-US"/>
           </a:p>
@@ -2418,7 +2414,13 @@
       </p:sp>
       <p:sp>
         <p:nvSpPr>
-          <p:cNvPr id="6" name="Footer Placeholder 5"/>
+          <p:cNvPr id="6" name="Footer Placeholder 5">
+            <a:extLst>
+              <a:ext uri="{FF2B5EF4-FFF2-40B4-BE49-F238E27FC236}">
+                <a16:creationId xmlns:a16="http://schemas.microsoft.com/office/drawing/2014/main" id="{C449C349-AF38-A062-7092-30F681673E26}"/>
+              </a:ext>
+            </a:extLst>
+          </p:cNvPr>
           <p:cNvSpPr>
             <a:spLocks noGrp="1"/>
           </p:cNvSpPr>
@@ -2437,7 +2439,13 @@
       </p:sp>
       <p:sp>
         <p:nvSpPr>
-          <p:cNvPr id="7" name="Slide Number Placeholder 6"/>
+          <p:cNvPr id="7" name="Slide Number Placeholder 6">
+            <a:extLst>
+              <a:ext uri="{FF2B5EF4-FFF2-40B4-BE49-F238E27FC236}">
+                <a16:creationId xmlns:a16="http://schemas.microsoft.com/office/drawing/2014/main" id="{55737BA6-FF60-2B68-375D-D605C4E6F94F}"/>
+              </a:ext>
+            </a:extLst>
+          </p:cNvPr>
           <p:cNvSpPr>
             <a:spLocks noGrp="1"/>
           </p:cNvSpPr>
@@ -2461,7 +2469,7 @@
     </p:spTree>
     <p:extLst>
       <p:ext uri="{BB962C8B-B14F-4D97-AF65-F5344CB8AC3E}">
-        <p14:creationId xmlns:p14="http://schemas.microsoft.com/office/powerpoint/2010/main" val="3243137553"/>
+        <p14:creationId xmlns:p14="http://schemas.microsoft.com/office/powerpoint/2010/main" val="1728837334"/>
       </p:ext>
     </p:extLst>
   </p:cSld>
@@ -2490,109 +2498,69 @@
       </p:grpSpPr>
       <p:sp>
         <p:nvSpPr>
-          <p:cNvPr id="8" name="Rectangle 7"/>
-          <p:cNvSpPr/>
-          <p:nvPr/>
+          <p:cNvPr id="2" name="Title 1">
+            <a:extLst>
+              <a:ext uri="{FF2B5EF4-FFF2-40B4-BE49-F238E27FC236}">
+                <a16:creationId xmlns:a16="http://schemas.microsoft.com/office/drawing/2014/main" id="{4A2A31F3-C887-F5ED-ED84-75568D5D6CCF}"/>
+              </a:ext>
+            </a:extLst>
+          </p:cNvPr>
+          <p:cNvSpPr>
+            <a:spLocks noGrp="1"/>
+          </p:cNvSpPr>
+          <p:nvPr>
+            <p:ph type="title"/>
+          </p:nvPr>
         </p:nvSpPr>
         <p:spPr>
           <a:xfrm>
-            <a:off x="0" y="5105400"/>
-            <a:ext cx="11292840" cy="1752600"/>
+            <a:off x="839788" y="457200"/>
+            <a:ext cx="3932237" cy="1600200"/>
           </a:xfrm>
-          <a:prstGeom prst="rect">
-            <a:avLst/>
-          </a:prstGeom>
-          <a:solidFill>
-            <a:srgbClr val="000000"/>
-          </a:solidFill>
-          <a:ln>
-            <a:noFill/>
-          </a:ln>
         </p:spPr>
-        <p:style>
-          <a:lnRef idx="2">
-            <a:schemeClr val="accent1">
-              <a:shade val="50000"/>
-            </a:schemeClr>
-          </a:lnRef>
-          <a:fillRef idx="1">
-            <a:schemeClr val="accent1"/>
-          </a:fillRef>
-          <a:effectRef idx="0">
-            <a:schemeClr val="accent1"/>
-          </a:effectRef>
-          <a:fontRef idx="minor">
-            <a:schemeClr val="lt1"/>
-          </a:fontRef>
-        </p:style>
-      </p:sp>
-      <p:sp>
-        <p:nvSpPr>
-          <p:cNvPr id="2" name="Title 1"/>
-          <p:cNvSpPr>
-            <a:spLocks noGrp="1"/>
-          </p:cNvSpPr>
-          <p:nvPr>
-            <p:ph type="title"/>
+        <p:txBody>
+          <a:bodyPr anchor="b"/>
+          <a:lstStyle>
+            <a:lvl1pPr>
+              <a:defRPr sz="3200"/>
+            </a:lvl1pPr>
+          </a:lstStyle>
+          <a:p>
+            <a:r>
+              <a:rPr lang="en-US"/>
+              <a:t>Click to edit Master title style</a:t>
+            </a:r>
+          </a:p>
+        </p:txBody>
+      </p:sp>
+      <p:sp>
+        <p:nvSpPr>
+          <p:cNvPr id="3" name="Picture Placeholder 2">
+            <a:extLst>
+              <a:ext uri="{FF2B5EF4-FFF2-40B4-BE49-F238E27FC236}">
+                <a16:creationId xmlns:a16="http://schemas.microsoft.com/office/drawing/2014/main" id="{FE65822F-24C5-C92C-F5BF-051105AEBEE2}"/>
+              </a:ext>
+            </a:extLst>
+          </p:cNvPr>
+          <p:cNvSpPr>
+            <a:spLocks noGrp="1"/>
+          </p:cNvSpPr>
+          <p:nvPr>
+            <p:ph type="pic" idx="1"/>
           </p:nvPr>
         </p:nvSpPr>
         <p:spPr>
           <a:xfrm>
-            <a:off x="914400" y="5257800"/>
-            <a:ext cx="9982200" cy="914400"/>
+            <a:off x="5183188" y="987425"/>
+            <a:ext cx="6172200" cy="4873625"/>
           </a:xfrm>
         </p:spPr>
         <p:txBody>
-          <a:bodyPr anchor="b">
-            <a:normAutofit/>
-          </a:bodyPr>
-          <a:lstStyle>
-            <a:lvl1pPr>
-              <a:defRPr sz="2800" b="0">
-                <a:solidFill>
-                  <a:schemeClr val="bg1"/>
-                </a:solidFill>
-              </a:defRPr>
-            </a:lvl1pPr>
-          </a:lstStyle>
-          <a:p>
-            <a:r>
-              <a:rPr lang="en-US"/>
-              <a:t>Click to edit Master title style</a:t>
-            </a:r>
-            <a:endParaRPr lang="en-US" dirty="0"/>
-          </a:p>
-        </p:txBody>
-      </p:sp>
-      <p:sp>
-        <p:nvSpPr>
-          <p:cNvPr id="3" name="Picture Placeholder 2"/>
-          <p:cNvSpPr>
-            <a:spLocks noGrp="1" noChangeAspect="1"/>
-          </p:cNvSpPr>
-          <p:nvPr>
-            <p:ph type="pic" idx="1"/>
-          </p:nvPr>
-        </p:nvSpPr>
-        <p:spPr>
-          <a:xfrm>
-            <a:off x="0" y="0"/>
-            <a:ext cx="11292840" cy="5128923"/>
-          </a:xfrm>
-          <a:solidFill>
-            <a:schemeClr val="accent1"/>
-          </a:solidFill>
-        </p:spPr>
-        <p:txBody>
-          <a:bodyPr anchor="t"/>
+          <a:bodyPr/>
           <a:lstStyle>
             <a:lvl1pPr marL="0" indent="0">
               <a:buNone/>
-              <a:defRPr sz="3200">
-                <a:solidFill>
-                  <a:schemeClr val="bg1"/>
-                </a:solidFill>
-              </a:defRPr>
+              <a:defRPr sz="3200"/>
             </a:lvl1pPr>
             <a:lvl2pPr marL="457200" indent="0">
               <a:buNone/>
@@ -2628,17 +2596,19 @@
             </a:lvl9pPr>
           </a:lstStyle>
           <a:p>
-            <a:r>
-              <a:rPr lang="en-US"/>
-              <a:t>Click icon to add picture</a:t>
-            </a:r>
-            <a:endParaRPr lang="en-US" dirty="0"/>
-          </a:p>
-        </p:txBody>
-      </p:sp>
-      <p:sp>
-        <p:nvSpPr>
-          <p:cNvPr id="4" name="Text Placeholder 3"/>
+            <a:endParaRPr lang="en-US"/>
+          </a:p>
+        </p:txBody>
+      </p:sp>
+      <p:sp>
+        <p:nvSpPr>
+          <p:cNvPr id="4" name="Text Placeholder 3">
+            <a:extLst>
+              <a:ext uri="{FF2B5EF4-FFF2-40B4-BE49-F238E27FC236}">
+                <a16:creationId xmlns:a16="http://schemas.microsoft.com/office/drawing/2014/main" id="{31B15B95-767B-F0ED-4492-FB3410831A04}"/>
+              </a:ext>
+            </a:extLst>
+          </p:cNvPr>
           <p:cNvSpPr>
             <a:spLocks noGrp="1"/>
           </p:cNvSpPr>
@@ -2648,62 +2618,48 @@
         </p:nvSpPr>
         <p:spPr>
           <a:xfrm>
-            <a:off x="914400" y="6108589"/>
-            <a:ext cx="9982200" cy="597011"/>
+            <a:off x="839788" y="2057400"/>
+            <a:ext cx="3932237" cy="3811588"/>
           </a:xfrm>
         </p:spPr>
         <p:txBody>
-          <a:bodyPr>
-            <a:normAutofit/>
-          </a:bodyPr>
+          <a:bodyPr/>
           <a:lstStyle>
             <a:lvl1pPr marL="0" indent="0">
-              <a:lnSpc>
-                <a:spcPct val="100000"/>
-              </a:lnSpc>
-              <a:spcBef>
-                <a:spcPts val="800"/>
-              </a:spcBef>
               <a:buNone/>
-              <a:defRPr sz="1300">
-                <a:solidFill>
-                  <a:schemeClr val="bg1">
-                    <a:lumMod val="85000"/>
-                  </a:schemeClr>
-                </a:solidFill>
-              </a:defRPr>
+              <a:defRPr sz="1600"/>
             </a:lvl1pPr>
             <a:lvl2pPr marL="457200" indent="0">
               <a:buNone/>
-              <a:defRPr sz="1200"/>
+              <a:defRPr sz="1400"/>
             </a:lvl2pPr>
             <a:lvl3pPr marL="914400" indent="0">
               <a:buNone/>
-              <a:defRPr sz="1000"/>
+              <a:defRPr sz="1200"/>
             </a:lvl3pPr>
             <a:lvl4pPr marL="1371600" indent="0">
               <a:buNone/>
-              <a:defRPr sz="900"/>
+              <a:defRPr sz="1000"/>
             </a:lvl4pPr>
             <a:lvl5pPr marL="1828800" indent="0">
               <a:buNone/>
-              <a:defRPr sz="900"/>
+              <a:defRPr sz="1000"/>
             </a:lvl5pPr>
             <a:lvl6pPr marL="2286000" indent="0">
               <a:buNone/>
-              <a:defRPr sz="900"/>
+              <a:defRPr sz="1000"/>
             </a:lvl6pPr>
             <a:lvl7pPr marL="2743200" indent="0">
               <a:buNone/>
-              <a:defRPr sz="900"/>
+              <a:defRPr sz="1000"/>
             </a:lvl7pPr>
             <a:lvl8pPr marL="3200400" indent="0">
               <a:buNone/>
-              <a:defRPr sz="900"/>
+              <a:defRPr sz="1000"/>
             </a:lvl8pPr>
             <a:lvl9pPr marL="3657600" indent="0">
               <a:buNone/>
-              <a:defRPr sz="900"/>
+              <a:defRPr sz="1000"/>
             </a:lvl9pPr>
           </a:lstStyle>
           <a:p>
@@ -2717,7 +2673,13 @@
       </p:sp>
       <p:sp>
         <p:nvSpPr>
-          <p:cNvPr id="5" name="Date Placeholder 4"/>
+          <p:cNvPr id="5" name="Date Placeholder 4">
+            <a:extLst>
+              <a:ext uri="{FF2B5EF4-FFF2-40B4-BE49-F238E27FC236}">
+                <a16:creationId xmlns:a16="http://schemas.microsoft.com/office/drawing/2014/main" id="{666F9B1F-BDD1-B697-1877-93A44BE31B36}"/>
+              </a:ext>
+            </a:extLst>
+          </p:cNvPr>
           <p:cNvSpPr>
             <a:spLocks noGrp="1"/>
           </p:cNvSpPr>
@@ -2732,7 +2694,7 @@
           <a:p>
             <a:fld id="{2D552689-2DA0-479A-A453-A3812B106BF5}" type="datetimeFigureOut">
               <a:rPr lang="en-US" smtClean="0"/>
-              <a:t>4/11/2023</a:t>
+              <a:t>8/9/2023</a:t>
             </a:fld>
             <a:endParaRPr lang="en-US"/>
           </a:p>
@@ -2740,7 +2702,13 @@
       </p:sp>
       <p:sp>
         <p:nvSpPr>
-          <p:cNvPr id="6" name="Footer Placeholder 5"/>
+          <p:cNvPr id="6" name="Footer Placeholder 5">
+            <a:extLst>
+              <a:ext uri="{FF2B5EF4-FFF2-40B4-BE49-F238E27FC236}">
+                <a16:creationId xmlns:a16="http://schemas.microsoft.com/office/drawing/2014/main" id="{5596DDFB-BC1F-573B-BF61-617E37C25EC3}"/>
+              </a:ext>
+            </a:extLst>
+          </p:cNvPr>
           <p:cNvSpPr>
             <a:spLocks noGrp="1"/>
           </p:cNvSpPr>
@@ -2759,7 +2727,13 @@
       </p:sp>
       <p:sp>
         <p:nvSpPr>
-          <p:cNvPr id="7" name="Slide Number Placeholder 6"/>
+          <p:cNvPr id="7" name="Slide Number Placeholder 6">
+            <a:extLst>
+              <a:ext uri="{FF2B5EF4-FFF2-40B4-BE49-F238E27FC236}">
+                <a16:creationId xmlns:a16="http://schemas.microsoft.com/office/drawing/2014/main" id="{245DC73C-1BEF-89EE-DE6C-1ABDD012604C}"/>
+              </a:ext>
+            </a:extLst>
+          </p:cNvPr>
           <p:cNvSpPr>
             <a:spLocks noGrp="1"/>
           </p:cNvSpPr>
@@ -2783,7 +2757,7 @@
     </p:spTree>
     <p:extLst>
       <p:ext uri="{BB962C8B-B14F-4D97-AF65-F5344CB8AC3E}">
-        <p14:creationId xmlns:p14="http://schemas.microsoft.com/office/powerpoint/2010/main" val="4248525587"/>
+        <p14:creationId xmlns:p14="http://schemas.microsoft.com/office/powerpoint/2010/main" val="176395352"/>
       </p:ext>
     </p:extLst>
   </p:cSld>
@@ -2817,65 +2791,31 @@
       </p:grpSpPr>
       <p:sp>
         <p:nvSpPr>
-          <p:cNvPr id="7" name="Rectangle 6"/>
-          <p:cNvSpPr/>
-          <p:nvPr/>
+          <p:cNvPr id="2" name="Title Placeholder 1">
+            <a:extLst>
+              <a:ext uri="{FF2B5EF4-FFF2-40B4-BE49-F238E27FC236}">
+                <a16:creationId xmlns:a16="http://schemas.microsoft.com/office/drawing/2014/main" id="{6ECF69EF-BBCE-63E4-78C1-D110A2497CF1}"/>
+              </a:ext>
+            </a:extLst>
+          </p:cNvPr>
+          <p:cNvSpPr>
+            <a:spLocks noGrp="1"/>
+          </p:cNvSpPr>
+          <p:nvPr>
+            <p:ph type="title"/>
+          </p:nvPr>
         </p:nvSpPr>
         <p:spPr>
           <a:xfrm>
-            <a:off x="11292840" y="0"/>
-            <a:ext cx="914400" cy="6858000"/>
-          </a:xfrm>
-          <a:prstGeom prst="rect">
-            <a:avLst/>
-          </a:prstGeom>
-          <a:solidFill>
-            <a:schemeClr val="tx2">
-              <a:lumMod val="75000"/>
-            </a:schemeClr>
-          </a:solidFill>
-          <a:ln>
-            <a:noFill/>
-          </a:ln>
-        </p:spPr>
-        <p:style>
-          <a:lnRef idx="2">
-            <a:schemeClr val="accent1">
-              <a:shade val="50000"/>
-            </a:schemeClr>
-          </a:lnRef>
-          <a:fillRef idx="1">
-            <a:schemeClr val="accent1"/>
-          </a:fillRef>
-          <a:effectRef idx="0">
-            <a:schemeClr val="accent1"/>
-          </a:effectRef>
-          <a:fontRef idx="minor">
-            <a:schemeClr val="lt1"/>
-          </a:fontRef>
-        </p:style>
-      </p:sp>
-      <p:sp>
-        <p:nvSpPr>
-          <p:cNvPr id="2" name="Title Placeholder 1"/>
-          <p:cNvSpPr>
-            <a:spLocks noGrp="1"/>
-          </p:cNvSpPr>
-          <p:nvPr>
-            <p:ph type="title"/>
-          </p:nvPr>
-        </p:nvSpPr>
-        <p:spPr>
-          <a:xfrm>
-            <a:off x="1261872" y="365760"/>
-            <a:ext cx="9692640" cy="1325562"/>
+            <a:off x="838200" y="365125"/>
+            <a:ext cx="10515600" cy="1325563"/>
           </a:xfrm>
           <a:prstGeom prst="rect">
             <a:avLst/>
           </a:prstGeom>
         </p:spPr>
         <p:txBody>
-          <a:bodyPr vert="horz" lIns="91440" tIns="45720" rIns="91440" bIns="45720" rtlCol="0" anchor="b">
+          <a:bodyPr vert="horz" lIns="91440" tIns="45720" rIns="91440" bIns="45720" rtlCol="0" anchor="ctr">
             <a:normAutofit/>
           </a:bodyPr>
           <a:lstStyle/>
@@ -2884,13 +2824,18 @@
               <a:rPr lang="en-US"/>
               <a:t>Click to edit Master title style</a:t>
             </a:r>
-            <a:endParaRPr lang="en-US" dirty="0"/>
-          </a:p>
-        </p:txBody>
-      </p:sp>
-      <p:sp>
-        <p:nvSpPr>
-          <p:cNvPr id="3" name="Text Placeholder 2"/>
+          </a:p>
+        </p:txBody>
+      </p:sp>
+      <p:sp>
+        <p:nvSpPr>
+          <p:cNvPr id="3" name="Text Placeholder 2">
+            <a:extLst>
+              <a:ext uri="{FF2B5EF4-FFF2-40B4-BE49-F238E27FC236}">
+                <a16:creationId xmlns:a16="http://schemas.microsoft.com/office/drawing/2014/main" id="{BE6BC9CA-DBD2-2B83-2F53-473043A20372}"/>
+              </a:ext>
+            </a:extLst>
+          </p:cNvPr>
           <p:cNvSpPr>
             <a:spLocks noGrp="1"/>
           </p:cNvSpPr>
@@ -2900,8 +2845,8 @@
         </p:nvSpPr>
         <p:spPr>
           <a:xfrm>
-            <a:off x="1261872" y="1828800"/>
-            <a:ext cx="8595360" cy="4351337"/>
+            <a:off x="838200" y="1825625"/>
+            <a:ext cx="10515600" cy="4351338"/>
           </a:xfrm>
           <a:prstGeom prst="rect">
             <a:avLst/>
@@ -2946,13 +2891,18 @@
               <a:rPr lang="en-US"/>
               <a:t>Fifth level</a:t>
             </a:r>
-            <a:endParaRPr lang="en-US" dirty="0"/>
-          </a:p>
-        </p:txBody>
-      </p:sp>
-      <p:sp>
-        <p:nvSpPr>
-          <p:cNvPr id="4" name="Date Placeholder 3"/>
+          </a:p>
+        </p:txBody>
+      </p:sp>
+      <p:sp>
+        <p:nvSpPr>
+          <p:cNvPr id="4" name="Date Placeholder 3">
+            <a:extLst>
+              <a:ext uri="{FF2B5EF4-FFF2-40B4-BE49-F238E27FC236}">
+                <a16:creationId xmlns:a16="http://schemas.microsoft.com/office/drawing/2014/main" id="{044AC9AC-88D4-785F-4518-F10A6D574D70}"/>
+              </a:ext>
+            </a:extLst>
+          </p:cNvPr>
           <p:cNvSpPr>
             <a:spLocks noGrp="1"/>
           </p:cNvSpPr>
@@ -2961,9 +2911,9 @@
           </p:nvPr>
         </p:nvSpPr>
         <p:spPr>
-          <a:xfrm rot="16200000">
-            <a:off x="10797542" y="998537"/>
-            <a:ext cx="1904999" cy="365125"/>
+          <a:xfrm>
+            <a:off x="838200" y="6356350"/>
+            <a:ext cx="2743200" cy="365125"/>
           </a:xfrm>
           <a:prstGeom prst="rect">
             <a:avLst/>
@@ -2972,12 +2922,11 @@
         <p:txBody>
           <a:bodyPr vert="horz" lIns="91440" tIns="45720" rIns="91440" bIns="45720" rtlCol="0" anchor="ctr"/>
           <a:lstStyle>
-            <a:lvl1pPr algn="r">
-              <a:defRPr sz="1050" b="0">
+            <a:lvl1pPr algn="l">
+              <a:defRPr sz="1200">
                 <a:solidFill>
-                  <a:schemeClr val="tx2">
-                    <a:lumMod val="20000"/>
-                    <a:lumOff val="80000"/>
+                  <a:schemeClr val="tx1">
+                    <a:tint val="75000"/>
                   </a:schemeClr>
                 </a:solidFill>
               </a:defRPr>
@@ -2986,7 +2935,7 @@
           <a:p>
             <a:fld id="{2D552689-2DA0-479A-A453-A3812B106BF5}" type="datetimeFigureOut">
               <a:rPr lang="en-US" smtClean="0"/>
-              <a:t>4/11/2023</a:t>
+              <a:t>8/9/2023</a:t>
             </a:fld>
             <a:endParaRPr lang="en-US"/>
           </a:p>
@@ -2994,7 +2943,13 @@
       </p:sp>
       <p:sp>
         <p:nvSpPr>
-          <p:cNvPr id="5" name="Footer Placeholder 4"/>
+          <p:cNvPr id="5" name="Footer Placeholder 4">
+            <a:extLst>
+              <a:ext uri="{FF2B5EF4-FFF2-40B4-BE49-F238E27FC236}">
+                <a16:creationId xmlns:a16="http://schemas.microsoft.com/office/drawing/2014/main" id="{5E19C388-7C05-885C-77A4-483D02AF380C}"/>
+              </a:ext>
+            </a:extLst>
+          </p:cNvPr>
           <p:cNvSpPr>
             <a:spLocks noGrp="1"/>
           </p:cNvSpPr>
@@ -3003,9 +2958,9 @@
           </p:nvPr>
         </p:nvSpPr>
         <p:spPr>
-          <a:xfrm rot="16200000">
-            <a:off x="9959341" y="4046537"/>
-            <a:ext cx="3581400" cy="365125"/>
+          <a:xfrm>
+            <a:off x="4038600" y="6356350"/>
+            <a:ext cx="4114800" cy="365125"/>
           </a:xfrm>
           <a:prstGeom prst="rect">
             <a:avLst/>
@@ -3014,12 +2969,11 @@
         <p:txBody>
           <a:bodyPr vert="horz" lIns="91440" tIns="45720" rIns="91440" bIns="45720" rtlCol="0" anchor="ctr"/>
           <a:lstStyle>
-            <a:lvl1pPr algn="l">
-              <a:defRPr sz="1050">
+            <a:lvl1pPr algn="ctr">
+              <a:defRPr sz="1200">
                 <a:solidFill>
-                  <a:schemeClr val="tx2">
-                    <a:lumMod val="20000"/>
-                    <a:lumOff val="80000"/>
+                  <a:schemeClr val="tx1">
+                    <a:tint val="75000"/>
                   </a:schemeClr>
                 </a:solidFill>
               </a:defRPr>
@@ -3032,7 +2986,13 @@
       </p:sp>
       <p:sp>
         <p:nvSpPr>
-          <p:cNvPr id="6" name="Slide Number Placeholder 5"/>
+          <p:cNvPr id="6" name="Slide Number Placeholder 5">
+            <a:extLst>
+              <a:ext uri="{FF2B5EF4-FFF2-40B4-BE49-F238E27FC236}">
+                <a16:creationId xmlns:a16="http://schemas.microsoft.com/office/drawing/2014/main" id="{4875EA98-5D8F-86E6-6DB3-BCEC392DD165}"/>
+              </a:ext>
+            </a:extLst>
+          </p:cNvPr>
           <p:cNvSpPr>
             <a:spLocks noGrp="1"/>
           </p:cNvSpPr>
@@ -3042,24 +3002,21 @@
         </p:nvSpPr>
         <p:spPr>
           <a:xfrm>
-            <a:off x="11292840" y="6172200"/>
-            <a:ext cx="914400" cy="593725"/>
+            <a:off x="8610600" y="6356350"/>
+            <a:ext cx="2743200" cy="365125"/>
           </a:xfrm>
           <a:prstGeom prst="rect">
             <a:avLst/>
           </a:prstGeom>
         </p:spPr>
         <p:txBody>
-          <a:bodyPr vert="horz" lIns="45720" tIns="45720" rIns="45720" bIns="45720" rtlCol="0" anchor="ctr">
-            <a:normAutofit/>
-          </a:bodyPr>
+          <a:bodyPr vert="horz" lIns="91440" tIns="45720" rIns="91440" bIns="45720" rtlCol="0" anchor="ctr"/>
           <a:lstStyle>
-            <a:lvl1pPr algn="ctr">
-              <a:defRPr sz="3600">
+            <a:lvl1pPr algn="r">
+              <a:defRPr sz="1200">
                 <a:solidFill>
-                  <a:schemeClr val="tx2">
-                    <a:lumMod val="60000"/>
-                    <a:lumOff val="40000"/>
+                  <a:schemeClr val="tx1">
+                    <a:tint val="75000"/>
                   </a:schemeClr>
                 </a:solidFill>
               </a:defRPr>
@@ -3077,23 +3034,23 @@
     </p:spTree>
     <p:extLst>
       <p:ext uri="{BB962C8B-B14F-4D97-AF65-F5344CB8AC3E}">
-        <p14:creationId xmlns:p14="http://schemas.microsoft.com/office/powerpoint/2010/main" val="4014066062"/>
+        <p14:creationId xmlns:p14="http://schemas.microsoft.com/office/powerpoint/2010/main" val="1750128427"/>
       </p:ext>
     </p:extLst>
   </p:cSld>
   <p:clrMap bg1="lt1" tx1="dk1" bg2="lt2" tx2="dk2" accent1="accent1" accent2="accent2" accent3="accent3" accent4="accent4" accent5="accent5" accent6="accent6" hlink="hlink" folHlink="folHlink"/>
   <p:sldLayoutIdLst>
-    <p:sldLayoutId id="2147483661" r:id="rId1"/>
-    <p:sldLayoutId id="2147483662" r:id="rId2"/>
-    <p:sldLayoutId id="2147483663" r:id="rId3"/>
-    <p:sldLayoutId id="2147483664" r:id="rId4"/>
-    <p:sldLayoutId id="2147483665" r:id="rId5"/>
-    <p:sldLayoutId id="2147483666" r:id="rId6"/>
-    <p:sldLayoutId id="2147483667" r:id="rId7"/>
-    <p:sldLayoutId id="2147483668" r:id="rId8"/>
-    <p:sldLayoutId id="2147483669" r:id="rId9"/>
-    <p:sldLayoutId id="2147483670" r:id="rId10"/>
-    <p:sldLayoutId id="2147483671" r:id="rId11"/>
+    <p:sldLayoutId id="2147483673" r:id="rId1"/>
+    <p:sldLayoutId id="2147483674" r:id="rId2"/>
+    <p:sldLayoutId id="2147483675" r:id="rId3"/>
+    <p:sldLayoutId id="2147483676" r:id="rId4"/>
+    <p:sldLayoutId id="2147483677" r:id="rId5"/>
+    <p:sldLayoutId id="2147483678" r:id="rId6"/>
+    <p:sldLayoutId id="2147483679" r:id="rId7"/>
+    <p:sldLayoutId id="2147483680" r:id="rId8"/>
+    <p:sldLayoutId id="2147483681" r:id="rId9"/>
+    <p:sldLayoutId id="2147483682" r:id="rId10"/>
+    <p:sldLayoutId id="2147483683" r:id="rId11"/>
   </p:sldLayoutIdLst>
   <p:txStyles>
     <p:titleStyle>
@@ -3105,7 +3062,7 @@
           <a:spcPct val="0"/>
         </a:spcBef>
         <a:buNone/>
-        <a:defRPr sz="4400" kern="1200" spc="-50" baseline="0">
+        <a:defRPr sz="4400" kern="1200">
           <a:solidFill>
             <a:schemeClr val="tx1"/>
           </a:solidFill>
@@ -3116,23 +3073,16 @@
       </a:lvl1pPr>
     </p:titleStyle>
     <p:bodyStyle>
-      <a:lvl1pPr marL="182880" indent="-182880" algn="l" defTabSz="914400" rtl="0" eaLnBrk="1" latinLnBrk="0" hangingPunct="1">
+      <a:lvl1pPr marL="228600" indent="-228600" algn="l" defTabSz="914400" rtl="0" eaLnBrk="1" latinLnBrk="0" hangingPunct="1">
         <a:lnSpc>
-          <a:spcPct val="95000"/>
+          <a:spcPct val="90000"/>
         </a:lnSpc>
         <a:spcBef>
-          <a:spcPts val="1400"/>
+          <a:spcPts val="1000"/>
         </a:spcBef>
-        <a:spcAft>
-          <a:spcPts val="200"/>
-        </a:spcAft>
-        <a:buClr>
-          <a:schemeClr val="accent1"/>
-        </a:buClr>
-        <a:buSzPct val="80000"/>
-        <a:buFont typeface="Arial" pitchFamily="34" charset="0"/>
+        <a:buFont typeface="Arial" panose="020B0604020202020204" pitchFamily="34" charset="0"/>
         <a:buChar char="•"/>
-        <a:defRPr sz="1800" kern="1200" spc="10" baseline="0">
+        <a:defRPr sz="2800" kern="1200">
           <a:solidFill>
             <a:schemeClr val="tx1"/>
           </a:solidFill>
@@ -3141,216 +3091,144 @@
           <a:cs typeface="+mn-cs"/>
         </a:defRPr>
       </a:lvl1pPr>
-      <a:lvl2pPr marL="457200" indent="-182880" algn="l" defTabSz="914400" rtl="0" eaLnBrk="1" latinLnBrk="0" hangingPunct="1">
+      <a:lvl2pPr marL="685800" indent="-228600" algn="l" defTabSz="914400" rtl="0" eaLnBrk="1" latinLnBrk="0" hangingPunct="1">
         <a:lnSpc>
           <a:spcPct val="90000"/>
         </a:lnSpc>
         <a:spcBef>
-          <a:spcPts val="300"/>
+          <a:spcPts val="500"/>
         </a:spcBef>
-        <a:spcAft>
-          <a:spcPts val="300"/>
-        </a:spcAft>
-        <a:buClr>
-          <a:schemeClr val="accent1"/>
-        </a:buClr>
-        <a:buFont typeface="Wingdings 2" pitchFamily="18" charset="2"/>
-        <a:buChar char=""/>
-        <a:defRPr sz="1600" kern="1200">
+        <a:buFont typeface="Arial" panose="020B0604020202020204" pitchFamily="34" charset="0"/>
+        <a:buChar char="•"/>
+        <a:defRPr sz="2400" kern="1200">
           <a:solidFill>
-            <a:schemeClr val="tx1">
-              <a:lumMod val="85000"/>
-              <a:lumOff val="15000"/>
-            </a:schemeClr>
+            <a:schemeClr val="tx1"/>
           </a:solidFill>
           <a:latin typeface="+mn-lt"/>
           <a:ea typeface="+mn-ea"/>
           <a:cs typeface="+mn-cs"/>
         </a:defRPr>
       </a:lvl2pPr>
-      <a:lvl3pPr marL="731520" indent="-182880" algn="l" defTabSz="914400" rtl="0" eaLnBrk="1" latinLnBrk="0" hangingPunct="1">
+      <a:lvl3pPr marL="1143000" indent="-228600" algn="l" defTabSz="914400" rtl="0" eaLnBrk="1" latinLnBrk="0" hangingPunct="1">
         <a:lnSpc>
           <a:spcPct val="90000"/>
         </a:lnSpc>
         <a:spcBef>
-          <a:spcPts val="300"/>
+          <a:spcPts val="500"/>
         </a:spcBef>
-        <a:spcAft>
-          <a:spcPts val="300"/>
-        </a:spcAft>
-        <a:buClr>
-          <a:schemeClr val="accent1"/>
-        </a:buClr>
-        <a:buFont typeface="Wingdings 2" pitchFamily="18" charset="2"/>
-        <a:buChar char=""/>
-        <a:defRPr sz="1400" kern="1200">
+        <a:buFont typeface="Arial" panose="020B0604020202020204" pitchFamily="34" charset="0"/>
+        <a:buChar char="•"/>
+        <a:defRPr sz="2000" kern="1200">
           <a:solidFill>
-            <a:schemeClr val="tx1">
-              <a:lumMod val="85000"/>
-              <a:lumOff val="15000"/>
-            </a:schemeClr>
+            <a:schemeClr val="tx1"/>
           </a:solidFill>
           <a:latin typeface="+mn-lt"/>
           <a:ea typeface="+mn-ea"/>
           <a:cs typeface="+mn-cs"/>
         </a:defRPr>
       </a:lvl3pPr>
-      <a:lvl4pPr marL="1005840" indent="-182880" algn="l" defTabSz="914400" rtl="0" eaLnBrk="1" latinLnBrk="0" hangingPunct="1">
+      <a:lvl4pPr marL="1600200" indent="-228600" algn="l" defTabSz="914400" rtl="0" eaLnBrk="1" latinLnBrk="0" hangingPunct="1">
         <a:lnSpc>
           <a:spcPct val="90000"/>
         </a:lnSpc>
         <a:spcBef>
-          <a:spcPts val="300"/>
+          <a:spcPts val="500"/>
         </a:spcBef>
-        <a:spcAft>
-          <a:spcPts val="300"/>
-        </a:spcAft>
-        <a:buClr>
-          <a:schemeClr val="accent1"/>
-        </a:buClr>
-        <a:buFont typeface="Wingdings 2" pitchFamily="18" charset="2"/>
-        <a:buChar char=""/>
-        <a:defRPr sz="1400" kern="1200">
+        <a:buFont typeface="Arial" panose="020B0604020202020204" pitchFamily="34" charset="0"/>
+        <a:buChar char="•"/>
+        <a:defRPr sz="1800" kern="1200">
           <a:solidFill>
-            <a:schemeClr val="tx1">
-              <a:lumMod val="85000"/>
-              <a:lumOff val="15000"/>
-            </a:schemeClr>
+            <a:schemeClr val="tx1"/>
           </a:solidFill>
           <a:latin typeface="+mn-lt"/>
           <a:ea typeface="+mn-ea"/>
           <a:cs typeface="+mn-cs"/>
         </a:defRPr>
       </a:lvl4pPr>
-      <a:lvl5pPr marL="1280160" indent="-182880" algn="l" defTabSz="914400" rtl="0" eaLnBrk="1" latinLnBrk="0" hangingPunct="1">
+      <a:lvl5pPr marL="2057400" indent="-228600" algn="l" defTabSz="914400" rtl="0" eaLnBrk="1" latinLnBrk="0" hangingPunct="1">
         <a:lnSpc>
           <a:spcPct val="90000"/>
         </a:lnSpc>
         <a:spcBef>
-          <a:spcPts val="300"/>
+          <a:spcPts val="500"/>
         </a:spcBef>
-        <a:spcAft>
-          <a:spcPts val="300"/>
-        </a:spcAft>
-        <a:buClr>
-          <a:schemeClr val="accent1"/>
-        </a:buClr>
-        <a:buFont typeface="Wingdings 2" pitchFamily="18" charset="2"/>
-        <a:buChar char=""/>
-        <a:defRPr sz="1400" kern="1200">
+        <a:buFont typeface="Arial" panose="020B0604020202020204" pitchFamily="34" charset="0"/>
+        <a:buChar char="•"/>
+        <a:defRPr sz="1800" kern="1200">
           <a:solidFill>
-            <a:schemeClr val="tx1">
-              <a:lumMod val="85000"/>
-              <a:lumOff val="15000"/>
-            </a:schemeClr>
+            <a:schemeClr val="tx1"/>
           </a:solidFill>
           <a:latin typeface="+mn-lt"/>
           <a:ea typeface="+mn-ea"/>
           <a:cs typeface="+mn-cs"/>
         </a:defRPr>
       </a:lvl5pPr>
-      <a:lvl6pPr marL="1600000" indent="-228600" algn="l" defTabSz="914400" rtl="0" eaLnBrk="1" latinLnBrk="0" hangingPunct="1">
+      <a:lvl6pPr marL="2514600" indent="-228600" algn="l" defTabSz="914400" rtl="0" eaLnBrk="1" latinLnBrk="0" hangingPunct="1">
         <a:lnSpc>
           <a:spcPct val="90000"/>
         </a:lnSpc>
         <a:spcBef>
-          <a:spcPts val="300"/>
+          <a:spcPts val="500"/>
         </a:spcBef>
-        <a:spcAft>
-          <a:spcPts val="300"/>
-        </a:spcAft>
-        <a:buClr>
-          <a:schemeClr val="accent1"/>
-        </a:buClr>
-        <a:buFont typeface="Wingdings 2" pitchFamily="18" charset="2"/>
-        <a:buChar char=""/>
-        <a:defRPr sz="1400" kern="1200">
+        <a:buFont typeface="Arial" panose="020B0604020202020204" pitchFamily="34" charset="0"/>
+        <a:buChar char="•"/>
+        <a:defRPr sz="1800" kern="1200">
           <a:solidFill>
-            <a:schemeClr val="tx1">
-              <a:lumMod val="85000"/>
-              <a:lumOff val="15000"/>
-            </a:schemeClr>
+            <a:schemeClr val="tx1"/>
           </a:solidFill>
           <a:latin typeface="+mn-lt"/>
           <a:ea typeface="+mn-ea"/>
           <a:cs typeface="+mn-cs"/>
         </a:defRPr>
       </a:lvl6pPr>
-      <a:lvl7pPr marL="1900000" indent="-228600" algn="l" defTabSz="914400" rtl="0" eaLnBrk="1" latinLnBrk="0" hangingPunct="1">
+      <a:lvl7pPr marL="2971800" indent="-228600" algn="l" defTabSz="914400" rtl="0" eaLnBrk="1" latinLnBrk="0" hangingPunct="1">
         <a:lnSpc>
           <a:spcPct val="90000"/>
         </a:lnSpc>
         <a:spcBef>
-          <a:spcPts val="300"/>
+          <a:spcPts val="500"/>
         </a:spcBef>
-        <a:spcAft>
-          <a:spcPts val="300"/>
-        </a:spcAft>
-        <a:buClr>
-          <a:schemeClr val="accent1"/>
-        </a:buClr>
-        <a:buFont typeface="Wingdings 2" pitchFamily="18" charset="2"/>
-        <a:buChar char=""/>
-        <a:defRPr sz="1400" kern="1200">
+        <a:buFont typeface="Arial" panose="020B0604020202020204" pitchFamily="34" charset="0"/>
+        <a:buChar char="•"/>
+        <a:defRPr sz="1800" kern="1200">
           <a:solidFill>
-            <a:schemeClr val="tx1">
-              <a:lumMod val="85000"/>
-              <a:lumOff val="15000"/>
-            </a:schemeClr>
+            <a:schemeClr val="tx1"/>
           </a:solidFill>
           <a:latin typeface="+mn-lt"/>
           <a:ea typeface="+mn-ea"/>
           <a:cs typeface="+mn-cs"/>
         </a:defRPr>
       </a:lvl7pPr>
-      <a:lvl8pPr marL="2200000" indent="-228600" algn="l" defTabSz="914400" rtl="0" eaLnBrk="1" latinLnBrk="0" hangingPunct="1">
+      <a:lvl8pPr marL="3429000" indent="-228600" algn="l" defTabSz="914400" rtl="0" eaLnBrk="1" latinLnBrk="0" hangingPunct="1">
         <a:lnSpc>
           <a:spcPct val="90000"/>
         </a:lnSpc>
         <a:spcBef>
-          <a:spcPts val="300"/>
+          <a:spcPts val="500"/>
         </a:spcBef>
-        <a:spcAft>
-          <a:spcPts val="300"/>
-        </a:spcAft>
-        <a:buClr>
-          <a:schemeClr val="accent1"/>
-        </a:buClr>
-        <a:buFont typeface="Wingdings 2" pitchFamily="18" charset="2"/>
-        <a:buChar char=""/>
-        <a:defRPr sz="1400" kern="1200">
+        <a:buFont typeface="Arial" panose="020B0604020202020204" pitchFamily="34" charset="0"/>
+        <a:buChar char="•"/>
+        <a:defRPr sz="1800" kern="1200">
           <a:solidFill>
-            <a:schemeClr val="tx1">
-              <a:lumMod val="85000"/>
-              <a:lumOff val="15000"/>
-            </a:schemeClr>
+            <a:schemeClr val="tx1"/>
           </a:solidFill>
           <a:latin typeface="+mn-lt"/>
           <a:ea typeface="+mn-ea"/>
           <a:cs typeface="+mn-cs"/>
         </a:defRPr>
       </a:lvl8pPr>
-      <a:lvl9pPr marL="2500000" indent="-228600" algn="l" defTabSz="914400" rtl="0" eaLnBrk="1" latinLnBrk="0" hangingPunct="1">
+      <a:lvl9pPr marL="3886200" indent="-228600" algn="l" defTabSz="914400" rtl="0" eaLnBrk="1" latinLnBrk="0" hangingPunct="1">
         <a:lnSpc>
           <a:spcPct val="90000"/>
         </a:lnSpc>
         <a:spcBef>
-          <a:spcPts val="300"/>
+          <a:spcPts val="500"/>
         </a:spcBef>
-        <a:spcAft>
-          <a:spcPts val="300"/>
-        </a:spcAft>
-        <a:buClr>
-          <a:schemeClr val="accent1"/>
-        </a:buClr>
-        <a:buFont typeface="Wingdings 2" pitchFamily="18" charset="2"/>
-        <a:buChar char=""/>
-        <a:defRPr sz="1400" kern="1200">
+        <a:buFont typeface="Arial" panose="020B0604020202020204" pitchFamily="34" charset="0"/>
+        <a:buChar char="•"/>
+        <a:defRPr sz="1800" kern="1200">
           <a:solidFill>
-            <a:schemeClr val="tx1">
-              <a:lumMod val="85000"/>
-              <a:lumOff val="15000"/>
-            </a:schemeClr>
+            <a:schemeClr val="tx1"/>
           </a:solidFill>
           <a:latin typeface="+mn-lt"/>
           <a:ea typeface="+mn-ea"/>
@@ -3565,7 +3443,7 @@
           <p:cNvPr id="2" name="Title 1">
             <a:extLst>
               <a:ext uri="{FF2B5EF4-FFF2-40B4-BE49-F238E27FC236}">
-                <a16:creationId xmlns:a16="http://schemas.microsoft.com/office/drawing/2014/main" id="{13C043B5-6661-4F11-BC42-7AE6899A7186}"/>
+                <a16:creationId xmlns:a16="http://schemas.microsoft.com/office/drawing/2014/main" id="{877F6CE5-0341-4769-B187-EB52CC6B9945}"/>
               </a:ext>
             </a:extLst>
           </p:cNvPr>
@@ -3582,9 +3460,10 @@
           <a:lstStyle/>
           <a:p>
             <a:r>
-              <a:rPr lang="en-US" dirty="0"/>
-              <a:t>Hexadecimal</a:t>
-            </a:r>
+              <a:rPr lang="en-US" dirty="0" err="1"/>
+              <a:t>NaN</a:t>
+            </a:r>
+            <a:endParaRPr lang="en-US" dirty="0"/>
           </a:p>
         </p:txBody>
       </p:sp>
@@ -3593,7 +3472,7 @@
           <p:cNvPr id="3" name="Content Placeholder 2">
             <a:extLst>
               <a:ext uri="{FF2B5EF4-FFF2-40B4-BE49-F238E27FC236}">
-                <a16:creationId xmlns:a16="http://schemas.microsoft.com/office/drawing/2014/main" id="{ABAD7787-A0D7-4336-B059-43227BD0D95F}"/>
+                <a16:creationId xmlns:a16="http://schemas.microsoft.com/office/drawing/2014/main" id="{AA7881A4-1E33-4159-9F3A-F98A212CDC0C}"/>
               </a:ext>
             </a:extLst>
           </p:cNvPr>
@@ -3611,102 +3490,128 @@
           <a:p>
             <a:r>
               <a:rPr lang="en-US" dirty="0"/>
-              <a:t>Numbers are interpreted as Hexadecimal if 0x comes before them</a:t>
-            </a:r>
-          </a:p>
-          <a:p>
-            <a:r>
-              <a:rPr lang="en-US" dirty="0"/>
-              <a:t>By default, JavaScript Number are shown as </a:t>
-            </a:r>
-            <a:r>
-              <a:rPr lang="en-US" b="1" dirty="0"/>
-              <a:t>base 10</a:t>
-            </a:r>
-            <a:r>
-              <a:rPr lang="en-US" dirty="0"/>
-              <a:t> (regular numbers).</a:t>
-            </a:r>
-          </a:p>
-          <a:p>
-            <a:r>
-              <a:rPr lang="en-US" dirty="0"/>
-              <a:t>We can convert them to other bases (2 – 36) using </a:t>
-            </a:r>
-            <a:r>
-              <a:rPr lang="en-US" b="1" i="1" dirty="0" err="1"/>
-              <a:t>toString</a:t>
-            </a:r>
-            <a:r>
-              <a:rPr lang="en-US" b="1" i="1" dirty="0"/>
-              <a:t>()</a:t>
-            </a:r>
-            <a:r>
-              <a:rPr lang="en-US" dirty="0"/>
-              <a:t>.</a:t>
-            </a:r>
-          </a:p>
-          <a:p>
-            <a:pPr lvl="1"/>
-            <a:r>
-              <a:rPr lang="en-US" dirty="0"/>
-              <a:t>Let example = 32;</a:t>
-            </a:r>
-          </a:p>
-          <a:p>
-            <a:pPr lvl="2"/>
+              <a:t>The </a:t>
+            </a:r>
+            <a:r>
+              <a:rPr lang="en-US" b="1" dirty="0" err="1"/>
+              <a:t>NaN</a:t>
+            </a:r>
+            <a:r>
+              <a:rPr lang="en-US" dirty="0"/>
+              <a:t> keyword means “Not a Number”</a:t>
+            </a:r>
+          </a:p>
+          <a:p>
+            <a:r>
+              <a:rPr lang="en-US" dirty="0"/>
+              <a:t>Trying to do Math with a non-numeric String will result in </a:t>
+            </a:r>
             <a:r>
               <a:rPr lang="en-US" dirty="0" err="1"/>
-              <a:t>example.toString</a:t>
-            </a:r>
-            <a:r>
-              <a:rPr lang="en-US" dirty="0"/>
-              <a:t>(32) (base 32) =&gt; 32</a:t>
-            </a:r>
-          </a:p>
-          <a:p>
-            <a:pPr lvl="2"/>
+              <a:t>NaN</a:t>
+            </a:r>
+            <a:endParaRPr lang="en-US" dirty="0"/>
+          </a:p>
+          <a:p>
+            <a:r>
+              <a:rPr lang="en-US" dirty="0"/>
+              <a:t>Any time you do Math with a </a:t>
+            </a:r>
             <a:r>
               <a:rPr lang="en-US" dirty="0" err="1"/>
-              <a:t>example.toString</a:t>
-            </a:r>
-            <a:r>
-              <a:rPr lang="en-US" dirty="0"/>
-              <a:t>(16) (base 16) =&gt; 20</a:t>
-            </a:r>
-          </a:p>
-          <a:p>
-            <a:pPr lvl="2"/>
+              <a:t>NaN</a:t>
+            </a:r>
+            <a:r>
+              <a:rPr lang="en-US" dirty="0"/>
+              <a:t> value, the result with be </a:t>
+            </a:r>
             <a:r>
               <a:rPr lang="en-US" dirty="0" err="1"/>
-              <a:t>example.toString</a:t>
-            </a:r>
-            <a:r>
-              <a:rPr lang="en-US" dirty="0"/>
-              <a:t>(8) (base 8) =&gt; 40</a:t>
-            </a:r>
-          </a:p>
-          <a:p>
-            <a:pPr lvl="2"/>
-            <a:r>
-              <a:rPr lang="en-US" dirty="0" err="1"/>
-              <a:t>example.toString</a:t>
-            </a:r>
-            <a:r>
-              <a:rPr lang="en-US" dirty="0"/>
-              <a:t>(2) (base 2 or binary) =&gt; 100000</a:t>
-            </a:r>
-          </a:p>
-          <a:p>
-            <a:pPr lvl="1"/>
+              <a:t>NaN</a:t>
+            </a:r>
             <a:endParaRPr lang="en-US" dirty="0"/>
           </a:p>
-        </p:txBody>
-      </p:sp>
+          <a:p>
+            <a:endParaRPr lang="en-US" dirty="0"/>
+          </a:p>
+        </p:txBody>
+      </p:sp>
+      <p:pic>
+        <p:nvPicPr>
+          <p:cNvPr id="5" name="Picture 4" descr="A black screen with blue text&#10;&#10;Description automatically generated">
+            <a:extLst>
+              <a:ext uri="{FF2B5EF4-FFF2-40B4-BE49-F238E27FC236}">
+                <a16:creationId xmlns:a16="http://schemas.microsoft.com/office/drawing/2014/main" id="{7ADADEB4-A569-532E-4711-1ED80707958A}"/>
+              </a:ext>
+            </a:extLst>
+          </p:cNvPr>
+          <p:cNvPicPr>
+            <a:picLocks noChangeAspect="1"/>
+          </p:cNvPicPr>
+          <p:nvPr/>
+        </p:nvPicPr>
+        <p:blipFill>
+          <a:blip r:embed="rId2">
+            <a:extLst>
+              <a:ext uri="{28A0092B-C50C-407E-A947-70E740481C1C}">
+                <a14:useLocalDpi xmlns:a14="http://schemas.microsoft.com/office/drawing/2010/main" val="0"/>
+              </a:ext>
+            </a:extLst>
+          </a:blip>
+          <a:stretch>
+            <a:fillRect/>
+          </a:stretch>
+        </p:blipFill>
+        <p:spPr>
+          <a:xfrm>
+            <a:off x="0" y="4192772"/>
+            <a:ext cx="6096000" cy="2665228"/>
+          </a:xfrm>
+          <a:prstGeom prst="rect">
+            <a:avLst/>
+          </a:prstGeom>
+        </p:spPr>
+      </p:pic>
+      <p:pic>
+        <p:nvPicPr>
+          <p:cNvPr id="7" name="Picture 6" descr="A black background with blue text&#10;&#10;Description automatically generated">
+            <a:extLst>
+              <a:ext uri="{FF2B5EF4-FFF2-40B4-BE49-F238E27FC236}">
+                <a16:creationId xmlns:a16="http://schemas.microsoft.com/office/drawing/2014/main" id="{22DA9046-7697-548B-6665-6BABCADA5B4A}"/>
+              </a:ext>
+            </a:extLst>
+          </p:cNvPr>
+          <p:cNvPicPr>
+            <a:picLocks noChangeAspect="1"/>
+          </p:cNvPicPr>
+          <p:nvPr/>
+        </p:nvPicPr>
+        <p:blipFill>
+          <a:blip r:embed="rId3">
+            <a:extLst>
+              <a:ext uri="{28A0092B-C50C-407E-A947-70E740481C1C}">
+                <a14:useLocalDpi xmlns:a14="http://schemas.microsoft.com/office/drawing/2010/main" val="0"/>
+              </a:ext>
+            </a:extLst>
+          </a:blip>
+          <a:stretch>
+            <a:fillRect/>
+          </a:stretch>
+        </p:blipFill>
+        <p:spPr>
+          <a:xfrm>
+            <a:off x="6934201" y="4203778"/>
+            <a:ext cx="5257800" cy="2660196"/>
+          </a:xfrm>
+          <a:prstGeom prst="rect">
+            <a:avLst/>
+          </a:prstGeom>
+        </p:spPr>
+      </p:pic>
     </p:spTree>
     <p:extLst>
       <p:ext uri="{BB962C8B-B14F-4D97-AF65-F5344CB8AC3E}">
-        <p14:creationId xmlns:p14="http://schemas.microsoft.com/office/powerpoint/2010/main" val="2445761600"/>
+        <p14:creationId xmlns:p14="http://schemas.microsoft.com/office/powerpoint/2010/main" val="549282887"/>
       </p:ext>
     </p:extLst>
   </p:cSld>
@@ -3738,7 +3643,7 @@
           <p:cNvPr id="2" name="Title 1">
             <a:extLst>
               <a:ext uri="{FF2B5EF4-FFF2-40B4-BE49-F238E27FC236}">
-                <a16:creationId xmlns:a16="http://schemas.microsoft.com/office/drawing/2014/main" id="{F2F97AEE-2BF5-49FA-A416-D34475109E2E}"/>
+                <a16:creationId xmlns:a16="http://schemas.microsoft.com/office/drawing/2014/main" id="{87860262-6EA8-41EE-8E08-FB97BAEBEC0D}"/>
               </a:ext>
             </a:extLst>
           </p:cNvPr>
@@ -3755,8 +3660,12 @@
           <a:lstStyle/>
           <a:p>
             <a:r>
-              <a:rPr lang="en-US" dirty="0"/>
-              <a:t>Number Methods and Properties</a:t>
+              <a:rPr lang="en-US" b="1" i="1" dirty="0" err="1"/>
+              <a:t>isNaN</a:t>
+            </a:r>
+            <a:r>
+              <a:rPr lang="en-US" b="1" i="1" dirty="0"/>
+              <a:t>()</a:t>
             </a:r>
           </a:p>
         </p:txBody>
@@ -3766,7 +3675,7 @@
           <p:cNvPr id="3" name="Content Placeholder 2">
             <a:extLst>
               <a:ext uri="{FF2B5EF4-FFF2-40B4-BE49-F238E27FC236}">
-                <a16:creationId xmlns:a16="http://schemas.microsoft.com/office/drawing/2014/main" id="{9886F6F9-2711-4F94-A574-A4F9AF6BD63F}"/>
+                <a16:creationId xmlns:a16="http://schemas.microsoft.com/office/drawing/2014/main" id="{5FB714E4-A5A3-4FB9-9D6F-2D3E1B177CBC}"/>
               </a:ext>
             </a:extLst>
           </p:cNvPr>
@@ -3783,25 +3692,76 @@
           <a:lstStyle/>
           <a:p>
             <a:r>
-              <a:rPr lang="en-US" dirty="0"/>
-              <a:t>JavaScript treats Numbers as Objects for the purpose of executing methods and accessing properties (just like with Strings)</a:t>
-            </a:r>
-          </a:p>
-          <a:p>
-            <a:r>
-              <a:rPr lang="en-US" dirty="0"/>
-              <a:t>All Number methods can be used on any type of Number (variables, literals, expressions)</a:t>
-            </a:r>
-          </a:p>
-          <a:p>
+              <a:rPr lang="en-US" b="1" i="1" dirty="0" err="1"/>
+              <a:t>isNan</a:t>
+            </a:r>
+            <a:r>
+              <a:rPr lang="en-US" b="1" i="1" dirty="0"/>
+              <a:t>() </a:t>
+            </a:r>
+            <a:r>
+              <a:rPr lang="en-US" dirty="0"/>
+              <a:t>is a global function for determining whether a something is </a:t>
+            </a:r>
+            <a:r>
+              <a:rPr lang="en-US" i="1" dirty="0"/>
+              <a:t>Not a Number</a:t>
+            </a:r>
             <a:endParaRPr lang="en-US" dirty="0"/>
           </a:p>
-        </p:txBody>
-      </p:sp>
+          <a:p>
+            <a:r>
+              <a:rPr lang="en-US" dirty="0"/>
+              <a:t>You can place any type inside it, and it will tell you if that type is </a:t>
+            </a:r>
+            <a:r>
+              <a:rPr lang="en-US" dirty="0" err="1"/>
+              <a:t>NaN</a:t>
+            </a:r>
+            <a:endParaRPr lang="en-US" dirty="0"/>
+          </a:p>
+        </p:txBody>
+      </p:sp>
+      <p:pic>
+        <p:nvPicPr>
+          <p:cNvPr id="5" name="Picture 4" descr="A screenshot of a computer&#10;&#10;Description automatically generated">
+            <a:extLst>
+              <a:ext uri="{FF2B5EF4-FFF2-40B4-BE49-F238E27FC236}">
+                <a16:creationId xmlns:a16="http://schemas.microsoft.com/office/drawing/2014/main" id="{0D2516F2-11E9-6354-9293-AAC64B45CD12}"/>
+              </a:ext>
+            </a:extLst>
+          </p:cNvPr>
+          <p:cNvPicPr>
+            <a:picLocks noChangeAspect="1"/>
+          </p:cNvPicPr>
+          <p:nvPr/>
+        </p:nvPicPr>
+        <p:blipFill>
+          <a:blip r:embed="rId2">
+            <a:extLst>
+              <a:ext uri="{28A0092B-C50C-407E-A947-70E740481C1C}">
+                <a14:useLocalDpi xmlns:a14="http://schemas.microsoft.com/office/drawing/2010/main" val="0"/>
+              </a:ext>
+            </a:extLst>
+          </a:blip>
+          <a:stretch>
+            <a:fillRect/>
+          </a:stretch>
+        </p:blipFill>
+        <p:spPr>
+          <a:xfrm>
+            <a:off x="0" y="3352368"/>
+            <a:ext cx="6096000" cy="3505632"/>
+          </a:xfrm>
+          <a:prstGeom prst="rect">
+            <a:avLst/>
+          </a:prstGeom>
+        </p:spPr>
+      </p:pic>
     </p:spTree>
     <p:extLst>
       <p:ext uri="{BB962C8B-B14F-4D97-AF65-F5344CB8AC3E}">
-        <p14:creationId xmlns:p14="http://schemas.microsoft.com/office/powerpoint/2010/main" val="1509583461"/>
+        <p14:creationId xmlns:p14="http://schemas.microsoft.com/office/powerpoint/2010/main" val="2741778525"/>
       </p:ext>
     </p:extLst>
   </p:cSld>
@@ -3833,7 +3793,7 @@
           <p:cNvPr id="2" name="Title 1">
             <a:extLst>
               <a:ext uri="{FF2B5EF4-FFF2-40B4-BE49-F238E27FC236}">
-                <a16:creationId xmlns:a16="http://schemas.microsoft.com/office/drawing/2014/main" id="{ED33D421-EAE2-45D7-AFE7-86B7B1B0C979}"/>
+                <a16:creationId xmlns:a16="http://schemas.microsoft.com/office/drawing/2014/main" id="{257A29DA-13B7-46E1-A8BE-26EEC4268DDB}"/>
               </a:ext>
             </a:extLst>
           </p:cNvPr>
@@ -3850,12 +3810,8 @@
           <a:lstStyle/>
           <a:p>
             <a:r>
-              <a:rPr lang="en-US" b="1" i="1" dirty="0" err="1"/>
-              <a:t>toString</a:t>
-            </a:r>
-            <a:r>
               <a:rPr lang="en-US" b="1" i="1" dirty="0"/>
-              <a:t>()</a:t>
+              <a:t>Infinity</a:t>
             </a:r>
           </a:p>
         </p:txBody>
@@ -3865,7 +3821,7 @@
           <p:cNvPr id="3" name="Content Placeholder 2">
             <a:extLst>
               <a:ext uri="{FF2B5EF4-FFF2-40B4-BE49-F238E27FC236}">
-                <a16:creationId xmlns:a16="http://schemas.microsoft.com/office/drawing/2014/main" id="{65DB8DCC-AEA5-4789-B44F-21A880062E67}"/>
+                <a16:creationId xmlns:a16="http://schemas.microsoft.com/office/drawing/2014/main" id="{40A31DB5-8D1F-40E7-A914-9723538746C7}"/>
               </a:ext>
             </a:extLst>
           </p:cNvPr>
@@ -3883,55 +3839,57 @@
           <a:p>
             <a:r>
               <a:rPr lang="en-US" dirty="0"/>
-              <a:t>Returns a string of the Number it is called from</a:t>
-            </a:r>
-          </a:p>
-          <a:p>
-            <a:pPr lvl="1"/>
-            <a:r>
-              <a:rPr lang="en-US" dirty="0"/>
-              <a:t>Ex: 50.toString()</a:t>
-            </a:r>
-          </a:p>
-          <a:p>
-            <a:pPr lvl="1"/>
-            <a:r>
-              <a:rPr lang="en-US" dirty="0"/>
-              <a:t>Ex: (50 + 50).</a:t>
-            </a:r>
-            <a:r>
-              <a:rPr lang="en-US" dirty="0" err="1"/>
-              <a:t>toString</a:t>
-            </a:r>
-            <a:r>
-              <a:rPr lang="en-US" dirty="0"/>
-              <a:t>()</a:t>
-            </a:r>
-          </a:p>
-          <a:p>
-            <a:pPr lvl="1"/>
-            <a:r>
-              <a:rPr lang="en-US" dirty="0"/>
-              <a:t>Ex: let x = 50; </a:t>
-            </a:r>
-            <a:r>
-              <a:rPr lang="en-US" dirty="0" err="1"/>
-              <a:t>x.toString</a:t>
-            </a:r>
-            <a:r>
-              <a:rPr lang="en-US" dirty="0"/>
-              <a:t>()</a:t>
-            </a:r>
-          </a:p>
-          <a:p>
-            <a:endParaRPr lang="en-US" dirty="0"/>
-          </a:p>
-        </p:txBody>
-      </p:sp>
+              <a:t>A keyword that represents a Number larger than the largest possible Number</a:t>
+            </a:r>
+          </a:p>
+          <a:p>
+            <a:r>
+              <a:rPr lang="en-US" dirty="0"/>
+              <a:t>Does not have a Mathematical value, but is larger than all other Numbers</a:t>
+            </a:r>
+          </a:p>
+        </p:txBody>
+      </p:sp>
+      <p:pic>
+        <p:nvPicPr>
+          <p:cNvPr id="5" name="Picture 4" descr="A black background with blue and green text&#10;&#10;Description automatically generated">
+            <a:extLst>
+              <a:ext uri="{FF2B5EF4-FFF2-40B4-BE49-F238E27FC236}">
+                <a16:creationId xmlns:a16="http://schemas.microsoft.com/office/drawing/2014/main" id="{F3500694-EB1F-7F7E-09F1-335A7AC4406F}"/>
+              </a:ext>
+            </a:extLst>
+          </p:cNvPr>
+          <p:cNvPicPr>
+            <a:picLocks noChangeAspect="1"/>
+          </p:cNvPicPr>
+          <p:nvPr/>
+        </p:nvPicPr>
+        <p:blipFill>
+          <a:blip r:embed="rId2">
+            <a:extLst>
+              <a:ext uri="{28A0092B-C50C-407E-A947-70E740481C1C}">
+                <a14:useLocalDpi xmlns:a14="http://schemas.microsoft.com/office/drawing/2010/main" val="0"/>
+              </a:ext>
+            </a:extLst>
+          </a:blip>
+          <a:stretch>
+            <a:fillRect/>
+          </a:stretch>
+        </p:blipFill>
+        <p:spPr>
+          <a:xfrm>
+            <a:off x="-1" y="3623305"/>
+            <a:ext cx="4895273" cy="3239517"/>
+          </a:xfrm>
+          <a:prstGeom prst="rect">
+            <a:avLst/>
+          </a:prstGeom>
+        </p:spPr>
+      </p:pic>
     </p:spTree>
     <p:extLst>
       <p:ext uri="{BB962C8B-B14F-4D97-AF65-F5344CB8AC3E}">
-        <p14:creationId xmlns:p14="http://schemas.microsoft.com/office/powerpoint/2010/main" val="1704224556"/>
+        <p14:creationId xmlns:p14="http://schemas.microsoft.com/office/powerpoint/2010/main" val="1742300704"/>
       </p:ext>
     </p:extLst>
   </p:cSld>
@@ -3963,7 +3921,7 @@
           <p:cNvPr id="2" name="Title 1">
             <a:extLst>
               <a:ext uri="{FF2B5EF4-FFF2-40B4-BE49-F238E27FC236}">
-                <a16:creationId xmlns:a16="http://schemas.microsoft.com/office/drawing/2014/main" id="{1542BC09-FB37-4D33-8B2E-D6E61B624B8E}"/>
+                <a16:creationId xmlns:a16="http://schemas.microsoft.com/office/drawing/2014/main" id="{14B25EA2-C910-9FDA-6747-3AA7787156BD}"/>
               </a:ext>
             </a:extLst>
           </p:cNvPr>
@@ -3980,12 +3938,8 @@
           <a:lstStyle/>
           <a:p>
             <a:r>
-              <a:rPr lang="en-US" b="1" i="1" dirty="0" err="1"/>
-              <a:t>toExponential</a:t>
-            </a:r>
-            <a:r>
               <a:rPr lang="en-US" b="1" i="1" dirty="0"/>
-              <a:t>()</a:t>
+              <a:t>Infinity</a:t>
             </a:r>
           </a:p>
         </p:txBody>
@@ -3995,7 +3949,7 @@
           <p:cNvPr id="3" name="Content Placeholder 2">
             <a:extLst>
               <a:ext uri="{FF2B5EF4-FFF2-40B4-BE49-F238E27FC236}">
-                <a16:creationId xmlns:a16="http://schemas.microsoft.com/office/drawing/2014/main" id="{3DBCCAC3-BC94-416E-9A7A-C15079F374E5}"/>
+                <a16:creationId xmlns:a16="http://schemas.microsoft.com/office/drawing/2014/main" id="{FF38B94D-659E-8C51-2308-7715DB2A91AB}"/>
               </a:ext>
             </a:extLst>
           </p:cNvPr>
@@ -4013,66 +3967,60 @@
           <a:p>
             <a:r>
               <a:rPr lang="en-US" dirty="0"/>
-              <a:t>Returns a String of the Number it was called from where the Number is rounded and written using scientific/exponential notation</a:t>
-            </a:r>
-          </a:p>
-          <a:p>
-            <a:pPr lvl="1"/>
-            <a:r>
-              <a:rPr lang="en-US" dirty="0"/>
-              <a:t>Ex: let x = 3.1415;</a:t>
-            </a:r>
-          </a:p>
-          <a:p>
-            <a:pPr lvl="1"/>
-            <a:r>
-              <a:rPr lang="en-US" dirty="0" err="1"/>
-              <a:t>x.toExponential</a:t>
-            </a:r>
-            <a:r>
-              <a:rPr lang="en-US" dirty="0"/>
-              <a:t>(0) =&gt; 3e+0</a:t>
-            </a:r>
-          </a:p>
-          <a:p>
-            <a:pPr lvl="1"/>
-            <a:r>
-              <a:rPr lang="en-US" dirty="0" err="1"/>
-              <a:t>x.toExponential</a:t>
-            </a:r>
-            <a:r>
-              <a:rPr lang="en-US" dirty="0"/>
-              <a:t>(2) =&gt; 3.14e+0</a:t>
-            </a:r>
-          </a:p>
-          <a:p>
-            <a:pPr lvl="1"/>
-            <a:r>
-              <a:rPr lang="en-US" dirty="0" err="1"/>
-              <a:t>x.toExponential</a:t>
-            </a:r>
-            <a:r>
-              <a:rPr lang="en-US" dirty="0"/>
-              <a:t>(4) =&gt; 3.1415e+0</a:t>
-            </a:r>
-          </a:p>
-          <a:p>
-            <a:pPr lvl="1"/>
-            <a:r>
-              <a:rPr lang="en-US" dirty="0" err="1"/>
-              <a:t>x.toExponential</a:t>
-            </a:r>
-            <a:r>
-              <a:rPr lang="en-US" dirty="0"/>
-              <a:t>(6) =&gt; 3.141500e+0</a:t>
-            </a:r>
-          </a:p>
-        </p:txBody>
-      </p:sp>
+              <a:t>You will get an Infinity value if you try to do Math above the max possible Number, or if you try to divide by 0</a:t>
+            </a:r>
+          </a:p>
+          <a:p>
+            <a:r>
+              <a:rPr lang="en-US" dirty="0"/>
+              <a:t>Note: In Math, anything divided by 0 is undefined, not Infinity, but this is how JS represents it.</a:t>
+            </a:r>
+          </a:p>
+          <a:p>
+            <a:endParaRPr lang="en-US" dirty="0"/>
+          </a:p>
+        </p:txBody>
+      </p:sp>
+      <p:pic>
+        <p:nvPicPr>
+          <p:cNvPr id="5" name="Picture 4" descr="A screenshot of a computer&#10;&#10;Description automatically generated">
+            <a:extLst>
+              <a:ext uri="{FF2B5EF4-FFF2-40B4-BE49-F238E27FC236}">
+                <a16:creationId xmlns:a16="http://schemas.microsoft.com/office/drawing/2014/main" id="{D7BD1B52-8675-1188-ED72-AEF22F35F54B}"/>
+              </a:ext>
+            </a:extLst>
+          </p:cNvPr>
+          <p:cNvPicPr>
+            <a:picLocks noChangeAspect="1"/>
+          </p:cNvPicPr>
+          <p:nvPr/>
+        </p:nvPicPr>
+        <p:blipFill>
+          <a:blip r:embed="rId2">
+            <a:extLst>
+              <a:ext uri="{28A0092B-C50C-407E-A947-70E740481C1C}">
+                <a14:useLocalDpi xmlns:a14="http://schemas.microsoft.com/office/drawing/2010/main" val="0"/>
+              </a:ext>
+            </a:extLst>
+          </a:blip>
+          <a:stretch>
+            <a:fillRect/>
+          </a:stretch>
+        </p:blipFill>
+        <p:spPr>
+          <a:xfrm>
+            <a:off x="0" y="3692469"/>
+            <a:ext cx="6096000" cy="3165531"/>
+          </a:xfrm>
+          <a:prstGeom prst="rect">
+            <a:avLst/>
+          </a:prstGeom>
+        </p:spPr>
+      </p:pic>
     </p:spTree>
     <p:extLst>
       <p:ext uri="{BB962C8B-B14F-4D97-AF65-F5344CB8AC3E}">
-        <p14:creationId xmlns:p14="http://schemas.microsoft.com/office/powerpoint/2010/main" val="2006244692"/>
+        <p14:creationId xmlns:p14="http://schemas.microsoft.com/office/powerpoint/2010/main" val="4232137536"/>
       </p:ext>
     </p:extLst>
   </p:cSld>
@@ -4104,7 +4052,7 @@
           <p:cNvPr id="2" name="Title 1">
             <a:extLst>
               <a:ext uri="{FF2B5EF4-FFF2-40B4-BE49-F238E27FC236}">
-                <a16:creationId xmlns:a16="http://schemas.microsoft.com/office/drawing/2014/main" id="{13900805-C360-4C8B-BDED-93FD3DB516F1}"/>
+                <a16:creationId xmlns:a16="http://schemas.microsoft.com/office/drawing/2014/main" id="{13C043B5-6661-4F11-BC42-7AE6899A7186}"/>
               </a:ext>
             </a:extLst>
           </p:cNvPr>
@@ -4121,102 +4069,116 @@
           <a:lstStyle/>
           <a:p>
             <a:r>
+              <a:rPr lang="en-US" dirty="0"/>
+              <a:t>Hexadecimal</a:t>
+            </a:r>
+          </a:p>
+        </p:txBody>
+      </p:sp>
+      <p:sp>
+        <p:nvSpPr>
+          <p:cNvPr id="3" name="Content Placeholder 2">
+            <a:extLst>
+              <a:ext uri="{FF2B5EF4-FFF2-40B4-BE49-F238E27FC236}">
+                <a16:creationId xmlns:a16="http://schemas.microsoft.com/office/drawing/2014/main" id="{ABAD7787-A0D7-4336-B059-43227BD0D95F}"/>
+              </a:ext>
+            </a:extLst>
+          </p:cNvPr>
+          <p:cNvSpPr>
+            <a:spLocks noGrp="1"/>
+          </p:cNvSpPr>
+          <p:nvPr>
+            <p:ph idx="1"/>
+          </p:nvPr>
+        </p:nvSpPr>
+        <p:spPr/>
+        <p:txBody>
+          <a:bodyPr/>
+          <a:lstStyle/>
+          <a:p>
+            <a:r>
+              <a:rPr lang="en-US" dirty="0"/>
+              <a:t>Numbers are interpreted as Hexadecimal if 0x comes before them</a:t>
+            </a:r>
+          </a:p>
+          <a:p>
+            <a:r>
+              <a:rPr lang="en-US" dirty="0"/>
+              <a:t>By default, JavaScript Number are shown as </a:t>
+            </a:r>
+            <a:r>
+              <a:rPr lang="en-US" b="1" dirty="0"/>
+              <a:t>base 10</a:t>
+            </a:r>
+            <a:r>
+              <a:rPr lang="en-US" dirty="0"/>
+              <a:t> (regular numbers).</a:t>
+            </a:r>
+          </a:p>
+          <a:p>
+            <a:r>
+              <a:rPr lang="en-US" dirty="0"/>
+              <a:t>We can convert them to other bases (2 – 36) using </a:t>
+            </a:r>
+            <a:r>
               <a:rPr lang="en-US" b="1" i="1" dirty="0" err="1"/>
-              <a:t>toFixed</a:t>
+              <a:t>toString</a:t>
             </a:r>
             <a:r>
               <a:rPr lang="en-US" b="1" i="1" dirty="0"/>
               <a:t>()</a:t>
             </a:r>
-          </a:p>
-        </p:txBody>
-      </p:sp>
-      <p:sp>
-        <p:nvSpPr>
-          <p:cNvPr id="3" name="Content Placeholder 2">
-            <a:extLst>
-              <a:ext uri="{FF2B5EF4-FFF2-40B4-BE49-F238E27FC236}">
-                <a16:creationId xmlns:a16="http://schemas.microsoft.com/office/drawing/2014/main" id="{0A2982D2-5F23-44A0-BE6E-D196E712FD9E}"/>
-              </a:ext>
-            </a:extLst>
-          </p:cNvPr>
-          <p:cNvSpPr>
-            <a:spLocks noGrp="1"/>
-          </p:cNvSpPr>
-          <p:nvPr>
-            <p:ph idx="1"/>
-          </p:nvPr>
-        </p:nvSpPr>
-        <p:spPr/>
-        <p:txBody>
-          <a:bodyPr/>
-          <a:lstStyle/>
-          <a:p>
-            <a:r>
-              <a:rPr lang="en-US" dirty="0"/>
-              <a:t>Returns a Number with a specified number of decimal places</a:t>
-            </a:r>
-          </a:p>
-          <a:p>
-            <a:r>
-              <a:rPr lang="en-US" dirty="0"/>
-              <a:t>let pi = </a:t>
-            </a:r>
-            <a:r>
-              <a:rPr lang="en-US" dirty="0" err="1"/>
-              <a:t>Math.PI</a:t>
-            </a:r>
-            <a:r>
-              <a:rPr lang="en-US" dirty="0"/>
-              <a:t>;</a:t>
-            </a:r>
-          </a:p>
-          <a:p>
-            <a:r>
-              <a:rPr lang="en-US" dirty="0" err="1"/>
-              <a:t>pi.toFixed</a:t>
-            </a:r>
-            <a:r>
-              <a:rPr lang="en-US" dirty="0"/>
-              <a:t>(0) =&gt; 3</a:t>
-            </a:r>
-          </a:p>
-          <a:p>
-            <a:r>
-              <a:rPr lang="en-US" dirty="0" err="1"/>
-              <a:t>pi.toFixed</a:t>
-            </a:r>
-            <a:r>
-              <a:rPr lang="en-US" dirty="0"/>
-              <a:t>(2) =&gt; 3.14  </a:t>
-            </a:r>
-          </a:p>
-          <a:p>
-            <a:r>
-              <a:rPr lang="en-US" dirty="0" err="1"/>
-              <a:t>pi.toFixed</a:t>
-            </a:r>
-            <a:r>
-              <a:rPr lang="en-US" dirty="0"/>
-              <a:t>(4) =&gt; 3.1416</a:t>
-            </a:r>
-          </a:p>
-          <a:p>
-            <a:r>
-              <a:rPr lang="en-US" dirty="0" err="1"/>
-              <a:t>pi.toFixed</a:t>
-            </a:r>
-            <a:r>
-              <a:rPr lang="en-US" dirty="0"/>
-              <a:t>(6) =&gt; 3.141593</a:t>
-            </a:r>
-          </a:p>
-        </p:txBody>
-      </p:sp>
+            <a:r>
+              <a:rPr lang="en-US" dirty="0"/>
+              <a:t>.</a:t>
+            </a:r>
+          </a:p>
+          <a:p>
+            <a:pPr lvl="1"/>
+            <a:endParaRPr lang="en-US" dirty="0"/>
+          </a:p>
+        </p:txBody>
+      </p:sp>
+      <p:pic>
+        <p:nvPicPr>
+          <p:cNvPr id="5" name="Picture 4" descr="A blue and green text on a black background&#10;&#10;Description automatically generated">
+            <a:extLst>
+              <a:ext uri="{FF2B5EF4-FFF2-40B4-BE49-F238E27FC236}">
+                <a16:creationId xmlns:a16="http://schemas.microsoft.com/office/drawing/2014/main" id="{421D125F-B192-0A0A-57AD-8B1E421653B0}"/>
+              </a:ext>
+            </a:extLst>
+          </p:cNvPr>
+          <p:cNvPicPr>
+            <a:picLocks noChangeAspect="1"/>
+          </p:cNvPicPr>
+          <p:nvPr/>
+        </p:nvPicPr>
+        <p:blipFill>
+          <a:blip r:embed="rId2">
+            <a:extLst>
+              <a:ext uri="{28A0092B-C50C-407E-A947-70E740481C1C}">
+                <a14:useLocalDpi xmlns:a14="http://schemas.microsoft.com/office/drawing/2010/main" val="0"/>
+              </a:ext>
+            </a:extLst>
+          </a:blip>
+          <a:stretch>
+            <a:fillRect/>
+          </a:stretch>
+        </p:blipFill>
+        <p:spPr>
+          <a:xfrm>
+            <a:off x="9411855" y="3811671"/>
+            <a:ext cx="2780145" cy="3046329"/>
+          </a:xfrm>
+          <a:prstGeom prst="rect">
+            <a:avLst/>
+          </a:prstGeom>
+        </p:spPr>
+      </p:pic>
     </p:spTree>
     <p:extLst>
       <p:ext uri="{BB962C8B-B14F-4D97-AF65-F5344CB8AC3E}">
-        <p14:creationId xmlns:p14="http://schemas.microsoft.com/office/powerpoint/2010/main" val="4144720317"/>
+        <p14:creationId xmlns:p14="http://schemas.microsoft.com/office/powerpoint/2010/main" val="2445761600"/>
       </p:ext>
     </p:extLst>
   </p:cSld>
@@ -4248,7 +4210,7 @@
           <p:cNvPr id="2" name="Title 1">
             <a:extLst>
               <a:ext uri="{FF2B5EF4-FFF2-40B4-BE49-F238E27FC236}">
-                <a16:creationId xmlns:a16="http://schemas.microsoft.com/office/drawing/2014/main" id="{0D815789-37CD-4FD7-942E-92E99F89B85B}"/>
+                <a16:creationId xmlns:a16="http://schemas.microsoft.com/office/drawing/2014/main" id="{DC0B667F-C937-49A7-90E2-736E684B63A1}"/>
               </a:ext>
             </a:extLst>
           </p:cNvPr>
@@ -4265,84 +4227,131 @@
           <a:lstStyle/>
           <a:p>
             <a:r>
+              <a:rPr lang="en-US" dirty="0"/>
+              <a:t>Hexadecimal</a:t>
+            </a:r>
+          </a:p>
+        </p:txBody>
+      </p:sp>
+      <p:sp>
+        <p:nvSpPr>
+          <p:cNvPr id="3" name="Content Placeholder 2">
+            <a:extLst>
+              <a:ext uri="{FF2B5EF4-FFF2-40B4-BE49-F238E27FC236}">
+                <a16:creationId xmlns:a16="http://schemas.microsoft.com/office/drawing/2014/main" id="{0EE49C04-FADB-6203-FA06-0923587EC910}"/>
+              </a:ext>
+            </a:extLst>
+          </p:cNvPr>
+          <p:cNvSpPr>
+            <a:spLocks noGrp="1"/>
+          </p:cNvSpPr>
+          <p:nvPr>
+            <p:ph idx="1"/>
+          </p:nvPr>
+        </p:nvSpPr>
+        <p:spPr/>
+        <p:txBody>
+          <a:bodyPr/>
+          <a:lstStyle/>
+          <a:p>
+            <a:r>
+              <a:rPr lang="en-US" dirty="0"/>
+              <a:t>We can convert them to other bases (2 – 36) using </a:t>
+            </a:r>
+            <a:r>
               <a:rPr lang="en-US" b="1" i="1" dirty="0" err="1"/>
-              <a:t>toPrecision</a:t>
+              <a:t>toString</a:t>
             </a:r>
             <a:r>
               <a:rPr lang="en-US" b="1" i="1" dirty="0"/>
               <a:t>()</a:t>
             </a:r>
-          </a:p>
-        </p:txBody>
-      </p:sp>
-      <p:sp>
-        <p:nvSpPr>
-          <p:cNvPr id="3" name="Content Placeholder 2">
-            <a:extLst>
-              <a:ext uri="{FF2B5EF4-FFF2-40B4-BE49-F238E27FC236}">
-                <a16:creationId xmlns:a16="http://schemas.microsoft.com/office/drawing/2014/main" id="{56C0064F-AF2B-4FB8-A2BA-CC0BDB66B048}"/>
-              </a:ext>
-            </a:extLst>
-          </p:cNvPr>
-          <p:cNvSpPr>
-            <a:spLocks noGrp="1"/>
-          </p:cNvSpPr>
-          <p:nvPr>
-            <p:ph idx="1"/>
-          </p:nvPr>
-        </p:nvSpPr>
-        <p:spPr/>
-        <p:txBody>
-          <a:bodyPr/>
-          <a:lstStyle/>
-          <a:p>
-            <a:r>
-              <a:rPr lang="en-US" dirty="0"/>
-              <a:t>Returns a Number with a specified length</a:t>
-            </a:r>
-          </a:p>
-          <a:p>
-            <a:r>
-              <a:rPr lang="en-US" dirty="0"/>
-              <a:t>let example = 100;</a:t>
-            </a:r>
-          </a:p>
-          <a:p>
-            <a:r>
-              <a:rPr lang="en-US" dirty="0" err="1"/>
-              <a:t>example.toPrecision</a:t>
-            </a:r>
-            <a:r>
-              <a:rPr lang="en-US" dirty="0"/>
-              <a:t>(3) =&gt; 100</a:t>
-            </a:r>
-          </a:p>
-          <a:p>
-            <a:r>
-              <a:rPr lang="en-US" dirty="0" err="1"/>
-              <a:t>example.toPrecision</a:t>
-            </a:r>
-            <a:r>
-              <a:rPr lang="en-US" dirty="0"/>
-              <a:t>(5) =&gt; 100.00</a:t>
-            </a:r>
-          </a:p>
-          <a:p>
-            <a:r>
-              <a:rPr lang="en-US" dirty="0" err="1"/>
-              <a:t>example.toPrecision</a:t>
-            </a:r>
-            <a:r>
-              <a:rPr lang="en-US" dirty="0"/>
-              <a:t>(7) =&gt; 100.0000</a:t>
-            </a:r>
-          </a:p>
-        </p:txBody>
-      </p:sp>
+            <a:r>
+              <a:rPr lang="en-US" dirty="0"/>
+              <a:t>.</a:t>
+            </a:r>
+          </a:p>
+          <a:p>
+            <a:endParaRPr lang="en-US" dirty="0"/>
+          </a:p>
+        </p:txBody>
+      </p:sp>
+      <p:pic>
+        <p:nvPicPr>
+          <p:cNvPr id="5" name="Picture 4" descr="A screenshot of a computer code&#10;&#10;Description automatically generated">
+            <a:extLst>
+              <a:ext uri="{FF2B5EF4-FFF2-40B4-BE49-F238E27FC236}">
+                <a16:creationId xmlns:a16="http://schemas.microsoft.com/office/drawing/2014/main" id="{5CD295BE-83CB-1EFE-E562-F0DC0B0929F3}"/>
+              </a:ext>
+            </a:extLst>
+          </p:cNvPr>
+          <p:cNvPicPr>
+            <a:picLocks noChangeAspect="1"/>
+          </p:cNvPicPr>
+          <p:nvPr/>
+        </p:nvPicPr>
+        <p:blipFill>
+          <a:blip r:embed="rId2">
+            <a:extLst>
+              <a:ext uri="{28A0092B-C50C-407E-A947-70E740481C1C}">
+                <a14:useLocalDpi xmlns:a14="http://schemas.microsoft.com/office/drawing/2010/main" val="0"/>
+              </a:ext>
+            </a:extLst>
+          </a:blip>
+          <a:stretch>
+            <a:fillRect/>
+          </a:stretch>
+        </p:blipFill>
+        <p:spPr>
+          <a:xfrm>
+            <a:off x="-1" y="2717237"/>
+            <a:ext cx="3629891" cy="4140764"/>
+          </a:xfrm>
+          <a:prstGeom prst="rect">
+            <a:avLst/>
+          </a:prstGeom>
+        </p:spPr>
+      </p:pic>
+      <p:pic>
+        <p:nvPicPr>
+          <p:cNvPr id="7" name="Picture 6" descr="A screenshot of a computer program&#10;&#10;Description automatically generated">
+            <a:extLst>
+              <a:ext uri="{FF2B5EF4-FFF2-40B4-BE49-F238E27FC236}">
+                <a16:creationId xmlns:a16="http://schemas.microsoft.com/office/drawing/2014/main" id="{CC73318D-2A7F-4E63-D15E-E9DA212CB59D}"/>
+              </a:ext>
+            </a:extLst>
+          </p:cNvPr>
+          <p:cNvPicPr>
+            <a:picLocks noChangeAspect="1"/>
+          </p:cNvPicPr>
+          <p:nvPr/>
+        </p:nvPicPr>
+        <p:blipFill>
+          <a:blip r:embed="rId3">
+            <a:extLst>
+              <a:ext uri="{28A0092B-C50C-407E-A947-70E740481C1C}">
+                <a14:useLocalDpi xmlns:a14="http://schemas.microsoft.com/office/drawing/2010/main" val="0"/>
+              </a:ext>
+            </a:extLst>
+          </a:blip>
+          <a:stretch>
+            <a:fillRect/>
+          </a:stretch>
+        </p:blipFill>
+        <p:spPr>
+          <a:xfrm>
+            <a:off x="6779491" y="2716611"/>
+            <a:ext cx="5412509" cy="4141389"/>
+          </a:xfrm>
+          <a:prstGeom prst="rect">
+            <a:avLst/>
+          </a:prstGeom>
+        </p:spPr>
+      </p:pic>
     </p:spTree>
     <p:extLst>
       <p:ext uri="{BB962C8B-B14F-4D97-AF65-F5344CB8AC3E}">
-        <p14:creationId xmlns:p14="http://schemas.microsoft.com/office/powerpoint/2010/main" val="1282620725"/>
+        <p14:creationId xmlns:p14="http://schemas.microsoft.com/office/powerpoint/2010/main" val="2591721710"/>
       </p:ext>
     </p:extLst>
   </p:cSld>
@@ -4374,7 +4383,7 @@
           <p:cNvPr id="2" name="Title 1">
             <a:extLst>
               <a:ext uri="{FF2B5EF4-FFF2-40B4-BE49-F238E27FC236}">
-                <a16:creationId xmlns:a16="http://schemas.microsoft.com/office/drawing/2014/main" id="{66FA7634-6E13-41FD-946A-9AF96E6892A0}"/>
+                <a16:creationId xmlns:a16="http://schemas.microsoft.com/office/drawing/2014/main" id="{F2F97AEE-2BF5-49FA-A416-D34475109E2E}"/>
               </a:ext>
             </a:extLst>
           </p:cNvPr>
@@ -4391,12 +4400,8 @@
           <a:lstStyle/>
           <a:p>
             <a:r>
-              <a:rPr lang="en-US" b="1" i="1" dirty="0" err="1"/>
-              <a:t>valueOf</a:t>
-            </a:r>
-            <a:r>
-              <a:rPr lang="en-US" b="1" i="1" dirty="0"/>
-              <a:t>()</a:t>
+              <a:rPr lang="en-US" dirty="0"/>
+              <a:t>Number Methods and Properties</a:t>
             </a:r>
           </a:p>
         </p:txBody>
@@ -4406,7 +4411,7 @@
           <p:cNvPr id="3" name="Content Placeholder 2">
             <a:extLst>
               <a:ext uri="{FF2B5EF4-FFF2-40B4-BE49-F238E27FC236}">
-                <a16:creationId xmlns:a16="http://schemas.microsoft.com/office/drawing/2014/main" id="{FC9492F1-4EC7-46DA-B72E-658115A2324B}"/>
+                <a16:creationId xmlns:a16="http://schemas.microsoft.com/office/drawing/2014/main" id="{9886F6F9-2711-4F94-A574-A4F9AF6BD63F}"/>
               </a:ext>
             </a:extLst>
           </p:cNvPr>
@@ -4424,21 +4429,24 @@
           <a:p>
             <a:r>
               <a:rPr lang="en-US" dirty="0"/>
-              <a:t>Returns a Number (primitive) of a Number (object)</a:t>
-            </a:r>
-          </a:p>
-          <a:p>
-            <a:r>
-              <a:rPr lang="en-US" dirty="0"/>
-              <a:t>You will not need to use this, since we should be avoiding Number Objects</a:t>
-            </a:r>
+              <a:t>JavaScript treats Numbers as Objects for the purpose of executing methods and accessing properties (just like with Strings)</a:t>
+            </a:r>
+          </a:p>
+          <a:p>
+            <a:r>
+              <a:rPr lang="en-US" dirty="0"/>
+              <a:t>All Number methods can be used on any type of Number (variables, literals, expressions)</a:t>
+            </a:r>
+          </a:p>
+          <a:p>
+            <a:endParaRPr lang="en-US" dirty="0"/>
           </a:p>
         </p:txBody>
       </p:sp>
     </p:spTree>
     <p:extLst>
       <p:ext uri="{BB962C8B-B14F-4D97-AF65-F5344CB8AC3E}">
-        <p14:creationId xmlns:p14="http://schemas.microsoft.com/office/powerpoint/2010/main" val="1973757152"/>
+        <p14:creationId xmlns:p14="http://schemas.microsoft.com/office/powerpoint/2010/main" val="1509583461"/>
       </p:ext>
     </p:extLst>
   </p:cSld>
@@ -4470,7 +4478,7 @@
           <p:cNvPr id="2" name="Title 1">
             <a:extLst>
               <a:ext uri="{FF2B5EF4-FFF2-40B4-BE49-F238E27FC236}">
-                <a16:creationId xmlns:a16="http://schemas.microsoft.com/office/drawing/2014/main" id="{56CA03C5-B1F0-4B0F-9F81-6D75F64EB118}"/>
+                <a16:creationId xmlns:a16="http://schemas.microsoft.com/office/drawing/2014/main" id="{ED33D421-EAE2-45D7-AFE7-86B7B1B0C979}"/>
               </a:ext>
             </a:extLst>
           </p:cNvPr>
@@ -4487,70 +4495,123 @@
           <a:lstStyle/>
           <a:p>
             <a:r>
-              <a:rPr lang="en-US" dirty="0"/>
-              <a:t>Converting Variables to Numbers</a:t>
-            </a:r>
-          </a:p>
-        </p:txBody>
-      </p:sp>
-      <p:sp>
-        <p:nvSpPr>
-          <p:cNvPr id="3" name="Content Placeholder 2">
-            <a:extLst>
-              <a:ext uri="{FF2B5EF4-FFF2-40B4-BE49-F238E27FC236}">
-                <a16:creationId xmlns:a16="http://schemas.microsoft.com/office/drawing/2014/main" id="{1785E4D1-6C53-48F0-88B1-F0ABED244C35}"/>
-              </a:ext>
-            </a:extLst>
-          </p:cNvPr>
-          <p:cNvSpPr>
-            <a:spLocks noGrp="1"/>
-          </p:cNvSpPr>
-          <p:nvPr>
-            <p:ph idx="1"/>
-          </p:nvPr>
-        </p:nvSpPr>
-        <p:spPr/>
-        <p:txBody>
-          <a:bodyPr/>
-          <a:lstStyle/>
-          <a:p>
-            <a:r>
-              <a:rPr lang="en-US" dirty="0"/>
-              <a:t>There are three methods to do this, and all are Global (not Number methods)</a:t>
-            </a:r>
-          </a:p>
-          <a:p>
-            <a:r>
-              <a:rPr lang="en-US" b="1" i="1" dirty="0"/>
-              <a:t>Number()</a:t>
-            </a:r>
-          </a:p>
-          <a:p>
-            <a:r>
               <a:rPr lang="en-US" b="1" i="1" dirty="0" err="1"/>
-              <a:t>parseInt</a:t>
+              <a:t>toString</a:t>
             </a:r>
             <a:r>
               <a:rPr lang="en-US" b="1" i="1" dirty="0"/>
               <a:t>()</a:t>
             </a:r>
           </a:p>
-          <a:p>
-            <a:r>
-              <a:rPr lang="en-US" b="1" i="1" dirty="0" err="1"/>
-              <a:t>parseFloat</a:t>
-            </a:r>
-            <a:r>
-              <a:rPr lang="en-US" b="1" i="1" dirty="0"/>
-              <a:t>()</a:t>
-            </a:r>
-          </a:p>
-        </p:txBody>
-      </p:sp>
+        </p:txBody>
+      </p:sp>
+      <p:sp>
+        <p:nvSpPr>
+          <p:cNvPr id="3" name="Content Placeholder 2">
+            <a:extLst>
+              <a:ext uri="{FF2B5EF4-FFF2-40B4-BE49-F238E27FC236}">
+                <a16:creationId xmlns:a16="http://schemas.microsoft.com/office/drawing/2014/main" id="{65DB8DCC-AEA5-4789-B44F-21A880062E67}"/>
+              </a:ext>
+            </a:extLst>
+          </p:cNvPr>
+          <p:cNvSpPr>
+            <a:spLocks noGrp="1"/>
+          </p:cNvSpPr>
+          <p:nvPr>
+            <p:ph idx="1"/>
+          </p:nvPr>
+        </p:nvSpPr>
+        <p:spPr/>
+        <p:txBody>
+          <a:bodyPr/>
+          <a:lstStyle/>
+          <a:p>
+            <a:r>
+              <a:rPr lang="en-US" dirty="0"/>
+              <a:t>Returns a string of the Number it is called from</a:t>
+            </a:r>
+          </a:p>
+          <a:p>
+            <a:endParaRPr lang="en-US" dirty="0"/>
+          </a:p>
+        </p:txBody>
+      </p:sp>
+      <p:pic>
+        <p:nvPicPr>
+          <p:cNvPr id="5" name="Picture 4" descr="A black background with green and blue text&#10;&#10;Description automatically generated">
+            <a:extLst>
+              <a:ext uri="{FF2B5EF4-FFF2-40B4-BE49-F238E27FC236}">
+                <a16:creationId xmlns:a16="http://schemas.microsoft.com/office/drawing/2014/main" id="{CA23F011-A31C-9379-EC95-A62770642326}"/>
+              </a:ext>
+            </a:extLst>
+          </p:cNvPr>
+          <p:cNvPicPr>
+            <a:picLocks noChangeAspect="1"/>
+          </p:cNvPicPr>
+          <p:nvPr/>
+        </p:nvPicPr>
+        <p:blipFill>
+          <a:blip r:embed="rId2">
+            <a:extLst>
+              <a:ext uri="{28A0092B-C50C-407E-A947-70E740481C1C}">
+                <a14:useLocalDpi xmlns:a14="http://schemas.microsoft.com/office/drawing/2010/main" val="0"/>
+              </a:ext>
+            </a:extLst>
+          </a:blip>
+          <a:stretch>
+            <a:fillRect/>
+          </a:stretch>
+        </p:blipFill>
+        <p:spPr>
+          <a:xfrm>
+            <a:off x="0" y="5142294"/>
+            <a:ext cx="6096000" cy="1728149"/>
+          </a:xfrm>
+          <a:prstGeom prst="rect">
+            <a:avLst/>
+          </a:prstGeom>
+        </p:spPr>
+      </p:pic>
+      <p:pic>
+        <p:nvPicPr>
+          <p:cNvPr id="7" name="Picture 6" descr="A screenshot of a computer code&#10;&#10;Description automatically generated">
+            <a:extLst>
+              <a:ext uri="{FF2B5EF4-FFF2-40B4-BE49-F238E27FC236}">
+                <a16:creationId xmlns:a16="http://schemas.microsoft.com/office/drawing/2014/main" id="{3D427267-66D9-3A68-3D21-03A5ED12F5E5}"/>
+              </a:ext>
+            </a:extLst>
+          </p:cNvPr>
+          <p:cNvPicPr>
+            <a:picLocks noChangeAspect="1"/>
+          </p:cNvPicPr>
+          <p:nvPr/>
+        </p:nvPicPr>
+        <p:blipFill>
+          <a:blip r:embed="rId3">
+            <a:extLst>
+              <a:ext uri="{28A0092B-C50C-407E-A947-70E740481C1C}">
+                <a14:useLocalDpi xmlns:a14="http://schemas.microsoft.com/office/drawing/2010/main" val="0"/>
+              </a:ext>
+            </a:extLst>
+          </a:blip>
+          <a:stretch>
+            <a:fillRect/>
+          </a:stretch>
+        </p:blipFill>
+        <p:spPr>
+          <a:xfrm>
+            <a:off x="6096001" y="2715980"/>
+            <a:ext cx="6096000" cy="4154464"/>
+          </a:xfrm>
+          <a:prstGeom prst="rect">
+            <a:avLst/>
+          </a:prstGeom>
+        </p:spPr>
+      </p:pic>
     </p:spTree>
     <p:extLst>
       <p:ext uri="{BB962C8B-B14F-4D97-AF65-F5344CB8AC3E}">
-        <p14:creationId xmlns:p14="http://schemas.microsoft.com/office/powerpoint/2010/main" val="3999547728"/>
+        <p14:creationId xmlns:p14="http://schemas.microsoft.com/office/powerpoint/2010/main" val="1704224556"/>
       </p:ext>
     </p:extLst>
   </p:cSld>
@@ -4582,7 +4643,7 @@
           <p:cNvPr id="2" name="Title 1">
             <a:extLst>
               <a:ext uri="{FF2B5EF4-FFF2-40B4-BE49-F238E27FC236}">
-                <a16:creationId xmlns:a16="http://schemas.microsoft.com/office/drawing/2014/main" id="{C7E16885-8594-4CFE-A0E3-6A533CC26CB6}"/>
+                <a16:creationId xmlns:a16="http://schemas.microsoft.com/office/drawing/2014/main" id="{1542BC09-FB37-4D33-8B2E-D6E61B624B8E}"/>
               </a:ext>
             </a:extLst>
           </p:cNvPr>
@@ -4599,8 +4660,12 @@
           <a:lstStyle/>
           <a:p>
             <a:r>
+              <a:rPr lang="en-US" b="1" i="1" dirty="0" err="1"/>
+              <a:t>toExponential</a:t>
+            </a:r>
+            <a:r>
               <a:rPr lang="en-US" b="1" i="1" dirty="0"/>
-              <a:t>Number()</a:t>
+              <a:t>()</a:t>
             </a:r>
           </a:p>
         </p:txBody>
@@ -4610,7 +4675,7 @@
           <p:cNvPr id="3" name="Content Placeholder 2">
             <a:extLst>
               <a:ext uri="{FF2B5EF4-FFF2-40B4-BE49-F238E27FC236}">
-                <a16:creationId xmlns:a16="http://schemas.microsoft.com/office/drawing/2014/main" id="{38D60621-10BA-4710-AA25-5307182B2BC8}"/>
+                <a16:creationId xmlns:a16="http://schemas.microsoft.com/office/drawing/2014/main" id="{3DBCCAC3-BC94-416E-9A7A-C15079F374E5}"/>
               </a:ext>
             </a:extLst>
           </p:cNvPr>
@@ -4628,54 +4693,93 @@
           <a:p>
             <a:r>
               <a:rPr lang="en-US" dirty="0"/>
-              <a:t>Converts a variable to a Number if possible, otherwise returns </a:t>
-            </a:r>
-            <a:r>
-              <a:rPr lang="en-US" dirty="0" err="1"/>
-              <a:t>NaN</a:t>
-            </a:r>
-            <a:endParaRPr lang="en-US" dirty="0"/>
-          </a:p>
-          <a:p>
-            <a:r>
-              <a:rPr lang="en-US" dirty="0"/>
-              <a:t>Used for Type </a:t>
-            </a:r>
-            <a:r>
-              <a:rPr lang="en-US" dirty="0" err="1"/>
-              <a:t>Coersion</a:t>
-            </a:r>
-            <a:r>
-              <a:rPr lang="en-US" dirty="0"/>
-              <a:t> (forcing a piece of data from one type to another)</a:t>
-            </a:r>
-          </a:p>
-          <a:p>
-            <a:r>
-              <a:rPr lang="en-US" dirty="0"/>
-              <a:t>Ex: Number(“10”) =&gt; 10</a:t>
-            </a:r>
-          </a:p>
-          <a:p>
-            <a:r>
-              <a:rPr lang="en-US" dirty="0"/>
-              <a:t>Ex: Number(“Howdy”) =&gt; </a:t>
-            </a:r>
-            <a:r>
-              <a:rPr lang="en-US" dirty="0" err="1"/>
-              <a:t>NaN</a:t>
-            </a:r>
-            <a:endParaRPr lang="en-US" dirty="0"/>
-          </a:p>
-          <a:p>
-            <a:endParaRPr lang="en-US" dirty="0"/>
-          </a:p>
-        </p:txBody>
-      </p:sp>
+              <a:t>Returns a String of the Number it was called from where the Number is rounded and written using scientific/exponential notation</a:t>
+            </a:r>
+          </a:p>
+          <a:p>
+            <a:r>
+              <a:rPr lang="en-US" dirty="0"/>
+              <a:t>The parameter is optional – if you do not use it, the number does not get rounded</a:t>
+            </a:r>
+          </a:p>
+        </p:txBody>
+      </p:sp>
+      <p:pic>
+        <p:nvPicPr>
+          <p:cNvPr id="5" name="Picture 4" descr="A screenshot of a computer program&#10;&#10;Description automatically generated">
+            <a:extLst>
+              <a:ext uri="{FF2B5EF4-FFF2-40B4-BE49-F238E27FC236}">
+                <a16:creationId xmlns:a16="http://schemas.microsoft.com/office/drawing/2014/main" id="{C6EA7F7D-2F5D-77D3-6D43-208859DDB5C2}"/>
+              </a:ext>
+            </a:extLst>
+          </p:cNvPr>
+          <p:cNvPicPr>
+            <a:picLocks noChangeAspect="1"/>
+          </p:cNvPicPr>
+          <p:nvPr/>
+        </p:nvPicPr>
+        <p:blipFill>
+          <a:blip r:embed="rId2">
+            <a:extLst>
+              <a:ext uri="{28A0092B-C50C-407E-A947-70E740481C1C}">
+                <a14:useLocalDpi xmlns:a14="http://schemas.microsoft.com/office/drawing/2010/main" val="0"/>
+              </a:ext>
+            </a:extLst>
+          </a:blip>
+          <a:stretch>
+            <a:fillRect/>
+          </a:stretch>
+        </p:blipFill>
+        <p:spPr>
+          <a:xfrm>
+            <a:off x="0" y="3559628"/>
+            <a:ext cx="3352800" cy="3298372"/>
+          </a:xfrm>
+          <a:prstGeom prst="rect">
+            <a:avLst/>
+          </a:prstGeom>
+        </p:spPr>
+      </p:pic>
+      <p:pic>
+        <p:nvPicPr>
+          <p:cNvPr id="7" name="Picture 6" descr="A black background with green and white text&#10;&#10;Description automatically generated">
+            <a:extLst>
+              <a:ext uri="{FF2B5EF4-FFF2-40B4-BE49-F238E27FC236}">
+                <a16:creationId xmlns:a16="http://schemas.microsoft.com/office/drawing/2014/main" id="{96611F39-8804-13F4-3710-6C3B18B09530}"/>
+              </a:ext>
+            </a:extLst>
+          </p:cNvPr>
+          <p:cNvPicPr>
+            <a:picLocks noChangeAspect="1"/>
+          </p:cNvPicPr>
+          <p:nvPr/>
+        </p:nvPicPr>
+        <p:blipFill>
+          <a:blip r:embed="rId3">
+            <a:extLst>
+              <a:ext uri="{28A0092B-C50C-407E-A947-70E740481C1C}">
+                <a14:useLocalDpi xmlns:a14="http://schemas.microsoft.com/office/drawing/2010/main" val="0"/>
+              </a:ext>
+            </a:extLst>
+          </a:blip>
+          <a:stretch>
+            <a:fillRect/>
+          </a:stretch>
+        </p:blipFill>
+        <p:spPr>
+          <a:xfrm>
+            <a:off x="6096000" y="5162981"/>
+            <a:ext cx="6096000" cy="1715083"/>
+          </a:xfrm>
+          <a:prstGeom prst="rect">
+            <a:avLst/>
+          </a:prstGeom>
+        </p:spPr>
+      </p:pic>
     </p:spTree>
     <p:extLst>
       <p:ext uri="{BB962C8B-B14F-4D97-AF65-F5344CB8AC3E}">
-        <p14:creationId xmlns:p14="http://schemas.microsoft.com/office/powerpoint/2010/main" val="1445712726"/>
+        <p14:creationId xmlns:p14="http://schemas.microsoft.com/office/powerpoint/2010/main" val="2006244692"/>
       </p:ext>
     </p:extLst>
   </p:cSld>
@@ -4707,7 +4811,7 @@
           <p:cNvPr id="2" name="Title 1">
             <a:extLst>
               <a:ext uri="{FF2B5EF4-FFF2-40B4-BE49-F238E27FC236}">
-                <a16:creationId xmlns:a16="http://schemas.microsoft.com/office/drawing/2014/main" id="{707BFD91-7761-4022-9716-592DDF3A3D5E}"/>
+                <a16:creationId xmlns:a16="http://schemas.microsoft.com/office/drawing/2014/main" id="{13900805-C360-4C8B-BDED-93FD3DB516F1}"/>
               </a:ext>
             </a:extLst>
           </p:cNvPr>
@@ -4725,7 +4829,7 @@
           <a:p>
             <a:r>
               <a:rPr lang="en-US" b="1" i="1" dirty="0" err="1"/>
-              <a:t>parseInt</a:t>
+              <a:t>toFixed</a:t>
             </a:r>
             <a:r>
               <a:rPr lang="en-US" b="1" i="1" dirty="0"/>
@@ -4739,7 +4843,7 @@
           <p:cNvPr id="3" name="Content Placeholder 2">
             <a:extLst>
               <a:ext uri="{FF2B5EF4-FFF2-40B4-BE49-F238E27FC236}">
-                <a16:creationId xmlns:a16="http://schemas.microsoft.com/office/drawing/2014/main" id="{1C65BE0F-3511-4289-8DB3-041B55B58D36}"/>
+                <a16:creationId xmlns:a16="http://schemas.microsoft.com/office/drawing/2014/main" id="{0A2982D2-5F23-44A0-BE6E-D196E712FD9E}"/>
               </a:ext>
             </a:extLst>
           </p:cNvPr>
@@ -4757,76 +4861,102 @@
           <a:p>
             <a:r>
               <a:rPr lang="en-US" dirty="0"/>
-              <a:t>Reads through a string and returns the first whole Number (integer)</a:t>
-            </a:r>
-          </a:p>
-          <a:p>
-            <a:r>
-              <a:rPr lang="en-US" dirty="0"/>
-              <a:t>Ex: </a:t>
-            </a:r>
-            <a:r>
-              <a:rPr lang="en-US" dirty="0" err="1"/>
-              <a:t>parseInt</a:t>
-            </a:r>
-            <a:r>
-              <a:rPr lang="en-US" dirty="0"/>
-              <a:t>(“10”) =&gt; 10</a:t>
-            </a:r>
-          </a:p>
-          <a:p>
-            <a:r>
-              <a:rPr lang="en-US" dirty="0"/>
-              <a:t>Ex: </a:t>
-            </a:r>
-            <a:r>
-              <a:rPr lang="en-US" dirty="0" err="1"/>
-              <a:t>parseInt</a:t>
-            </a:r>
-            <a:r>
-              <a:rPr lang="en-US" dirty="0"/>
-              <a:t>(“20.39”) =&gt; 20</a:t>
-            </a:r>
-          </a:p>
-          <a:p>
-            <a:r>
-              <a:rPr lang="en-US" dirty="0"/>
-              <a:t>Ex: </a:t>
-            </a:r>
-            <a:r>
-              <a:rPr lang="en-US" dirty="0" err="1"/>
-              <a:t>parseInt</a:t>
-            </a:r>
-            <a:r>
-              <a:rPr lang="en-US" dirty="0"/>
-              <a:t>(“79 is my favorite Number”) =&gt; 79</a:t>
-            </a:r>
-          </a:p>
-          <a:p>
-            <a:r>
-              <a:rPr lang="en-US" dirty="0"/>
-              <a:t>Ex: </a:t>
-            </a:r>
-            <a:r>
-              <a:rPr lang="en-US" dirty="0" err="1"/>
-              <a:t>parseInt</a:t>
-            </a:r>
-            <a:r>
-              <a:rPr lang="en-US" dirty="0"/>
-              <a:t>(“Oh it’s 79?”) =&gt; </a:t>
-            </a:r>
-            <a:r>
-              <a:rPr lang="en-US" dirty="0" err="1"/>
-              <a:t>NaN</a:t>
-            </a:r>
-            <a:endParaRPr lang="en-US" dirty="0"/>
-          </a:p>
-        </p:txBody>
-      </p:sp>
+              <a:t>Returns a Number with a specified number of decimal places</a:t>
+            </a:r>
+          </a:p>
+          <a:p>
+            <a:r>
+              <a:rPr lang="en-US" b="1" i="1" dirty="0" err="1"/>
+              <a:t>toFixed</a:t>
+            </a:r>
+            <a:r>
+              <a:rPr lang="en-US" b="1" i="1" dirty="0"/>
+              <a:t>()</a:t>
+            </a:r>
+            <a:r>
+              <a:rPr lang="en-US" dirty="0"/>
+              <a:t> is often used to work with Money</a:t>
+            </a:r>
+            <a:endParaRPr lang="en-US" b="1" i="1" dirty="0"/>
+          </a:p>
+        </p:txBody>
+      </p:sp>
+      <p:pic>
+        <p:nvPicPr>
+          <p:cNvPr id="5" name="Picture 4" descr="A screenshot of a computer&#10;&#10;Description automatically generated">
+            <a:extLst>
+              <a:ext uri="{FF2B5EF4-FFF2-40B4-BE49-F238E27FC236}">
+                <a16:creationId xmlns:a16="http://schemas.microsoft.com/office/drawing/2014/main" id="{3D950B05-35AC-7F4E-CCC7-59D7CCDC9F16}"/>
+              </a:ext>
+            </a:extLst>
+          </p:cNvPr>
+          <p:cNvPicPr>
+            <a:picLocks noChangeAspect="1"/>
+          </p:cNvPicPr>
+          <p:nvPr/>
+        </p:nvPicPr>
+        <p:blipFill>
+          <a:blip r:embed="rId2">
+            <a:extLst>
+              <a:ext uri="{28A0092B-C50C-407E-A947-70E740481C1C}">
+                <a14:useLocalDpi xmlns:a14="http://schemas.microsoft.com/office/drawing/2010/main" val="0"/>
+              </a:ext>
+            </a:extLst>
+          </a:blip>
+          <a:stretch>
+            <a:fillRect/>
+          </a:stretch>
+        </p:blipFill>
+        <p:spPr>
+          <a:xfrm>
+            <a:off x="0" y="3841789"/>
+            <a:ext cx="3814618" cy="3016211"/>
+          </a:xfrm>
+          <a:prstGeom prst="rect">
+            <a:avLst/>
+          </a:prstGeom>
+        </p:spPr>
+      </p:pic>
+      <p:pic>
+        <p:nvPicPr>
+          <p:cNvPr id="7" name="Picture 6" descr="A screenshot of a computer code&#10;&#10;Description automatically generated">
+            <a:extLst>
+              <a:ext uri="{FF2B5EF4-FFF2-40B4-BE49-F238E27FC236}">
+                <a16:creationId xmlns:a16="http://schemas.microsoft.com/office/drawing/2014/main" id="{296EE576-1FC1-F732-EDAC-751D043A56E4}"/>
+              </a:ext>
+            </a:extLst>
+          </p:cNvPr>
+          <p:cNvPicPr>
+            <a:picLocks noChangeAspect="1"/>
+          </p:cNvPicPr>
+          <p:nvPr/>
+        </p:nvPicPr>
+        <p:blipFill>
+          <a:blip r:embed="rId3">
+            <a:extLst>
+              <a:ext uri="{28A0092B-C50C-407E-A947-70E740481C1C}">
+                <a14:useLocalDpi xmlns:a14="http://schemas.microsoft.com/office/drawing/2010/main" val="0"/>
+              </a:ext>
+            </a:extLst>
+          </a:blip>
+          <a:stretch>
+            <a:fillRect/>
+          </a:stretch>
+        </p:blipFill>
+        <p:spPr>
+          <a:xfrm>
+            <a:off x="8469745" y="3836589"/>
+            <a:ext cx="3722255" cy="3021411"/>
+          </a:xfrm>
+          <a:prstGeom prst="rect">
+            <a:avLst/>
+          </a:prstGeom>
+        </p:spPr>
+      </p:pic>
     </p:spTree>
     <p:extLst>
       <p:ext uri="{BB962C8B-B14F-4D97-AF65-F5344CB8AC3E}">
-        <p14:creationId xmlns:p14="http://schemas.microsoft.com/office/powerpoint/2010/main" val="1179030142"/>
+        <p14:creationId xmlns:p14="http://schemas.microsoft.com/office/powerpoint/2010/main" val="4144720317"/>
       </p:ext>
     </p:extLst>
   </p:cSld>
@@ -4910,7 +5040,7 @@
           <a:p>
             <a:r>
               <a:rPr lang="en-US" dirty="0"/>
-              <a:t>Numbers are always 64-bit Floating Point, meaning they always use a the same amount of memory and always has assumes 2 decimals (00 integers)</a:t>
+              <a:t>Numbers are always 64-bit Floating Point, meaning they always use the same amount of memory and always has assumes 2 decimals (00 integers)</a:t>
             </a:r>
           </a:p>
           <a:p>
@@ -4918,6 +5048,78 @@
           </a:p>
         </p:txBody>
       </p:sp>
+      <p:pic>
+        <p:nvPicPr>
+          <p:cNvPr id="5" name="Picture 4" descr="A black background with white text and pink letters&#10;&#10;Description automatically generated">
+            <a:extLst>
+              <a:ext uri="{FF2B5EF4-FFF2-40B4-BE49-F238E27FC236}">
+                <a16:creationId xmlns:a16="http://schemas.microsoft.com/office/drawing/2014/main" id="{3B115CA0-789B-ECE8-2251-F1BB93860E6E}"/>
+              </a:ext>
+            </a:extLst>
+          </p:cNvPr>
+          <p:cNvPicPr>
+            <a:picLocks noChangeAspect="1"/>
+          </p:cNvPicPr>
+          <p:nvPr/>
+        </p:nvPicPr>
+        <p:blipFill>
+          <a:blip r:embed="rId2">
+            <a:extLst>
+              <a:ext uri="{28A0092B-C50C-407E-A947-70E740481C1C}">
+                <a14:useLocalDpi xmlns:a14="http://schemas.microsoft.com/office/drawing/2010/main" val="0"/>
+              </a:ext>
+            </a:extLst>
+          </a:blip>
+          <a:stretch>
+            <a:fillRect/>
+          </a:stretch>
+        </p:blipFill>
+        <p:spPr>
+          <a:xfrm>
+            <a:off x="0" y="3957669"/>
+            <a:ext cx="4821382" cy="2904808"/>
+          </a:xfrm>
+          <a:prstGeom prst="rect">
+            <a:avLst/>
+          </a:prstGeom>
+        </p:spPr>
+      </p:pic>
+      <p:pic>
+        <p:nvPicPr>
+          <p:cNvPr id="7" name="Picture 6" descr="A black background with white text and blue and pink letters&#10;&#10;Description automatically generated">
+            <a:extLst>
+              <a:ext uri="{FF2B5EF4-FFF2-40B4-BE49-F238E27FC236}">
+                <a16:creationId xmlns:a16="http://schemas.microsoft.com/office/drawing/2014/main" id="{BF63D305-1E71-09C1-1354-96849118BD20}"/>
+              </a:ext>
+            </a:extLst>
+          </p:cNvPr>
+          <p:cNvPicPr>
+            <a:picLocks noChangeAspect="1"/>
+          </p:cNvPicPr>
+          <p:nvPr/>
+        </p:nvPicPr>
+        <p:blipFill>
+          <a:blip r:embed="rId3">
+            <a:extLst>
+              <a:ext uri="{28A0092B-C50C-407E-A947-70E740481C1C}">
+                <a14:useLocalDpi xmlns:a14="http://schemas.microsoft.com/office/drawing/2010/main" val="0"/>
+              </a:ext>
+            </a:extLst>
+          </a:blip>
+          <a:stretch>
+            <a:fillRect/>
+          </a:stretch>
+        </p:blipFill>
+        <p:spPr>
+          <a:xfrm>
+            <a:off x="5948219" y="3961395"/>
+            <a:ext cx="6243782" cy="2893462"/>
+          </a:xfrm>
+          <a:prstGeom prst="rect">
+            <a:avLst/>
+          </a:prstGeom>
+        </p:spPr>
+      </p:pic>
     </p:spTree>
     <p:extLst>
       <p:ext uri="{BB962C8B-B14F-4D97-AF65-F5344CB8AC3E}">
@@ -4953,7 +5155,7 @@
           <p:cNvPr id="2" name="Title 1">
             <a:extLst>
               <a:ext uri="{FF2B5EF4-FFF2-40B4-BE49-F238E27FC236}">
-                <a16:creationId xmlns:a16="http://schemas.microsoft.com/office/drawing/2014/main" id="{D6DC62A4-F0FD-495B-A663-48F1FAC59E57}"/>
+                <a16:creationId xmlns:a16="http://schemas.microsoft.com/office/drawing/2014/main" id="{0D815789-37CD-4FD7-942E-92E99F89B85B}"/>
               </a:ext>
             </a:extLst>
           </p:cNvPr>
@@ -4971,7 +5173,7 @@
           <a:p>
             <a:r>
               <a:rPr lang="en-US" b="1" i="1" dirty="0" err="1"/>
-              <a:t>parseFloat</a:t>
+              <a:t>toPrecision</a:t>
             </a:r>
             <a:r>
               <a:rPr lang="en-US" b="1" i="1" dirty="0"/>
@@ -4985,7 +5187,7 @@
           <p:cNvPr id="3" name="Content Placeholder 2">
             <a:extLst>
               <a:ext uri="{FF2B5EF4-FFF2-40B4-BE49-F238E27FC236}">
-                <a16:creationId xmlns:a16="http://schemas.microsoft.com/office/drawing/2014/main" id="{1F35138F-4A80-414E-84EA-7A60DEC5BF95}"/>
+                <a16:creationId xmlns:a16="http://schemas.microsoft.com/office/drawing/2014/main" id="{56C0064F-AF2B-4FB8-A2BA-CC0BDB66B048}"/>
               </a:ext>
             </a:extLst>
           </p:cNvPr>
@@ -5003,60 +5205,87 @@
           <a:p>
             <a:r>
               <a:rPr lang="en-US" dirty="0"/>
-              <a:t>Reads through a String and returns the first Number. </a:t>
-            </a:r>
-          </a:p>
-          <a:p>
-            <a:r>
-              <a:rPr lang="en-US" dirty="0" err="1"/>
-              <a:t>parseFloat</a:t>
-            </a:r>
-            <a:r>
-              <a:rPr lang="en-US" dirty="0"/>
-              <a:t>(“25”) =&gt; 25</a:t>
-            </a:r>
-          </a:p>
-          <a:p>
-            <a:r>
-              <a:rPr lang="en-US" dirty="0" err="1"/>
-              <a:t>parseFloat</a:t>
-            </a:r>
-            <a:r>
-              <a:rPr lang="en-US" dirty="0"/>
-              <a:t>(“3.141592”) =&gt; 3.141592</a:t>
-            </a:r>
-          </a:p>
-          <a:p>
-            <a:r>
-              <a:rPr lang="en-US" dirty="0" err="1"/>
-              <a:t>parseFloat</a:t>
-            </a:r>
-            <a:r>
-              <a:rPr lang="en-US" dirty="0"/>
-              <a:t>(“1.2 3.4 5.6”) =&gt; 1.2</a:t>
-            </a:r>
-          </a:p>
-          <a:p>
-            <a:r>
-              <a:rPr lang="en-US" dirty="0" err="1"/>
-              <a:t>parseFloat</a:t>
-            </a:r>
-            <a:r>
-              <a:rPr lang="en-US" dirty="0"/>
-              <a:t>(“Year 1.5”) =&gt; </a:t>
-            </a:r>
-            <a:r>
-              <a:rPr lang="en-US" dirty="0" err="1"/>
-              <a:t>NaN</a:t>
-            </a:r>
-            <a:endParaRPr lang="en-US" dirty="0"/>
-          </a:p>
-        </p:txBody>
-      </p:sp>
+              <a:t>Returns a Number with a specified number of digits</a:t>
+            </a:r>
+          </a:p>
+        </p:txBody>
+      </p:sp>
+      <p:pic>
+        <p:nvPicPr>
+          <p:cNvPr id="5" name="Picture 4" descr="A screenshot of a computer&#10;&#10;Description automatically generated">
+            <a:extLst>
+              <a:ext uri="{FF2B5EF4-FFF2-40B4-BE49-F238E27FC236}">
+                <a16:creationId xmlns:a16="http://schemas.microsoft.com/office/drawing/2014/main" id="{E775CB1D-47F1-A50F-70D5-ECFDE8D4D25C}"/>
+              </a:ext>
+            </a:extLst>
+          </p:cNvPr>
+          <p:cNvPicPr>
+            <a:picLocks noChangeAspect="1"/>
+          </p:cNvPicPr>
+          <p:nvPr/>
+        </p:nvPicPr>
+        <p:blipFill>
+          <a:blip r:embed="rId2">
+            <a:extLst>
+              <a:ext uri="{28A0092B-C50C-407E-A947-70E740481C1C}">
+                <a14:useLocalDpi xmlns:a14="http://schemas.microsoft.com/office/drawing/2010/main" val="0"/>
+              </a:ext>
+            </a:extLst>
+          </a:blip>
+          <a:stretch>
+            <a:fillRect/>
+          </a:stretch>
+        </p:blipFill>
+        <p:spPr>
+          <a:xfrm>
+            <a:off x="-1" y="3572092"/>
+            <a:ext cx="6012873" cy="3285908"/>
+          </a:xfrm>
+          <a:prstGeom prst="rect">
+            <a:avLst/>
+          </a:prstGeom>
+        </p:spPr>
+      </p:pic>
+      <p:pic>
+        <p:nvPicPr>
+          <p:cNvPr id="7" name="Picture 6" descr="A screenshot of a computer program&#10;&#10;Description automatically generated">
+            <a:extLst>
+              <a:ext uri="{FF2B5EF4-FFF2-40B4-BE49-F238E27FC236}">
+                <a16:creationId xmlns:a16="http://schemas.microsoft.com/office/drawing/2014/main" id="{DD326430-6EBF-C21D-6813-D834F7B2FC93}"/>
+              </a:ext>
+            </a:extLst>
+          </p:cNvPr>
+          <p:cNvPicPr>
+            <a:picLocks noChangeAspect="1"/>
+          </p:cNvPicPr>
+          <p:nvPr/>
+        </p:nvPicPr>
+        <p:blipFill>
+          <a:blip r:embed="rId3">
+            <a:extLst>
+              <a:ext uri="{28A0092B-C50C-407E-A947-70E740481C1C}">
+                <a14:useLocalDpi xmlns:a14="http://schemas.microsoft.com/office/drawing/2010/main" val="0"/>
+              </a:ext>
+            </a:extLst>
+          </a:blip>
+          <a:stretch>
+            <a:fillRect/>
+          </a:stretch>
+        </p:blipFill>
+        <p:spPr>
+          <a:xfrm>
+            <a:off x="5957201" y="3572092"/>
+            <a:ext cx="6234800" cy="3285909"/>
+          </a:xfrm>
+          <a:prstGeom prst="rect">
+            <a:avLst/>
+          </a:prstGeom>
+        </p:spPr>
+      </p:pic>
     </p:spTree>
     <p:extLst>
       <p:ext uri="{BB962C8B-B14F-4D97-AF65-F5344CB8AC3E}">
-        <p14:creationId xmlns:p14="http://schemas.microsoft.com/office/powerpoint/2010/main" val="2518824200"/>
+        <p14:creationId xmlns:p14="http://schemas.microsoft.com/office/powerpoint/2010/main" val="1282620725"/>
       </p:ext>
     </p:extLst>
   </p:cSld>
@@ -5088,7 +5317,7 @@
           <p:cNvPr id="2" name="Title 1">
             <a:extLst>
               <a:ext uri="{FF2B5EF4-FFF2-40B4-BE49-F238E27FC236}">
-                <a16:creationId xmlns:a16="http://schemas.microsoft.com/office/drawing/2014/main" id="{FDFBA2C5-793D-4620-BBD4-A6ED33E24A09}"/>
+                <a16:creationId xmlns:a16="http://schemas.microsoft.com/office/drawing/2014/main" id="{66FA7634-6E13-41FD-946A-9AF96E6892A0}"/>
               </a:ext>
             </a:extLst>
           </p:cNvPr>
@@ -5105,8 +5334,12 @@
           <a:lstStyle/>
           <a:p>
             <a:r>
-              <a:rPr lang="en-US" dirty="0"/>
-              <a:t>Number Properties</a:t>
+              <a:rPr lang="en-US" b="1" i="1" dirty="0" err="1"/>
+              <a:t>valueOf</a:t>
+            </a:r>
+            <a:r>
+              <a:rPr lang="en-US" b="1" i="1" dirty="0"/>
+              <a:t>()</a:t>
             </a:r>
           </a:p>
         </p:txBody>
@@ -5116,7 +5349,7 @@
           <p:cNvPr id="3" name="Content Placeholder 2">
             <a:extLst>
               <a:ext uri="{FF2B5EF4-FFF2-40B4-BE49-F238E27FC236}">
-                <a16:creationId xmlns:a16="http://schemas.microsoft.com/office/drawing/2014/main" id="{E908883B-2733-4927-A285-A04806EED2E9}"/>
+                <a16:creationId xmlns:a16="http://schemas.microsoft.com/office/drawing/2014/main" id="{FC9492F1-4EC7-46DA-B72E-658115A2324B}"/>
               </a:ext>
             </a:extLst>
           </p:cNvPr>
@@ -5134,35 +5367,13 @@
           <a:p>
             <a:r>
               <a:rPr lang="en-US" dirty="0"/>
-              <a:t>Helpful Properties of JS Numbers</a:t>
-            </a:r>
-          </a:p>
-          <a:p>
-            <a:pPr lvl="1"/>
-            <a:r>
-              <a:rPr lang="en-US" dirty="0"/>
-              <a:t>MAX_VALUE = Largest possible Number in JS</a:t>
-            </a:r>
-          </a:p>
-          <a:p>
-            <a:pPr lvl="1"/>
-            <a:r>
-              <a:rPr lang="en-US" dirty="0"/>
-              <a:t>MIN_VALUE = Smallest possible Number in JS</a:t>
-            </a:r>
-          </a:p>
-          <a:p>
-            <a:pPr lvl="1"/>
-            <a:r>
-              <a:rPr lang="en-US" dirty="0"/>
-              <a:t>POSITIVE_INFINITY – Seen when Number is too large for Number’s 64 bit limit</a:t>
-            </a:r>
-          </a:p>
-          <a:p>
-            <a:pPr lvl="1"/>
-            <a:r>
-              <a:rPr lang="en-US" dirty="0"/>
-              <a:t>NEGATIVE_INFINITY – Works like Positive Infinity</a:t>
+              <a:t>Returns a Number (primitive) of a Number (object)</a:t>
+            </a:r>
+          </a:p>
+          <a:p>
+            <a:r>
+              <a:rPr lang="en-US" dirty="0"/>
+              <a:t>You will not need to use this, since we should be avoiding Number Objects</a:t>
             </a:r>
           </a:p>
         </p:txBody>
@@ -5170,7 +5381,7 @@
     </p:spTree>
     <p:extLst>
       <p:ext uri="{BB962C8B-B14F-4D97-AF65-F5344CB8AC3E}">
-        <p14:creationId xmlns:p14="http://schemas.microsoft.com/office/powerpoint/2010/main" val="3322900290"/>
+        <p14:creationId xmlns:p14="http://schemas.microsoft.com/office/powerpoint/2010/main" val="1973757152"/>
       </p:ext>
     </p:extLst>
   </p:cSld>
@@ -5202,6 +5413,764 @@
           <p:cNvPr id="2" name="Title 1">
             <a:extLst>
               <a:ext uri="{FF2B5EF4-FFF2-40B4-BE49-F238E27FC236}">
+                <a16:creationId xmlns:a16="http://schemas.microsoft.com/office/drawing/2014/main" id="{56CA03C5-B1F0-4B0F-9F81-6D75F64EB118}"/>
+              </a:ext>
+            </a:extLst>
+          </p:cNvPr>
+          <p:cNvSpPr>
+            <a:spLocks noGrp="1"/>
+          </p:cNvSpPr>
+          <p:nvPr>
+            <p:ph type="title"/>
+          </p:nvPr>
+        </p:nvSpPr>
+        <p:spPr/>
+        <p:txBody>
+          <a:bodyPr/>
+          <a:lstStyle/>
+          <a:p>
+            <a:r>
+              <a:rPr lang="en-US" dirty="0"/>
+              <a:t>Converting Variables to Numbers</a:t>
+            </a:r>
+          </a:p>
+        </p:txBody>
+      </p:sp>
+      <p:sp>
+        <p:nvSpPr>
+          <p:cNvPr id="3" name="Content Placeholder 2">
+            <a:extLst>
+              <a:ext uri="{FF2B5EF4-FFF2-40B4-BE49-F238E27FC236}">
+                <a16:creationId xmlns:a16="http://schemas.microsoft.com/office/drawing/2014/main" id="{1785E4D1-6C53-48F0-88B1-F0ABED244C35}"/>
+              </a:ext>
+            </a:extLst>
+          </p:cNvPr>
+          <p:cNvSpPr>
+            <a:spLocks noGrp="1"/>
+          </p:cNvSpPr>
+          <p:nvPr>
+            <p:ph idx="1"/>
+          </p:nvPr>
+        </p:nvSpPr>
+        <p:spPr/>
+        <p:txBody>
+          <a:bodyPr/>
+          <a:lstStyle/>
+          <a:p>
+            <a:r>
+              <a:rPr lang="en-US" dirty="0"/>
+              <a:t>There are three methods to do this, and all are Global (not Number methods)</a:t>
+            </a:r>
+          </a:p>
+          <a:p>
+            <a:r>
+              <a:rPr lang="en-US" b="1" i="1" dirty="0"/>
+              <a:t>Number()</a:t>
+            </a:r>
+          </a:p>
+          <a:p>
+            <a:r>
+              <a:rPr lang="en-US" b="1" i="1" dirty="0" err="1"/>
+              <a:t>parseInt</a:t>
+            </a:r>
+            <a:r>
+              <a:rPr lang="en-US" b="1" i="1" dirty="0"/>
+              <a:t>()</a:t>
+            </a:r>
+          </a:p>
+          <a:p>
+            <a:r>
+              <a:rPr lang="en-US" b="1" i="1" dirty="0" err="1"/>
+              <a:t>parseFloat</a:t>
+            </a:r>
+            <a:r>
+              <a:rPr lang="en-US" b="1" i="1" dirty="0"/>
+              <a:t>()</a:t>
+            </a:r>
+          </a:p>
+        </p:txBody>
+      </p:sp>
+    </p:spTree>
+    <p:extLst>
+      <p:ext uri="{BB962C8B-B14F-4D97-AF65-F5344CB8AC3E}">
+        <p14:creationId xmlns:p14="http://schemas.microsoft.com/office/powerpoint/2010/main" val="3999547728"/>
+      </p:ext>
+    </p:extLst>
+  </p:cSld>
+  <p:clrMapOvr>
+    <a:masterClrMapping/>
+  </p:clrMapOvr>
+</p:sld>
+</file>
+
+<file path=ppt/slides/slide23.xml><?xml version="1.0" encoding="utf-8"?>
+<p:sld xmlns:a="http://schemas.openxmlformats.org/drawingml/2006/main" xmlns:r="http://schemas.openxmlformats.org/officeDocument/2006/relationships" xmlns:p="http://schemas.openxmlformats.org/presentationml/2006/main">
+  <p:cSld>
+    <p:spTree>
+      <p:nvGrpSpPr>
+        <p:cNvPr id="1" name=""/>
+        <p:cNvGrpSpPr/>
+        <p:nvPr/>
+      </p:nvGrpSpPr>
+      <p:grpSpPr>
+        <a:xfrm>
+          <a:off x="0" y="0"/>
+          <a:ext cx="0" cy="0"/>
+          <a:chOff x="0" y="0"/>
+          <a:chExt cx="0" cy="0"/>
+        </a:xfrm>
+      </p:grpSpPr>
+      <p:sp>
+        <p:nvSpPr>
+          <p:cNvPr id="2" name="Title 1">
+            <a:extLst>
+              <a:ext uri="{FF2B5EF4-FFF2-40B4-BE49-F238E27FC236}">
+                <a16:creationId xmlns:a16="http://schemas.microsoft.com/office/drawing/2014/main" id="{C7E16885-8594-4CFE-A0E3-6A533CC26CB6}"/>
+              </a:ext>
+            </a:extLst>
+          </p:cNvPr>
+          <p:cNvSpPr>
+            <a:spLocks noGrp="1"/>
+          </p:cNvSpPr>
+          <p:nvPr>
+            <p:ph type="title"/>
+          </p:nvPr>
+        </p:nvSpPr>
+        <p:spPr/>
+        <p:txBody>
+          <a:bodyPr/>
+          <a:lstStyle/>
+          <a:p>
+            <a:r>
+              <a:rPr lang="en-US" b="1" i="1" dirty="0"/>
+              <a:t>Number()</a:t>
+            </a:r>
+          </a:p>
+        </p:txBody>
+      </p:sp>
+      <p:sp>
+        <p:nvSpPr>
+          <p:cNvPr id="3" name="Content Placeholder 2">
+            <a:extLst>
+              <a:ext uri="{FF2B5EF4-FFF2-40B4-BE49-F238E27FC236}">
+                <a16:creationId xmlns:a16="http://schemas.microsoft.com/office/drawing/2014/main" id="{38D60621-10BA-4710-AA25-5307182B2BC8}"/>
+              </a:ext>
+            </a:extLst>
+          </p:cNvPr>
+          <p:cNvSpPr>
+            <a:spLocks noGrp="1"/>
+          </p:cNvSpPr>
+          <p:nvPr>
+            <p:ph idx="1"/>
+          </p:nvPr>
+        </p:nvSpPr>
+        <p:spPr/>
+        <p:txBody>
+          <a:bodyPr/>
+          <a:lstStyle/>
+          <a:p>
+            <a:r>
+              <a:rPr lang="en-US" dirty="0"/>
+              <a:t>Converts a variable to a Number if possible, otherwise returns </a:t>
+            </a:r>
+            <a:r>
+              <a:rPr lang="en-US" dirty="0" err="1"/>
+              <a:t>NaN</a:t>
+            </a:r>
+            <a:endParaRPr lang="en-US" dirty="0"/>
+          </a:p>
+          <a:p>
+            <a:r>
+              <a:rPr lang="en-US" dirty="0"/>
+              <a:t>Used for Type Coercion (forcing a piece of data from one type to another)</a:t>
+            </a:r>
+          </a:p>
+          <a:p>
+            <a:endParaRPr lang="en-US" dirty="0"/>
+          </a:p>
+        </p:txBody>
+      </p:sp>
+      <p:pic>
+        <p:nvPicPr>
+          <p:cNvPr id="5" name="Picture 4" descr="A screenshot of a computer program&#10;&#10;Description automatically generated">
+            <a:extLst>
+              <a:ext uri="{FF2B5EF4-FFF2-40B4-BE49-F238E27FC236}">
+                <a16:creationId xmlns:a16="http://schemas.microsoft.com/office/drawing/2014/main" id="{F52A94D7-6CDF-6A19-0C7C-4DA0038A30A1}"/>
+              </a:ext>
+            </a:extLst>
+          </p:cNvPr>
+          <p:cNvPicPr>
+            <a:picLocks noChangeAspect="1"/>
+          </p:cNvPicPr>
+          <p:nvPr/>
+        </p:nvPicPr>
+        <p:blipFill>
+          <a:blip r:embed="rId2">
+            <a:extLst>
+              <a:ext uri="{28A0092B-C50C-407E-A947-70E740481C1C}">
+                <a14:useLocalDpi xmlns:a14="http://schemas.microsoft.com/office/drawing/2010/main" val="0"/>
+              </a:ext>
+            </a:extLst>
+          </a:blip>
+          <a:stretch>
+            <a:fillRect/>
+          </a:stretch>
+        </p:blipFill>
+        <p:spPr>
+          <a:xfrm>
+            <a:off x="6096000" y="3419657"/>
+            <a:ext cx="6096000" cy="3438344"/>
+          </a:xfrm>
+          <a:prstGeom prst="rect">
+            <a:avLst/>
+          </a:prstGeom>
+        </p:spPr>
+      </p:pic>
+    </p:spTree>
+    <p:extLst>
+      <p:ext uri="{BB962C8B-B14F-4D97-AF65-F5344CB8AC3E}">
+        <p14:creationId xmlns:p14="http://schemas.microsoft.com/office/powerpoint/2010/main" val="1445712726"/>
+      </p:ext>
+    </p:extLst>
+  </p:cSld>
+  <p:clrMapOvr>
+    <a:masterClrMapping/>
+  </p:clrMapOvr>
+</p:sld>
+</file>
+
+<file path=ppt/slides/slide24.xml><?xml version="1.0" encoding="utf-8"?>
+<p:sld xmlns:a="http://schemas.openxmlformats.org/drawingml/2006/main" xmlns:r="http://schemas.openxmlformats.org/officeDocument/2006/relationships" xmlns:p="http://schemas.openxmlformats.org/presentationml/2006/main">
+  <p:cSld>
+    <p:spTree>
+      <p:nvGrpSpPr>
+        <p:cNvPr id="1" name=""/>
+        <p:cNvGrpSpPr/>
+        <p:nvPr/>
+      </p:nvGrpSpPr>
+      <p:grpSpPr>
+        <a:xfrm>
+          <a:off x="0" y="0"/>
+          <a:ext cx="0" cy="0"/>
+          <a:chOff x="0" y="0"/>
+          <a:chExt cx="0" cy="0"/>
+        </a:xfrm>
+      </p:grpSpPr>
+      <p:sp>
+        <p:nvSpPr>
+          <p:cNvPr id="2" name="Title 1">
+            <a:extLst>
+              <a:ext uri="{FF2B5EF4-FFF2-40B4-BE49-F238E27FC236}">
+                <a16:creationId xmlns:a16="http://schemas.microsoft.com/office/drawing/2014/main" id="{707BFD91-7761-4022-9716-592DDF3A3D5E}"/>
+              </a:ext>
+            </a:extLst>
+          </p:cNvPr>
+          <p:cNvSpPr>
+            <a:spLocks noGrp="1"/>
+          </p:cNvSpPr>
+          <p:nvPr>
+            <p:ph type="title"/>
+          </p:nvPr>
+        </p:nvSpPr>
+        <p:spPr/>
+        <p:txBody>
+          <a:bodyPr/>
+          <a:lstStyle/>
+          <a:p>
+            <a:r>
+              <a:rPr lang="en-US" b="1" i="1" dirty="0" err="1"/>
+              <a:t>parseInt</a:t>
+            </a:r>
+            <a:r>
+              <a:rPr lang="en-US" b="1" i="1" dirty="0"/>
+              <a:t>()</a:t>
+            </a:r>
+          </a:p>
+        </p:txBody>
+      </p:sp>
+      <p:sp>
+        <p:nvSpPr>
+          <p:cNvPr id="3" name="Content Placeholder 2">
+            <a:extLst>
+              <a:ext uri="{FF2B5EF4-FFF2-40B4-BE49-F238E27FC236}">
+                <a16:creationId xmlns:a16="http://schemas.microsoft.com/office/drawing/2014/main" id="{1C65BE0F-3511-4289-8DB3-041B55B58D36}"/>
+              </a:ext>
+            </a:extLst>
+          </p:cNvPr>
+          <p:cNvSpPr>
+            <a:spLocks noGrp="1"/>
+          </p:cNvSpPr>
+          <p:nvPr>
+            <p:ph idx="1"/>
+          </p:nvPr>
+        </p:nvSpPr>
+        <p:spPr/>
+        <p:txBody>
+          <a:bodyPr/>
+          <a:lstStyle/>
+          <a:p>
+            <a:r>
+              <a:rPr lang="en-US" dirty="0"/>
+              <a:t>Reads through a string and returns the first integer (whole number)</a:t>
+            </a:r>
+          </a:p>
+        </p:txBody>
+      </p:sp>
+      <p:pic>
+        <p:nvPicPr>
+          <p:cNvPr id="5" name="Picture 4" descr="A screenshot of a computer program&#10;&#10;Description automatically generated">
+            <a:extLst>
+              <a:ext uri="{FF2B5EF4-FFF2-40B4-BE49-F238E27FC236}">
+                <a16:creationId xmlns:a16="http://schemas.microsoft.com/office/drawing/2014/main" id="{B14B2193-6627-1A41-3E34-52316A05E19F}"/>
+              </a:ext>
+            </a:extLst>
+          </p:cNvPr>
+          <p:cNvPicPr>
+            <a:picLocks noChangeAspect="1"/>
+          </p:cNvPicPr>
+          <p:nvPr/>
+        </p:nvPicPr>
+        <p:blipFill>
+          <a:blip r:embed="rId2">
+            <a:extLst>
+              <a:ext uri="{28A0092B-C50C-407E-A947-70E740481C1C}">
+                <a14:useLocalDpi xmlns:a14="http://schemas.microsoft.com/office/drawing/2010/main" val="0"/>
+              </a:ext>
+            </a:extLst>
+          </a:blip>
+          <a:stretch>
+            <a:fillRect/>
+          </a:stretch>
+        </p:blipFill>
+        <p:spPr>
+          <a:xfrm>
+            <a:off x="0" y="4105563"/>
+            <a:ext cx="3955763" cy="2752437"/>
+          </a:xfrm>
+          <a:prstGeom prst="rect">
+            <a:avLst/>
+          </a:prstGeom>
+        </p:spPr>
+      </p:pic>
+      <p:pic>
+        <p:nvPicPr>
+          <p:cNvPr id="7" name="Picture 6" descr="A screenshot of a computer&#10;&#10;Description automatically generated">
+            <a:extLst>
+              <a:ext uri="{FF2B5EF4-FFF2-40B4-BE49-F238E27FC236}">
+                <a16:creationId xmlns:a16="http://schemas.microsoft.com/office/drawing/2014/main" id="{38DB1CF0-0D9D-7310-02A0-D953ACBBB767}"/>
+              </a:ext>
+            </a:extLst>
+          </p:cNvPr>
+          <p:cNvPicPr>
+            <a:picLocks noChangeAspect="1"/>
+          </p:cNvPicPr>
+          <p:nvPr/>
+        </p:nvPicPr>
+        <p:blipFill>
+          <a:blip r:embed="rId3">
+            <a:extLst>
+              <a:ext uri="{28A0092B-C50C-407E-A947-70E740481C1C}">
+                <a14:useLocalDpi xmlns:a14="http://schemas.microsoft.com/office/drawing/2010/main" val="0"/>
+              </a:ext>
+            </a:extLst>
+          </a:blip>
+          <a:stretch>
+            <a:fillRect/>
+          </a:stretch>
+        </p:blipFill>
+        <p:spPr>
+          <a:xfrm>
+            <a:off x="3934691" y="4105563"/>
+            <a:ext cx="8257310" cy="2752437"/>
+          </a:xfrm>
+          <a:prstGeom prst="rect">
+            <a:avLst/>
+          </a:prstGeom>
+        </p:spPr>
+      </p:pic>
+    </p:spTree>
+    <p:extLst>
+      <p:ext uri="{BB962C8B-B14F-4D97-AF65-F5344CB8AC3E}">
+        <p14:creationId xmlns:p14="http://schemas.microsoft.com/office/powerpoint/2010/main" val="1179030142"/>
+      </p:ext>
+    </p:extLst>
+  </p:cSld>
+  <p:clrMapOvr>
+    <a:masterClrMapping/>
+  </p:clrMapOvr>
+</p:sld>
+</file>
+
+<file path=ppt/slides/slide25.xml><?xml version="1.0" encoding="utf-8"?>
+<p:sld xmlns:a="http://schemas.openxmlformats.org/drawingml/2006/main" xmlns:r="http://schemas.openxmlformats.org/officeDocument/2006/relationships" xmlns:p="http://schemas.openxmlformats.org/presentationml/2006/main">
+  <p:cSld>
+    <p:spTree>
+      <p:nvGrpSpPr>
+        <p:cNvPr id="1" name=""/>
+        <p:cNvGrpSpPr/>
+        <p:nvPr/>
+      </p:nvGrpSpPr>
+      <p:grpSpPr>
+        <a:xfrm>
+          <a:off x="0" y="0"/>
+          <a:ext cx="0" cy="0"/>
+          <a:chOff x="0" y="0"/>
+          <a:chExt cx="0" cy="0"/>
+        </a:xfrm>
+      </p:grpSpPr>
+      <p:sp>
+        <p:nvSpPr>
+          <p:cNvPr id="2" name="Title 1">
+            <a:extLst>
+              <a:ext uri="{FF2B5EF4-FFF2-40B4-BE49-F238E27FC236}">
+                <a16:creationId xmlns:a16="http://schemas.microsoft.com/office/drawing/2014/main" id="{D6DC62A4-F0FD-495B-A663-48F1FAC59E57}"/>
+              </a:ext>
+            </a:extLst>
+          </p:cNvPr>
+          <p:cNvSpPr>
+            <a:spLocks noGrp="1"/>
+          </p:cNvSpPr>
+          <p:nvPr>
+            <p:ph type="title"/>
+          </p:nvPr>
+        </p:nvSpPr>
+        <p:spPr/>
+        <p:txBody>
+          <a:bodyPr/>
+          <a:lstStyle/>
+          <a:p>
+            <a:r>
+              <a:rPr lang="en-US" b="1" i="1" dirty="0" err="1"/>
+              <a:t>parseFloat</a:t>
+            </a:r>
+            <a:r>
+              <a:rPr lang="en-US" b="1" i="1" dirty="0"/>
+              <a:t>()</a:t>
+            </a:r>
+          </a:p>
+        </p:txBody>
+      </p:sp>
+      <p:sp>
+        <p:nvSpPr>
+          <p:cNvPr id="3" name="Content Placeholder 2">
+            <a:extLst>
+              <a:ext uri="{FF2B5EF4-FFF2-40B4-BE49-F238E27FC236}">
+                <a16:creationId xmlns:a16="http://schemas.microsoft.com/office/drawing/2014/main" id="{1F35138F-4A80-414E-84EA-7A60DEC5BF95}"/>
+              </a:ext>
+            </a:extLst>
+          </p:cNvPr>
+          <p:cNvSpPr>
+            <a:spLocks noGrp="1"/>
+          </p:cNvSpPr>
+          <p:nvPr>
+            <p:ph idx="1"/>
+          </p:nvPr>
+        </p:nvSpPr>
+        <p:spPr/>
+        <p:txBody>
+          <a:bodyPr/>
+          <a:lstStyle/>
+          <a:p>
+            <a:r>
+              <a:rPr lang="en-US" dirty="0"/>
+              <a:t>Reads through a String and returns the first float (number with a decimal). </a:t>
+            </a:r>
+          </a:p>
+        </p:txBody>
+      </p:sp>
+      <p:pic>
+        <p:nvPicPr>
+          <p:cNvPr id="5" name="Picture 4" descr="A screenshot of a computer program&#10;&#10;Description automatically generated">
+            <a:extLst>
+              <a:ext uri="{FF2B5EF4-FFF2-40B4-BE49-F238E27FC236}">
+                <a16:creationId xmlns:a16="http://schemas.microsoft.com/office/drawing/2014/main" id="{0A04FC2A-B3E8-16AD-2AC2-4186E11B81EF}"/>
+              </a:ext>
+            </a:extLst>
+          </p:cNvPr>
+          <p:cNvPicPr>
+            <a:picLocks noChangeAspect="1"/>
+          </p:cNvPicPr>
+          <p:nvPr/>
+        </p:nvPicPr>
+        <p:blipFill>
+          <a:blip r:embed="rId2">
+            <a:extLst>
+              <a:ext uri="{28A0092B-C50C-407E-A947-70E740481C1C}">
+                <a14:useLocalDpi xmlns:a14="http://schemas.microsoft.com/office/drawing/2010/main" val="0"/>
+              </a:ext>
+            </a:extLst>
+          </a:blip>
+          <a:stretch>
+            <a:fillRect/>
+          </a:stretch>
+        </p:blipFill>
+        <p:spPr>
+          <a:xfrm>
+            <a:off x="0" y="3494639"/>
+            <a:ext cx="5329382" cy="3363361"/>
+          </a:xfrm>
+          <a:prstGeom prst="rect">
+            <a:avLst/>
+          </a:prstGeom>
+        </p:spPr>
+      </p:pic>
+      <p:pic>
+        <p:nvPicPr>
+          <p:cNvPr id="7" name="Picture 6" descr="A screenshot of a computer&#10;&#10;Description automatically generated">
+            <a:extLst>
+              <a:ext uri="{FF2B5EF4-FFF2-40B4-BE49-F238E27FC236}">
+                <a16:creationId xmlns:a16="http://schemas.microsoft.com/office/drawing/2014/main" id="{42316F93-60D5-C1ED-F7A1-2579DF419778}"/>
+              </a:ext>
+            </a:extLst>
+          </p:cNvPr>
+          <p:cNvPicPr>
+            <a:picLocks noChangeAspect="1"/>
+          </p:cNvPicPr>
+          <p:nvPr/>
+        </p:nvPicPr>
+        <p:blipFill>
+          <a:blip r:embed="rId3">
+            <a:extLst>
+              <a:ext uri="{28A0092B-C50C-407E-A947-70E740481C1C}">
+                <a14:useLocalDpi xmlns:a14="http://schemas.microsoft.com/office/drawing/2010/main" val="0"/>
+              </a:ext>
+            </a:extLst>
+          </a:blip>
+          <a:stretch>
+            <a:fillRect/>
+          </a:stretch>
+        </p:blipFill>
+        <p:spPr>
+          <a:xfrm>
+            <a:off x="5329382" y="3495319"/>
+            <a:ext cx="6862618" cy="3362682"/>
+          </a:xfrm>
+          <a:prstGeom prst="rect">
+            <a:avLst/>
+          </a:prstGeom>
+        </p:spPr>
+      </p:pic>
+    </p:spTree>
+    <p:extLst>
+      <p:ext uri="{BB962C8B-B14F-4D97-AF65-F5344CB8AC3E}">
+        <p14:creationId xmlns:p14="http://schemas.microsoft.com/office/powerpoint/2010/main" val="2518824200"/>
+      </p:ext>
+    </p:extLst>
+  </p:cSld>
+  <p:clrMapOvr>
+    <a:masterClrMapping/>
+  </p:clrMapOvr>
+</p:sld>
+</file>
+
+<file path=ppt/slides/slide26.xml><?xml version="1.0" encoding="utf-8"?>
+<p:sld xmlns:a="http://schemas.openxmlformats.org/drawingml/2006/main" xmlns:r="http://schemas.openxmlformats.org/officeDocument/2006/relationships" xmlns:p="http://schemas.openxmlformats.org/presentationml/2006/main">
+  <p:cSld>
+    <p:spTree>
+      <p:nvGrpSpPr>
+        <p:cNvPr id="1" name=""/>
+        <p:cNvGrpSpPr/>
+        <p:nvPr/>
+      </p:nvGrpSpPr>
+      <p:grpSpPr>
+        <a:xfrm>
+          <a:off x="0" y="0"/>
+          <a:ext cx="0" cy="0"/>
+          <a:chOff x="0" y="0"/>
+          <a:chExt cx="0" cy="0"/>
+        </a:xfrm>
+      </p:grpSpPr>
+      <p:sp>
+        <p:nvSpPr>
+          <p:cNvPr id="2" name="Title 1">
+            <a:extLst>
+              <a:ext uri="{FF2B5EF4-FFF2-40B4-BE49-F238E27FC236}">
+                <a16:creationId xmlns:a16="http://schemas.microsoft.com/office/drawing/2014/main" id="{FDFBA2C5-793D-4620-BBD4-A6ED33E24A09}"/>
+              </a:ext>
+            </a:extLst>
+          </p:cNvPr>
+          <p:cNvSpPr>
+            <a:spLocks noGrp="1"/>
+          </p:cNvSpPr>
+          <p:nvPr>
+            <p:ph type="title"/>
+          </p:nvPr>
+        </p:nvSpPr>
+        <p:spPr/>
+        <p:txBody>
+          <a:bodyPr/>
+          <a:lstStyle/>
+          <a:p>
+            <a:r>
+              <a:rPr lang="en-US" dirty="0"/>
+              <a:t>Number Properties</a:t>
+            </a:r>
+          </a:p>
+        </p:txBody>
+      </p:sp>
+      <p:sp>
+        <p:nvSpPr>
+          <p:cNvPr id="3" name="Content Placeholder 2">
+            <a:extLst>
+              <a:ext uri="{FF2B5EF4-FFF2-40B4-BE49-F238E27FC236}">
+                <a16:creationId xmlns:a16="http://schemas.microsoft.com/office/drawing/2014/main" id="{E908883B-2733-4927-A285-A04806EED2E9}"/>
+              </a:ext>
+            </a:extLst>
+          </p:cNvPr>
+          <p:cNvSpPr>
+            <a:spLocks noGrp="1"/>
+          </p:cNvSpPr>
+          <p:nvPr>
+            <p:ph idx="1"/>
+          </p:nvPr>
+        </p:nvSpPr>
+        <p:spPr/>
+        <p:txBody>
+          <a:bodyPr/>
+          <a:lstStyle/>
+          <a:p>
+            <a:r>
+              <a:rPr lang="en-US" dirty="0"/>
+              <a:t>Helpful Properties of JS Numbers</a:t>
+            </a:r>
+          </a:p>
+          <a:p>
+            <a:pPr lvl="1"/>
+            <a:r>
+              <a:rPr lang="en-US" dirty="0"/>
+              <a:t>MAX_VALUE = Largest possible Number in JS</a:t>
+            </a:r>
+          </a:p>
+          <a:p>
+            <a:pPr lvl="1"/>
+            <a:r>
+              <a:rPr lang="en-US" dirty="0"/>
+              <a:t>MIN_VALUE = Smallest possible Number in JS</a:t>
+            </a:r>
+          </a:p>
+          <a:p>
+            <a:pPr lvl="1"/>
+            <a:r>
+              <a:rPr lang="en-US" dirty="0"/>
+              <a:t>POSITIVE_INFINITY – Seen when Number is too large for Number’s 64-bit limit</a:t>
+            </a:r>
+          </a:p>
+          <a:p>
+            <a:pPr lvl="1"/>
+            <a:r>
+              <a:rPr lang="en-US" dirty="0"/>
+              <a:t>NEGATIVE_INFINITY – Works like Positive Infinity</a:t>
+            </a:r>
+          </a:p>
+        </p:txBody>
+      </p:sp>
+      <p:pic>
+        <p:nvPicPr>
+          <p:cNvPr id="5" name="Picture 4" descr="A screenshot of a computer code&#10;&#10;Description automatically generated">
+            <a:extLst>
+              <a:ext uri="{FF2B5EF4-FFF2-40B4-BE49-F238E27FC236}">
+                <a16:creationId xmlns:a16="http://schemas.microsoft.com/office/drawing/2014/main" id="{44BA383C-695C-DFA8-334B-3F43764F24B7}"/>
+              </a:ext>
+            </a:extLst>
+          </p:cNvPr>
+          <p:cNvPicPr>
+            <a:picLocks noChangeAspect="1"/>
+          </p:cNvPicPr>
+          <p:nvPr/>
+        </p:nvPicPr>
+        <p:blipFill>
+          <a:blip r:embed="rId2">
+            <a:extLst>
+              <a:ext uri="{28A0092B-C50C-407E-A947-70E740481C1C}">
+                <a14:useLocalDpi xmlns:a14="http://schemas.microsoft.com/office/drawing/2010/main" val="0"/>
+              </a:ext>
+            </a:extLst>
+          </a:blip>
+          <a:stretch>
+            <a:fillRect/>
+          </a:stretch>
+        </p:blipFill>
+        <p:spPr>
+          <a:xfrm>
+            <a:off x="0" y="3907099"/>
+            <a:ext cx="5089236" cy="2950902"/>
+          </a:xfrm>
+          <a:prstGeom prst="rect">
+            <a:avLst/>
+          </a:prstGeom>
+        </p:spPr>
+      </p:pic>
+      <p:pic>
+        <p:nvPicPr>
+          <p:cNvPr id="7" name="Picture 6" descr="A screenshot of a computer screen&#10;&#10;Description automatically generated">
+            <a:extLst>
+              <a:ext uri="{FF2B5EF4-FFF2-40B4-BE49-F238E27FC236}">
+                <a16:creationId xmlns:a16="http://schemas.microsoft.com/office/drawing/2014/main" id="{70A96E89-97F1-CCAD-8B4E-EEC639A59FA8}"/>
+              </a:ext>
+            </a:extLst>
+          </p:cNvPr>
+          <p:cNvPicPr>
+            <a:picLocks noChangeAspect="1"/>
+          </p:cNvPicPr>
+          <p:nvPr/>
+        </p:nvPicPr>
+        <p:blipFill>
+          <a:blip r:embed="rId3">
+            <a:extLst>
+              <a:ext uri="{28A0092B-C50C-407E-A947-70E740481C1C}">
+                <a14:useLocalDpi xmlns:a14="http://schemas.microsoft.com/office/drawing/2010/main" val="0"/>
+              </a:ext>
+            </a:extLst>
+          </a:blip>
+          <a:stretch>
+            <a:fillRect/>
+          </a:stretch>
+        </p:blipFill>
+        <p:spPr>
+          <a:xfrm>
+            <a:off x="6604001" y="3909637"/>
+            <a:ext cx="5578764" cy="2948363"/>
+          </a:xfrm>
+          <a:prstGeom prst="rect">
+            <a:avLst/>
+          </a:prstGeom>
+        </p:spPr>
+      </p:pic>
+    </p:spTree>
+    <p:extLst>
+      <p:ext uri="{BB962C8B-B14F-4D97-AF65-F5344CB8AC3E}">
+        <p14:creationId xmlns:p14="http://schemas.microsoft.com/office/powerpoint/2010/main" val="3322900290"/>
+      </p:ext>
+    </p:extLst>
+  </p:cSld>
+  <p:clrMapOvr>
+    <a:masterClrMapping/>
+  </p:clrMapOvr>
+</p:sld>
+</file>
+
+<file path=ppt/slides/slide27.xml><?xml version="1.0" encoding="utf-8"?>
+<p:sld xmlns:a="http://schemas.openxmlformats.org/drawingml/2006/main" xmlns:r="http://schemas.openxmlformats.org/officeDocument/2006/relationships" xmlns:p="http://schemas.openxmlformats.org/presentationml/2006/main">
+  <p:cSld>
+    <p:spTree>
+      <p:nvGrpSpPr>
+        <p:cNvPr id="1" name=""/>
+        <p:cNvGrpSpPr/>
+        <p:nvPr/>
+      </p:nvGrpSpPr>
+      <p:grpSpPr>
+        <a:xfrm>
+          <a:off x="0" y="0"/>
+          <a:ext cx="0" cy="0"/>
+          <a:chOff x="0" y="0"/>
+          <a:chExt cx="0" cy="0"/>
+        </a:xfrm>
+      </p:grpSpPr>
+      <p:sp>
+        <p:nvSpPr>
+          <p:cNvPr id="2" name="Title 1">
+            <a:extLst>
+              <a:ext uri="{FF2B5EF4-FFF2-40B4-BE49-F238E27FC236}">
                 <a16:creationId xmlns:a16="http://schemas.microsoft.com/office/drawing/2014/main" id="{3FBCB3DE-F2A6-4E18-A4AE-B154ADB0019F}"/>
               </a:ext>
             </a:extLst>
@@ -5257,10 +6226,14 @@
               <a:t>To access those properties, use </a:t>
             </a:r>
             <a:r>
-              <a:rPr lang="en-US" dirty="0" err="1"/>
-              <a:t>Number.property</a:t>
-            </a:r>
-            <a:endParaRPr lang="en-US" dirty="0"/>
+              <a:rPr lang="en-US" i="1" dirty="0" err="1"/>
+              <a:t>Number.</a:t>
+            </a:r>
+            <a:r>
+              <a:rPr lang="en-US" b="1" i="1" dirty="0" err="1"/>
+              <a:t>property</a:t>
+            </a:r>
+            <a:endParaRPr lang="en-US" b="1" i="1" dirty="0"/>
           </a:p>
           <a:p>
             <a:r>
@@ -5270,6 +6243,42 @@
           </a:p>
         </p:txBody>
       </p:sp>
+      <p:pic>
+        <p:nvPicPr>
+          <p:cNvPr id="5" name="Picture 4" descr="A black background with green text&#10;&#10;Description automatically generated">
+            <a:extLst>
+              <a:ext uri="{FF2B5EF4-FFF2-40B4-BE49-F238E27FC236}">
+                <a16:creationId xmlns:a16="http://schemas.microsoft.com/office/drawing/2014/main" id="{1A92E941-9A0D-A0D8-944B-EDD57F8E9839}"/>
+              </a:ext>
+            </a:extLst>
+          </p:cNvPr>
+          <p:cNvPicPr>
+            <a:picLocks noChangeAspect="1"/>
+          </p:cNvPicPr>
+          <p:nvPr/>
+        </p:nvPicPr>
+        <p:blipFill>
+          <a:blip r:embed="rId2">
+            <a:extLst>
+              <a:ext uri="{28A0092B-C50C-407E-A947-70E740481C1C}">
+                <a14:useLocalDpi xmlns:a14="http://schemas.microsoft.com/office/drawing/2010/main" val="0"/>
+              </a:ext>
+            </a:extLst>
+          </a:blip>
+          <a:stretch>
+            <a:fillRect/>
+          </a:stretch>
+        </p:blipFill>
+        <p:spPr>
+          <a:xfrm>
+            <a:off x="0" y="5400408"/>
+            <a:ext cx="6096000" cy="1512063"/>
+          </a:xfrm>
+          <a:prstGeom prst="rect">
+            <a:avLst/>
+          </a:prstGeom>
+        </p:spPr>
+      </p:pic>
     </p:spTree>
     <p:extLst>
       <p:ext uri="{BB962C8B-B14F-4D97-AF65-F5344CB8AC3E}">
@@ -5377,6 +6386,78 @@
           </a:p>
         </p:txBody>
       </p:sp>
+      <p:pic>
+        <p:nvPicPr>
+          <p:cNvPr id="5" name="Picture 4" descr="A number and numbers on a black background&#10;&#10;Description automatically generated">
+            <a:extLst>
+              <a:ext uri="{FF2B5EF4-FFF2-40B4-BE49-F238E27FC236}">
+                <a16:creationId xmlns:a16="http://schemas.microsoft.com/office/drawing/2014/main" id="{D48F62B9-ABE3-9436-7A28-8B59275EE866}"/>
+              </a:ext>
+            </a:extLst>
+          </p:cNvPr>
+          <p:cNvPicPr>
+            <a:picLocks noChangeAspect="1"/>
+          </p:cNvPicPr>
+          <p:nvPr/>
+        </p:nvPicPr>
+        <p:blipFill>
+          <a:blip r:embed="rId2">
+            <a:extLst>
+              <a:ext uri="{28A0092B-C50C-407E-A947-70E740481C1C}">
+                <a14:useLocalDpi xmlns:a14="http://schemas.microsoft.com/office/drawing/2010/main" val="0"/>
+              </a:ext>
+            </a:extLst>
+          </a:blip>
+          <a:stretch>
+            <a:fillRect/>
+          </a:stretch>
+        </p:blipFill>
+        <p:spPr>
+          <a:xfrm>
+            <a:off x="0" y="4775916"/>
+            <a:ext cx="6096000" cy="2082084"/>
+          </a:xfrm>
+          <a:prstGeom prst="rect">
+            <a:avLst/>
+          </a:prstGeom>
+        </p:spPr>
+      </p:pic>
+      <p:pic>
+        <p:nvPicPr>
+          <p:cNvPr id="7" name="Picture 6" descr="A screenshot of a computer&#10;&#10;Description automatically generated">
+            <a:extLst>
+              <a:ext uri="{FF2B5EF4-FFF2-40B4-BE49-F238E27FC236}">
+                <a16:creationId xmlns:a16="http://schemas.microsoft.com/office/drawing/2014/main" id="{090CCA43-EBD4-92FA-6DE1-473E8B52CE45}"/>
+              </a:ext>
+            </a:extLst>
+          </p:cNvPr>
+          <p:cNvPicPr>
+            <a:picLocks noChangeAspect="1"/>
+          </p:cNvPicPr>
+          <p:nvPr/>
+        </p:nvPicPr>
+        <p:blipFill>
+          <a:blip r:embed="rId3">
+            <a:extLst>
+              <a:ext uri="{28A0092B-C50C-407E-A947-70E740481C1C}">
+                <a14:useLocalDpi xmlns:a14="http://schemas.microsoft.com/office/drawing/2010/main" val="0"/>
+              </a:ext>
+            </a:extLst>
+          </a:blip>
+          <a:stretch>
+            <a:fillRect/>
+          </a:stretch>
+        </p:blipFill>
+        <p:spPr>
+          <a:xfrm>
+            <a:off x="6096000" y="5384197"/>
+            <a:ext cx="6096000" cy="1478280"/>
+          </a:xfrm>
+          <a:prstGeom prst="rect">
+            <a:avLst/>
+          </a:prstGeom>
+        </p:spPr>
+      </p:pic>
     </p:spTree>
     <p:extLst>
       <p:ext uri="{BB962C8B-B14F-4D97-AF65-F5344CB8AC3E}">
@@ -5472,13 +6553,13 @@
           <a:p>
             <a:r>
               <a:rPr lang="en-US" dirty="0"/>
-              <a:t>You are attaching the Number to the end of the String, or attaching a Number to the beginning of a String.</a:t>
-            </a:r>
-          </a:p>
-          <a:p>
-            <a:r>
-              <a:rPr lang="en-US" dirty="0"/>
-              <a:t>This will convert the Number to a String, which is why we are able to use the + to combine Strings and Numbers</a:t>
+              <a:t>You are attaching the Number to the end of the String or attaching a Number to the beginning of a String.</a:t>
+            </a:r>
+          </a:p>
+          <a:p>
+            <a:r>
+              <a:rPr lang="en-US" dirty="0"/>
+              <a:t>This will convert the Number to a String, which is why we are able to use the + operator to combine Strings and Numbers</a:t>
             </a:r>
           </a:p>
           <a:p>
@@ -5486,6 +6567,42 @@
           </a:p>
         </p:txBody>
       </p:sp>
+      <p:pic>
+        <p:nvPicPr>
+          <p:cNvPr id="5" name="Picture 4" descr="A black background with white text&#10;&#10;Description automatically generated">
+            <a:extLst>
+              <a:ext uri="{FF2B5EF4-FFF2-40B4-BE49-F238E27FC236}">
+                <a16:creationId xmlns:a16="http://schemas.microsoft.com/office/drawing/2014/main" id="{8CE8414C-2173-4114-1A18-B2F847EDD5E2}"/>
+              </a:ext>
+            </a:extLst>
+          </p:cNvPr>
+          <p:cNvPicPr>
+            <a:picLocks noChangeAspect="1"/>
+          </p:cNvPicPr>
+          <p:nvPr/>
+        </p:nvPicPr>
+        <p:blipFill>
+          <a:blip r:embed="rId2">
+            <a:extLst>
+              <a:ext uri="{28A0092B-C50C-407E-A947-70E740481C1C}">
+                <a14:useLocalDpi xmlns:a14="http://schemas.microsoft.com/office/drawing/2010/main" val="0"/>
+              </a:ext>
+            </a:extLst>
+          </a:blip>
+          <a:stretch>
+            <a:fillRect/>
+          </a:stretch>
+        </p:blipFill>
+        <p:spPr>
+          <a:xfrm>
+            <a:off x="0" y="5513895"/>
+            <a:ext cx="6096000" cy="1344106"/>
+          </a:xfrm>
+          <a:prstGeom prst="rect">
+            <a:avLst/>
+          </a:prstGeom>
+        </p:spPr>
+      </p:pic>
     </p:spTree>
     <p:extLst>
       <p:ext uri="{BB962C8B-B14F-4D97-AF65-F5344CB8AC3E}">
@@ -5584,6 +6701,78 @@
           </a:p>
         </p:txBody>
       </p:sp>
+      <p:pic>
+        <p:nvPicPr>
+          <p:cNvPr id="5" name="Picture 4" descr="A black background with white text&#10;&#10;Description automatically generated">
+            <a:extLst>
+              <a:ext uri="{FF2B5EF4-FFF2-40B4-BE49-F238E27FC236}">
+                <a16:creationId xmlns:a16="http://schemas.microsoft.com/office/drawing/2014/main" id="{8BB1EAEA-5952-0058-2C7B-4CE5282C67E3}"/>
+              </a:ext>
+            </a:extLst>
+          </p:cNvPr>
+          <p:cNvPicPr>
+            <a:picLocks noChangeAspect="1"/>
+          </p:cNvPicPr>
+          <p:nvPr/>
+        </p:nvPicPr>
+        <p:blipFill>
+          <a:blip r:embed="rId2">
+            <a:extLst>
+              <a:ext uri="{28A0092B-C50C-407E-A947-70E740481C1C}">
+                <a14:useLocalDpi xmlns:a14="http://schemas.microsoft.com/office/drawing/2010/main" val="0"/>
+              </a:ext>
+            </a:extLst>
+          </a:blip>
+          <a:stretch>
+            <a:fillRect/>
+          </a:stretch>
+        </p:blipFill>
+        <p:spPr>
+          <a:xfrm>
+            <a:off x="-1" y="4997823"/>
+            <a:ext cx="6121279" cy="1860177"/>
+          </a:xfrm>
+          <a:prstGeom prst="rect">
+            <a:avLst/>
+          </a:prstGeom>
+        </p:spPr>
+      </p:pic>
+      <p:pic>
+        <p:nvPicPr>
+          <p:cNvPr id="7" name="Picture 6" descr="A black background with white text and blue numbers&#10;&#10;Description automatically generated">
+            <a:extLst>
+              <a:ext uri="{FF2B5EF4-FFF2-40B4-BE49-F238E27FC236}">
+                <a16:creationId xmlns:a16="http://schemas.microsoft.com/office/drawing/2014/main" id="{D83C8141-A61E-D1B1-B24E-A3F56DAE4FFA}"/>
+              </a:ext>
+            </a:extLst>
+          </p:cNvPr>
+          <p:cNvPicPr>
+            <a:picLocks noChangeAspect="1"/>
+          </p:cNvPicPr>
+          <p:nvPr/>
+        </p:nvPicPr>
+        <p:blipFill>
+          <a:blip r:embed="rId3">
+            <a:extLst>
+              <a:ext uri="{28A0092B-C50C-407E-A947-70E740481C1C}">
+                <a14:useLocalDpi xmlns:a14="http://schemas.microsoft.com/office/drawing/2010/main" val="0"/>
+              </a:ext>
+            </a:extLst>
+          </a:blip>
+          <a:stretch>
+            <a:fillRect/>
+          </a:stretch>
+        </p:blipFill>
+        <p:spPr>
+          <a:xfrm>
+            <a:off x="6096000" y="4997823"/>
+            <a:ext cx="6096000" cy="1860177"/>
+          </a:xfrm>
+          <a:prstGeom prst="rect">
+            <a:avLst/>
+          </a:prstGeom>
+        </p:spPr>
+      </p:pic>
     </p:spTree>
     <p:extLst>
       <p:ext uri="{BB962C8B-B14F-4D97-AF65-F5344CB8AC3E}">
@@ -5665,7 +6854,7 @@
           <a:p>
             <a:r>
               <a:rPr lang="en-US" dirty="0"/>
-              <a:t>JavaScript has some funky coding and will try to convert Strings to Numbers in numeric operations</a:t>
+              <a:t>JavaScript uses type and will try to convert Strings to Numbers in numeric operations</a:t>
             </a:r>
           </a:p>
           <a:p>
@@ -5674,26 +6863,44 @@
               <a:t>Ex: “100” / “10” will be 10</a:t>
             </a:r>
           </a:p>
-          <a:p>
-            <a:r>
-              <a:rPr lang="en-US" dirty="0"/>
-              <a:t>Ex: “10” * “10” will be 100</a:t>
-            </a:r>
-          </a:p>
-          <a:p>
-            <a:r>
-              <a:rPr lang="en-US" dirty="0"/>
-              <a:t>Ex: “100” – “10” will be 90</a:t>
-            </a:r>
-          </a:p>
-          <a:p>
-            <a:r>
-              <a:rPr lang="en-US" dirty="0"/>
-              <a:t>Ex: “10” + “10” will be “1010” because + is always used for concatenation when used with Strings</a:t>
-            </a:r>
-          </a:p>
-        </p:txBody>
-      </p:sp>
+        </p:txBody>
+      </p:sp>
+      <p:pic>
+        <p:nvPicPr>
+          <p:cNvPr id="5" name="Picture 4" descr="A black background with white text&#10;&#10;Description automatically generated">
+            <a:extLst>
+              <a:ext uri="{FF2B5EF4-FFF2-40B4-BE49-F238E27FC236}">
+                <a16:creationId xmlns:a16="http://schemas.microsoft.com/office/drawing/2014/main" id="{E88A2B39-9CB1-BDC4-4850-9AD47C3FACA4}"/>
+              </a:ext>
+            </a:extLst>
+          </p:cNvPr>
+          <p:cNvPicPr>
+            <a:picLocks noChangeAspect="1"/>
+          </p:cNvPicPr>
+          <p:nvPr/>
+        </p:nvPicPr>
+        <p:blipFill>
+          <a:blip r:embed="rId2">
+            <a:extLst>
+              <a:ext uri="{28A0092B-C50C-407E-A947-70E740481C1C}">
+                <a14:useLocalDpi xmlns:a14="http://schemas.microsoft.com/office/drawing/2010/main" val="0"/>
+              </a:ext>
+            </a:extLst>
+          </a:blip>
+          <a:stretch>
+            <a:fillRect/>
+          </a:stretch>
+        </p:blipFill>
+        <p:spPr>
+          <a:xfrm>
+            <a:off x="0" y="3927230"/>
+            <a:ext cx="6096000" cy="2930770"/>
+          </a:xfrm>
+          <a:prstGeom prst="rect">
+            <a:avLst/>
+          </a:prstGeom>
+        </p:spPr>
+      </p:pic>
     </p:spTree>
     <p:extLst>
       <p:ext uri="{BB962C8B-B14F-4D97-AF65-F5344CB8AC3E}">
@@ -5729,7 +6936,7 @@
           <p:cNvPr id="2" name="Title 1">
             <a:extLst>
               <a:ext uri="{FF2B5EF4-FFF2-40B4-BE49-F238E27FC236}">
-                <a16:creationId xmlns:a16="http://schemas.microsoft.com/office/drawing/2014/main" id="{877F6CE5-0341-4769-B187-EB52CC6B9945}"/>
+                <a16:creationId xmlns:a16="http://schemas.microsoft.com/office/drawing/2014/main" id="{D8E9CBA0-39EF-51EA-C8D5-58956E4C7BCD}"/>
               </a:ext>
             </a:extLst>
           </p:cNvPr>
@@ -5746,10 +6953,9 @@
           <a:lstStyle/>
           <a:p>
             <a:r>
-              <a:rPr lang="en-US" dirty="0" err="1"/>
-              <a:t>NaN</a:t>
-            </a:r>
-            <a:endParaRPr lang="en-US" dirty="0"/>
+              <a:rPr lang="en-US" dirty="0"/>
+              <a:t>Numeric Strings</a:t>
+            </a:r>
           </a:p>
         </p:txBody>
       </p:sp>
@@ -5758,7 +6964,7 @@
           <p:cNvPr id="3" name="Content Placeholder 2">
             <a:extLst>
               <a:ext uri="{FF2B5EF4-FFF2-40B4-BE49-F238E27FC236}">
-                <a16:creationId xmlns:a16="http://schemas.microsoft.com/office/drawing/2014/main" id="{AA7881A4-1E33-4159-9F3A-F98A212CDC0C}"/>
+                <a16:creationId xmlns:a16="http://schemas.microsoft.com/office/drawing/2014/main" id="{6DF0CFFC-2BD8-2B05-4381-D8DF20DBE2DA}"/>
               </a:ext>
             </a:extLst>
           </p:cNvPr>
@@ -5776,73 +6982,51 @@
           <a:p>
             <a:r>
               <a:rPr lang="en-US" dirty="0"/>
-              <a:t>The </a:t>
-            </a:r>
-            <a:r>
-              <a:rPr lang="en-US" b="1" dirty="0" err="1"/>
-              <a:t>NaN</a:t>
-            </a:r>
-            <a:r>
-              <a:rPr lang="en-US" dirty="0"/>
-              <a:t> keyword means “Not a Number”</a:t>
-            </a:r>
-          </a:p>
-          <a:p>
-            <a:r>
-              <a:rPr lang="en-US" dirty="0"/>
-              <a:t>Trying to do Math with a non-numeric String will result in </a:t>
-            </a:r>
-            <a:r>
-              <a:rPr lang="en-US" dirty="0" err="1"/>
-              <a:t>NaN</a:t>
-            </a:r>
-            <a:endParaRPr lang="en-US" dirty="0"/>
-          </a:p>
-          <a:p>
-            <a:r>
-              <a:rPr lang="en-US" dirty="0"/>
-              <a:t>Any time you do Math with a </a:t>
-            </a:r>
-            <a:r>
-              <a:rPr lang="en-US" dirty="0" err="1"/>
-              <a:t>NaN</a:t>
-            </a:r>
-            <a:r>
-              <a:rPr lang="en-US" dirty="0"/>
-              <a:t> value, the result with be </a:t>
-            </a:r>
-            <a:r>
-              <a:rPr lang="en-US" dirty="0" err="1"/>
-              <a:t>NaN</a:t>
-            </a:r>
-            <a:endParaRPr lang="en-US" dirty="0"/>
-          </a:p>
-          <a:p>
-            <a:r>
-              <a:rPr lang="en-US" dirty="0"/>
-              <a:t>Ex: 100 / “Apple” results in </a:t>
-            </a:r>
-            <a:r>
-              <a:rPr lang="en-US" dirty="0" err="1"/>
-              <a:t>NaN</a:t>
-            </a:r>
-            <a:endParaRPr lang="en-US" dirty="0"/>
-          </a:p>
-          <a:p>
-            <a:r>
-              <a:rPr lang="en-US" dirty="0"/>
-              <a:t>Ex: 100 / “10” will be 10, because it is a numeric String and can coerce the type</a:t>
-            </a:r>
-          </a:p>
-          <a:p>
-            <a:endParaRPr lang="en-US" dirty="0"/>
-          </a:p>
-        </p:txBody>
-      </p:sp>
+              <a:t>“100” * “10” would be 1000</a:t>
+            </a:r>
+          </a:p>
+        </p:txBody>
+      </p:sp>
+      <p:pic>
+        <p:nvPicPr>
+          <p:cNvPr id="5" name="Picture 4" descr="A black screen with different colored symbols&#10;&#10;Description automatically generated">
+            <a:extLst>
+              <a:ext uri="{FF2B5EF4-FFF2-40B4-BE49-F238E27FC236}">
+                <a16:creationId xmlns:a16="http://schemas.microsoft.com/office/drawing/2014/main" id="{FF4969C2-689A-C0A8-CA48-A1EC78AD9C6D}"/>
+              </a:ext>
+            </a:extLst>
+          </p:cNvPr>
+          <p:cNvPicPr>
+            <a:picLocks noChangeAspect="1"/>
+          </p:cNvPicPr>
+          <p:nvPr/>
+        </p:nvPicPr>
+        <p:blipFill>
+          <a:blip r:embed="rId2">
+            <a:extLst>
+              <a:ext uri="{28A0092B-C50C-407E-A947-70E740481C1C}">
+                <a14:useLocalDpi xmlns:a14="http://schemas.microsoft.com/office/drawing/2010/main" val="0"/>
+              </a:ext>
+            </a:extLst>
+          </a:blip>
+          <a:stretch>
+            <a:fillRect/>
+          </a:stretch>
+        </p:blipFill>
+        <p:spPr>
+          <a:xfrm>
+            <a:off x="0" y="4214326"/>
+            <a:ext cx="6096000" cy="2643674"/>
+          </a:xfrm>
+          <a:prstGeom prst="rect">
+            <a:avLst/>
+          </a:prstGeom>
+        </p:spPr>
+      </p:pic>
     </p:spTree>
     <p:extLst>
       <p:ext uri="{BB962C8B-B14F-4D97-AF65-F5344CB8AC3E}">
-        <p14:creationId xmlns:p14="http://schemas.microsoft.com/office/powerpoint/2010/main" val="549282887"/>
+        <p14:creationId xmlns:p14="http://schemas.microsoft.com/office/powerpoint/2010/main" val="3994913640"/>
       </p:ext>
     </p:extLst>
   </p:cSld>
@@ -5874,7 +7058,7 @@
           <p:cNvPr id="2" name="Title 1">
             <a:extLst>
               <a:ext uri="{FF2B5EF4-FFF2-40B4-BE49-F238E27FC236}">
-                <a16:creationId xmlns:a16="http://schemas.microsoft.com/office/drawing/2014/main" id="{87860262-6EA8-41EE-8E08-FB97BAEBEC0D}"/>
+                <a16:creationId xmlns:a16="http://schemas.microsoft.com/office/drawing/2014/main" id="{9F85DDCD-6298-EFE2-F6DC-C25ECF258631}"/>
               </a:ext>
             </a:extLst>
           </p:cNvPr>
@@ -5891,12 +7075,8 @@
           <a:lstStyle/>
           <a:p>
             <a:r>
-              <a:rPr lang="en-US" b="1" i="1" dirty="0" err="1"/>
-              <a:t>isNaN</a:t>
-            </a:r>
-            <a:r>
-              <a:rPr lang="en-US" b="1" i="1" dirty="0"/>
-              <a:t>()</a:t>
+              <a:rPr lang="en-US" dirty="0"/>
+              <a:t>Numeric Strings</a:t>
             </a:r>
           </a:p>
         </p:txBody>
@@ -5906,7 +7086,7 @@
           <p:cNvPr id="3" name="Content Placeholder 2">
             <a:extLst>
               <a:ext uri="{FF2B5EF4-FFF2-40B4-BE49-F238E27FC236}">
-                <a16:creationId xmlns:a16="http://schemas.microsoft.com/office/drawing/2014/main" id="{5FB714E4-A5A3-4FB9-9D6F-2D3E1B177CBC}"/>
+                <a16:creationId xmlns:a16="http://schemas.microsoft.com/office/drawing/2014/main" id="{73DE49CC-8E19-8825-5640-7713D794F9B5}"/>
               </a:ext>
             </a:extLst>
           </p:cNvPr>
@@ -5923,26 +7103,52 @@
           <a:lstStyle/>
           <a:p>
             <a:r>
-              <a:rPr lang="en-US" dirty="0" err="1"/>
-              <a:t>isNan</a:t>
-            </a:r>
-            <a:r>
-              <a:rPr lang="en-US" dirty="0"/>
-              <a:t>() is a global function (you will always have access to it) </a:t>
-            </a:r>
-          </a:p>
-          <a:p>
-            <a:r>
-              <a:rPr lang="en-US" dirty="0"/>
-              <a:t>You can place any type inside it and it will tell you if that type is Not a Number</a:t>
-            </a:r>
-          </a:p>
-        </p:txBody>
-      </p:sp>
+              <a:rPr lang="en-US" dirty="0"/>
+              <a:t>“100” – “10” would be 90</a:t>
+            </a:r>
+          </a:p>
+        </p:txBody>
+      </p:sp>
+      <p:pic>
+        <p:nvPicPr>
+          <p:cNvPr id="5" name="Picture 4" descr="A black screen with blue and white text&#10;&#10;Description automatically generated">
+            <a:extLst>
+              <a:ext uri="{FF2B5EF4-FFF2-40B4-BE49-F238E27FC236}">
+                <a16:creationId xmlns:a16="http://schemas.microsoft.com/office/drawing/2014/main" id="{921E7721-6CEF-FD46-3D02-AE42C556AA05}"/>
+              </a:ext>
+            </a:extLst>
+          </p:cNvPr>
+          <p:cNvPicPr>
+            <a:picLocks noChangeAspect="1"/>
+          </p:cNvPicPr>
+          <p:nvPr/>
+        </p:nvPicPr>
+        <p:blipFill>
+          <a:blip r:embed="rId2">
+            <a:extLst>
+              <a:ext uri="{28A0092B-C50C-407E-A947-70E740481C1C}">
+                <a14:useLocalDpi xmlns:a14="http://schemas.microsoft.com/office/drawing/2010/main" val="0"/>
+              </a:ext>
+            </a:extLst>
+          </a:blip>
+          <a:stretch>
+            <a:fillRect/>
+          </a:stretch>
+        </p:blipFill>
+        <p:spPr>
+          <a:xfrm>
+            <a:off x="0" y="4360224"/>
+            <a:ext cx="6096000" cy="2499360"/>
+          </a:xfrm>
+          <a:prstGeom prst="rect">
+            <a:avLst/>
+          </a:prstGeom>
+        </p:spPr>
+      </p:pic>
     </p:spTree>
     <p:extLst>
       <p:ext uri="{BB962C8B-B14F-4D97-AF65-F5344CB8AC3E}">
-        <p14:creationId xmlns:p14="http://schemas.microsoft.com/office/powerpoint/2010/main" val="2741778525"/>
+        <p14:creationId xmlns:p14="http://schemas.microsoft.com/office/powerpoint/2010/main" val="2692460499"/>
       </p:ext>
     </p:extLst>
   </p:cSld>
@@ -5974,7 +7180,7 @@
           <p:cNvPr id="2" name="Title 1">
             <a:extLst>
               <a:ext uri="{FF2B5EF4-FFF2-40B4-BE49-F238E27FC236}">
-                <a16:creationId xmlns:a16="http://schemas.microsoft.com/office/drawing/2014/main" id="{257A29DA-13B7-46E1-A8BE-26EEC4268DDB}"/>
+                <a16:creationId xmlns:a16="http://schemas.microsoft.com/office/drawing/2014/main" id="{74980DCC-ACB6-E469-EA46-546AC2221CC5}"/>
               </a:ext>
             </a:extLst>
           </p:cNvPr>
@@ -5992,7 +7198,7 @@
           <a:p>
             <a:r>
               <a:rPr lang="en-US" dirty="0"/>
-              <a:t>Infinity</a:t>
+              <a:t>Numeric Strings</a:t>
             </a:r>
           </a:p>
         </p:txBody>
@@ -6002,7 +7208,7 @@
           <p:cNvPr id="3" name="Content Placeholder 2">
             <a:extLst>
               <a:ext uri="{FF2B5EF4-FFF2-40B4-BE49-F238E27FC236}">
-                <a16:creationId xmlns:a16="http://schemas.microsoft.com/office/drawing/2014/main" id="{40A31DB5-8D1F-40E7-A914-9723538746C7}"/>
+                <a16:creationId xmlns:a16="http://schemas.microsoft.com/office/drawing/2014/main" id="{CEC24B25-5E8F-9EA6-58DE-2E7FBBAAE782}"/>
               </a:ext>
             </a:extLst>
           </p:cNvPr>
@@ -6020,34 +7226,65 @@
           <a:p>
             <a:r>
               <a:rPr lang="en-US" dirty="0"/>
-              <a:t>A keyword that represents a Number larger than the largest possible Number</a:t>
-            </a:r>
-          </a:p>
-          <a:p>
-            <a:r>
-              <a:rPr lang="en-US" dirty="0"/>
-              <a:t>Does not have a Mathematical value, but is larger than all other Numbers</a:t>
-            </a:r>
-          </a:p>
-          <a:p>
-            <a:r>
-              <a:rPr lang="en-US" dirty="0"/>
-              <a:t>You will get an Infinity value if you try to do Math above the max possible Number, or if you try to divide by 0</a:t>
-            </a:r>
-          </a:p>
-          <a:p>
-            <a:pPr lvl="1"/>
-            <a:r>
-              <a:rPr lang="en-US" dirty="0"/>
-              <a:t>Note: In Math, anything divided by 0 is undefined, not Infinity, but this is how JS represents that.</a:t>
-            </a:r>
-          </a:p>
-        </p:txBody>
-      </p:sp>
+              <a:t>“100” + “10” would </a:t>
+            </a:r>
+            <a:r>
+              <a:rPr lang="en-US" i="1" dirty="0"/>
+              <a:t>not</a:t>
+            </a:r>
+            <a:r>
+              <a:rPr lang="en-US" dirty="0"/>
+              <a:t> be 110</a:t>
+            </a:r>
+          </a:p>
+          <a:p>
+            <a:r>
+              <a:rPr lang="en-US" dirty="0"/>
+              <a:t>With strings the + operator is used for concatenation, not addition</a:t>
+            </a:r>
+          </a:p>
+        </p:txBody>
+      </p:sp>
+      <p:pic>
+        <p:nvPicPr>
+          <p:cNvPr id="5" name="Picture 4" descr="A black background with white text&#10;&#10;Description automatically generated">
+            <a:extLst>
+              <a:ext uri="{FF2B5EF4-FFF2-40B4-BE49-F238E27FC236}">
+                <a16:creationId xmlns:a16="http://schemas.microsoft.com/office/drawing/2014/main" id="{294788C4-4410-BDA6-2F14-92BA94884D36}"/>
+              </a:ext>
+            </a:extLst>
+          </p:cNvPr>
+          <p:cNvPicPr>
+            <a:picLocks noChangeAspect="1"/>
+          </p:cNvPicPr>
+          <p:nvPr/>
+        </p:nvPicPr>
+        <p:blipFill>
+          <a:blip r:embed="rId2">
+            <a:extLst>
+              <a:ext uri="{28A0092B-C50C-407E-A947-70E740481C1C}">
+                <a14:useLocalDpi xmlns:a14="http://schemas.microsoft.com/office/drawing/2010/main" val="0"/>
+              </a:ext>
+            </a:extLst>
+          </a:blip>
+          <a:stretch>
+            <a:fillRect/>
+          </a:stretch>
+        </p:blipFill>
+        <p:spPr>
+          <a:xfrm>
+            <a:off x="0" y="3643195"/>
+            <a:ext cx="6096000" cy="3215471"/>
+          </a:xfrm>
+          <a:prstGeom prst="rect">
+            <a:avLst/>
+          </a:prstGeom>
+        </p:spPr>
+      </p:pic>
     </p:spTree>
     <p:extLst>
       <p:ext uri="{BB962C8B-B14F-4D97-AF65-F5344CB8AC3E}">
-        <p14:creationId xmlns:p14="http://schemas.microsoft.com/office/powerpoint/2010/main" val="1742300704"/>
+        <p14:creationId xmlns:p14="http://schemas.microsoft.com/office/powerpoint/2010/main" val="958138144"/>
       </p:ext>
     </p:extLst>
   </p:cSld>
@@ -6058,58 +7295,110 @@
 </file>
 
 <file path=ppt/theme/theme1.xml><?xml version="1.0" encoding="utf-8"?>
-<a:theme xmlns:a="http://schemas.openxmlformats.org/drawingml/2006/main" name="View">
+<a:theme xmlns:a="http://schemas.openxmlformats.org/drawingml/2006/main" name="Office Theme">
   <a:themeElements>
-    <a:clrScheme name="View">
+    <a:clrScheme name="Office">
       <a:dk1>
-        <a:srgbClr val="000000"/>
+        <a:sysClr val="windowText" lastClr="000000"/>
       </a:dk1>
       <a:lt1>
-        <a:srgbClr val="FFFFFF"/>
+        <a:sysClr val="window" lastClr="FFFFFF"/>
       </a:lt1>
       <a:dk2>
-        <a:srgbClr val="46464A"/>
+        <a:srgbClr val="44546A"/>
       </a:dk2>
       <a:lt2>
-        <a:srgbClr val="D6D3CC"/>
+        <a:srgbClr val="E7E6E6"/>
       </a:lt2>
       <a:accent1>
-        <a:srgbClr val="6F6F74"/>
+        <a:srgbClr val="4472C4"/>
       </a:accent1>
       <a:accent2>
-        <a:srgbClr val="92A9B9"/>
+        <a:srgbClr val="ED7D31"/>
       </a:accent2>
       <a:accent3>
-        <a:srgbClr val="A7B789"/>
+        <a:srgbClr val="A5A5A5"/>
       </a:accent3>
       <a:accent4>
-        <a:srgbClr val="B9A489"/>
+        <a:srgbClr val="FFC000"/>
       </a:accent4>
       <a:accent5>
-        <a:srgbClr val="8D6374"/>
+        <a:srgbClr val="5B9BD5"/>
       </a:accent5>
       <a:accent6>
-        <a:srgbClr val="9B7362"/>
+        <a:srgbClr val="70AD47"/>
       </a:accent6>
       <a:hlink>
-        <a:srgbClr val="67AABF"/>
+        <a:srgbClr val="0563C1"/>
       </a:hlink>
       <a:folHlink>
-        <a:srgbClr val="ABAFA5"/>
+        <a:srgbClr val="954F72"/>
       </a:folHlink>
     </a:clrScheme>
-    <a:fontScheme name="View">
+    <a:fontScheme name="Office">
       <a:majorFont>
-        <a:latin typeface="Century Schoolbook" panose="02040604050505020304"/>
+        <a:latin typeface="Calibri Light" panose="020F0302020204030204"/>
         <a:ea typeface=""/>
         <a:cs typeface=""/>
-        <a:font script="Jpan" typeface="ＭＳ ゴシック"/>
+        <a:font script="Jpan" typeface="游ゴシック Light"/>
         <a:font script="Hang" typeface="맑은 고딕"/>
-        <a:font script="Hans" typeface="宋体"/>
+        <a:font script="Hans" typeface="等线 Light"/>
         <a:font script="Hant" typeface="新細明體"/>
-        <a:font script="Arab" typeface="Tahoma"/>
-        <a:font script="Hebr" typeface="Gisha"/>
-        <a:font script="Thai" typeface="DilleniaUPC"/>
+        <a:font script="Arab" typeface="Times New Roman"/>
+        <a:font script="Hebr" typeface="Times New Roman"/>
+        <a:font script="Thai" typeface="Angsana New"/>
+        <a:font script="Ethi" typeface="Nyala"/>
+        <a:font script="Beng" typeface="Vrinda"/>
+        <a:font script="Gujr" typeface="Shruti"/>
+        <a:font script="Khmr" typeface="MoolBoran"/>
+        <a:font script="Knda" typeface="Tunga"/>
+        <a:font script="Guru" typeface="Raavi"/>
+        <a:font script="Cans" typeface="Euphemia"/>
+        <a:font script="Cher" typeface="Plantagenet Cherokee"/>
+        <a:font script="Yiii" typeface="Microsoft Yi Baiti"/>
+        <a:font script="Tibt" typeface="Microsoft Himalaya"/>
+        <a:font script="Thaa" typeface="MV Boli"/>
+        <a:font script="Deva" typeface="Mangal"/>
+        <a:font script="Telu" typeface="Gautami"/>
+        <a:font script="Taml" typeface="Latha"/>
+        <a:font script="Syrc" typeface="Estrangelo Edessa"/>
+        <a:font script="Orya" typeface="Kalinga"/>
+        <a:font script="Mlym" typeface="Kartika"/>
+        <a:font script="Laoo" typeface="DokChampa"/>
+        <a:font script="Sinh" typeface="Iskoola Pota"/>
+        <a:font script="Mong" typeface="Mongolian Baiti"/>
+        <a:font script="Viet" typeface="Times New Roman"/>
+        <a:font script="Uigh" typeface="Microsoft Uighur"/>
+        <a:font script="Geor" typeface="Sylfaen"/>
+        <a:font script="Armn" typeface="Arial"/>
+        <a:font script="Bugi" typeface="Leelawadee UI"/>
+        <a:font script="Bopo" typeface="Microsoft JhengHei"/>
+        <a:font script="Java" typeface="Javanese Text"/>
+        <a:font script="Lisu" typeface="Segoe UI"/>
+        <a:font script="Mymr" typeface="Myanmar Text"/>
+        <a:font script="Nkoo" typeface="Ebrima"/>
+        <a:font script="Olck" typeface="Nirmala UI"/>
+        <a:font script="Osma" typeface="Ebrima"/>
+        <a:font script="Phag" typeface="Phagspa"/>
+        <a:font script="Syrn" typeface="Estrangelo Edessa"/>
+        <a:font script="Syrj" typeface="Estrangelo Edessa"/>
+        <a:font script="Syre" typeface="Estrangelo Edessa"/>
+        <a:font script="Sora" typeface="Nirmala UI"/>
+        <a:font script="Tale" typeface="Microsoft Tai Le"/>
+        <a:font script="Talu" typeface="Microsoft New Tai Lue"/>
+        <a:font script="Tfng" typeface="Ebrima"/>
+      </a:majorFont>
+      <a:minorFont>
+        <a:latin typeface="Calibri" panose="020F0502020204030204"/>
+        <a:ea typeface=""/>
+        <a:cs typeface=""/>
+        <a:font script="Jpan" typeface="游ゴシック"/>
+        <a:font script="Hang" typeface="맑은 고딕"/>
+        <a:font script="Hans" typeface="等线"/>
+        <a:font script="Hant" typeface="新細明體"/>
+        <a:font script="Arab" typeface="Arial"/>
+        <a:font script="Hebr" typeface="Arial"/>
+        <a:font script="Thai" typeface="Cordia New"/>
         <a:font script="Ethi" typeface="Nyala"/>
         <a:font script="Beng" typeface="Vrinda"/>
         <a:font script="Gujr" typeface="Shruti"/>
@@ -6130,86 +7419,107 @@
         <a:font script="Laoo" typeface="DokChampa"/>
         <a:font script="Sinh" typeface="Iskoola Pota"/>
         <a:font script="Mong" typeface="Mongolian Baiti"/>
-        <a:font script="Viet" typeface="Tahoma"/>
+        <a:font script="Viet" typeface="Arial"/>
         <a:font script="Uigh" typeface="Microsoft Uighur"/>
         <a:font script="Geor" typeface="Sylfaen"/>
-      </a:majorFont>
-      <a:minorFont>
-        <a:latin typeface="Century Schoolbook" panose="02040604050505020304"/>
-        <a:ea typeface=""/>
-        <a:cs typeface=""/>
-        <a:font script="Jpan" typeface="ＭＳ ゴシック"/>
-        <a:font script="Hang" typeface="맑은 고딕"/>
-        <a:font script="Hans" typeface="宋体"/>
-        <a:font script="Hant" typeface="新細明體"/>
-        <a:font script="Arab" typeface="Tahoma"/>
-        <a:font script="Hebr" typeface="Gisha"/>
-        <a:font script="Thai" typeface="DilleniaUPC"/>
-        <a:font script="Ethi" typeface="Nyala"/>
-        <a:font script="Beng" typeface="Vrinda"/>
-        <a:font script="Gujr" typeface="Shruti"/>
-        <a:font script="Khmr" typeface="DaunPenh"/>
-        <a:font script="Knda" typeface="Tunga"/>
-        <a:font script="Guru" typeface="Raavi"/>
-        <a:font script="Cans" typeface="Euphemia"/>
-        <a:font script="Cher" typeface="Plantagenet Cherokee"/>
-        <a:font script="Yiii" typeface="Microsoft Yi Baiti"/>
-        <a:font script="Tibt" typeface="Microsoft Himalaya"/>
-        <a:font script="Thaa" typeface="MV Boli"/>
-        <a:font script="Deva" typeface="Mangal"/>
-        <a:font script="Telu" typeface="Gautami"/>
-        <a:font script="Taml" typeface="Latha"/>
-        <a:font script="Syrc" typeface="Estrangelo Edessa"/>
-        <a:font script="Orya" typeface="Kalinga"/>
-        <a:font script="Mlym" typeface="Kartika"/>
-        <a:font script="Laoo" typeface="DokChampa"/>
-        <a:font script="Sinh" typeface="Iskoola Pota"/>
-        <a:font script="Mong" typeface="Mongolian Baiti"/>
-        <a:font script="Viet" typeface="Verdana"/>
-        <a:font script="Uigh" typeface="Microsoft Uighur"/>
-        <a:font script="Geor" typeface="Sylfaen"/>
+        <a:font script="Armn" typeface="Arial"/>
+        <a:font script="Bugi" typeface="Leelawadee UI"/>
+        <a:font script="Bopo" typeface="Microsoft JhengHei"/>
+        <a:font script="Java" typeface="Javanese Text"/>
+        <a:font script="Lisu" typeface="Segoe UI"/>
+        <a:font script="Mymr" typeface="Myanmar Text"/>
+        <a:font script="Nkoo" typeface="Ebrima"/>
+        <a:font script="Olck" typeface="Nirmala UI"/>
+        <a:font script="Osma" typeface="Ebrima"/>
+        <a:font script="Phag" typeface="Phagspa"/>
+        <a:font script="Syrn" typeface="Estrangelo Edessa"/>
+        <a:font script="Syrj" typeface="Estrangelo Edessa"/>
+        <a:font script="Syre" typeface="Estrangelo Edessa"/>
+        <a:font script="Sora" typeface="Nirmala UI"/>
+        <a:font script="Tale" typeface="Microsoft Tai Le"/>
+        <a:font script="Talu" typeface="Microsoft New Tai Lue"/>
+        <a:font script="Tfng" typeface="Ebrima"/>
       </a:minorFont>
     </a:fontScheme>
-    <a:fmtScheme name="View">
+    <a:fmtScheme name="Office">
       <a:fillStyleLst>
         <a:solidFill>
           <a:schemeClr val="phClr"/>
         </a:solidFill>
-        <a:solidFill>
-          <a:schemeClr val="phClr">
-            <a:tint val="60000"/>
-            <a:satMod val="120000"/>
-          </a:schemeClr>
-        </a:solidFill>
-        <a:solidFill>
-          <a:schemeClr val="phClr">
-            <a:shade val="75000"/>
-            <a:satMod val="160000"/>
-          </a:schemeClr>
-        </a:solidFill>
+        <a:gradFill rotWithShape="1">
+          <a:gsLst>
+            <a:gs pos="0">
+              <a:schemeClr val="phClr">
+                <a:lumMod val="110000"/>
+                <a:satMod val="105000"/>
+                <a:tint val="67000"/>
+              </a:schemeClr>
+            </a:gs>
+            <a:gs pos="50000">
+              <a:schemeClr val="phClr">
+                <a:lumMod val="105000"/>
+                <a:satMod val="103000"/>
+                <a:tint val="73000"/>
+              </a:schemeClr>
+            </a:gs>
+            <a:gs pos="100000">
+              <a:schemeClr val="phClr">
+                <a:lumMod val="105000"/>
+                <a:satMod val="109000"/>
+                <a:tint val="81000"/>
+              </a:schemeClr>
+            </a:gs>
+          </a:gsLst>
+          <a:lin ang="5400000" scaled="0"/>
+        </a:gradFill>
+        <a:gradFill rotWithShape="1">
+          <a:gsLst>
+            <a:gs pos="0">
+              <a:schemeClr val="phClr">
+                <a:satMod val="103000"/>
+                <a:lumMod val="102000"/>
+                <a:tint val="94000"/>
+              </a:schemeClr>
+            </a:gs>
+            <a:gs pos="50000">
+              <a:schemeClr val="phClr">
+                <a:satMod val="110000"/>
+                <a:lumMod val="100000"/>
+                <a:shade val="100000"/>
+              </a:schemeClr>
+            </a:gs>
+            <a:gs pos="100000">
+              <a:schemeClr val="phClr">
+                <a:lumMod val="99000"/>
+                <a:satMod val="120000"/>
+                <a:shade val="78000"/>
+              </a:schemeClr>
+            </a:gs>
+          </a:gsLst>
+          <a:lin ang="5400000" scaled="0"/>
+        </a:gradFill>
       </a:fillStyleLst>
       <a:lnStyleLst>
-        <a:ln w="9525" cap="flat" cmpd="sng" algn="ctr">
+        <a:ln w="6350" cap="flat" cmpd="sng" algn="ctr">
           <a:solidFill>
             <a:schemeClr val="phClr"/>
           </a:solidFill>
           <a:prstDash val="solid"/>
+          <a:miter lim="800000"/>
         </a:ln>
-        <a:ln w="13970" cap="flat" cmpd="sng" algn="ctr">
+        <a:ln w="12700" cap="flat" cmpd="sng" algn="ctr">
           <a:solidFill>
             <a:schemeClr val="phClr"/>
           </a:solidFill>
           <a:prstDash val="solid"/>
+          <a:miter lim="800000"/>
         </a:ln>
-        <a:ln w="17145" cap="flat" cmpd="sng" algn="ctr">
+        <a:ln w="19050" cap="flat" cmpd="sng" algn="ctr">
           <a:solidFill>
-            <a:schemeClr val="phClr">
-              <a:shade val="95000"/>
-              <a:alpha val="95000"/>
-              <a:satMod val="150000"/>
-            </a:schemeClr>
+            <a:schemeClr val="phClr"/>
           </a:solidFill>
           <a:prstDash val="solid"/>
+          <a:miter lim="800000"/>
         </a:ln>
       </a:lnStyleLst>
       <a:effectStyleLst>
@@ -6217,52 +7527,16 @@
           <a:effectLst/>
         </a:effectStyle>
         <a:effectStyle>
+          <a:effectLst/>
+        </a:effectStyle>
+        <a:effectStyle>
           <a:effectLst>
-            <a:outerShdw blurRad="50800" dist="15240" dir="5400000" algn="tl" rotWithShape="0">
+            <a:outerShdw blurRad="57150" dist="19050" dir="5400000" algn="ctr" rotWithShape="0">
               <a:srgbClr val="000000">
-                <a:alpha val="75000"/>
+                <a:alpha val="63000"/>
               </a:srgbClr>
             </a:outerShdw>
           </a:effectLst>
-          <a:scene3d>
-            <a:camera prst="orthographicFront">
-              <a:rot lat="0" lon="0" rev="0"/>
-            </a:camera>
-            <a:lightRig rig="brightRoom" dir="tl"/>
-          </a:scene3d>
-          <a:sp3d contourW="9525" prstMaterial="flat">
-            <a:bevelT w="0" h="0" prst="coolSlant"/>
-            <a:contourClr>
-              <a:schemeClr val="phClr">
-                <a:shade val="35000"/>
-                <a:satMod val="130000"/>
-              </a:schemeClr>
-            </a:contourClr>
-          </a:sp3d>
-        </a:effectStyle>
-        <a:effectStyle>
-          <a:effectLst>
-            <a:outerShdw blurRad="76200" dist="25400" dir="5400000" algn="tl" rotWithShape="0">
-              <a:srgbClr val="000000">
-                <a:alpha val="55000"/>
-              </a:srgbClr>
-            </a:outerShdw>
-          </a:effectLst>
-          <a:scene3d>
-            <a:camera prst="orthographicFront">
-              <a:rot lat="0" lon="0" rev="0"/>
-            </a:camera>
-            <a:lightRig rig="brightRoom" dir="tl"/>
-          </a:scene3d>
-          <a:sp3d contourW="19050" prstMaterial="flat">
-            <a:bevelT w="0" h="0" prst="coolSlant"/>
-            <a:contourClr>
-              <a:schemeClr val="phClr">
-                <a:shade val="25000"/>
-                <a:satMod val="140000"/>
-              </a:schemeClr>
-            </a:contourClr>
-          </a:sp3d>
         </a:effectStyle>
       </a:effectStyleLst>
       <a:bgFillStyleLst>
@@ -6279,23 +7553,28 @@
           <a:gsLst>
             <a:gs pos="0">
               <a:schemeClr val="phClr">
-                <a:tint val="94000"/>
+                <a:tint val="93000"/>
+                <a:satMod val="150000"/>
                 <a:shade val="98000"/>
+                <a:lumMod val="102000"/>
+              </a:schemeClr>
+            </a:gs>
+            <a:gs pos="50000">
+              <a:schemeClr val="phClr">
+                <a:tint val="98000"/>
                 <a:satMod val="130000"/>
-                <a:lumMod val="102000"/>
+                <a:shade val="90000"/>
+                <a:lumMod val="103000"/>
               </a:schemeClr>
             </a:gs>
             <a:gs pos="100000">
               <a:schemeClr val="phClr">
-                <a:tint val="98000"/>
-                <a:shade val="78000"/>
-                <a:satMod val="140000"/>
+                <a:shade val="63000"/>
+                <a:satMod val="120000"/>
               </a:schemeClr>
             </a:gs>
           </a:gsLst>
-          <a:path path="circle">
-            <a:fillToRect l="100000" t="100000" r="100000" b="100000"/>
-          </a:path>
+          <a:lin ang="5400000" scaled="0"/>
         </a:gradFill>
       </a:bgFillStyleLst>
     </a:fmtScheme>
@@ -6304,7 +7583,7 @@
   <a:extraClrSchemeLst/>
   <a:extLst>
     <a:ext uri="{05A4C25C-085E-4340-85A3-A5531E510DB2}">
-      <thm15:themeFamily xmlns:thm15="http://schemas.microsoft.com/office/thememl/2012/main" name="View" id="{BA0EB5A6-F2D4-4F82-977B-64ADEE4A2A69}" vid="{3969A8A2-35DB-4E3B-8885-16FD20568674}"/>
+      <thm15:themeFamily xmlns:thm15="http://schemas.microsoft.com/office/thememl/2012/main" name="Office Theme" id="{62F939B6-93AF-4DB8-9C6B-D6C7DFDC589F}" vid="{4A3C46E8-61CC-4603-A589-7422A47A8E4A}"/>
     </a:ext>
   </a:extLst>
 </a:theme>
